--- a/SimpsonsImageDetection_Final Presentation.pptx
+++ b/SimpsonsImageDetection_Final Presentation.pptx
@@ -2,37 +2,43 @@
 <file path=ppt/presentation.xml><?xml version="1.0" encoding="utf-8"?>
 <p:presentation xmlns:a="http://schemas.openxmlformats.org/drawingml/2006/main" xmlns:r="http://schemas.openxmlformats.org/officeDocument/2006/relationships" xmlns:p="http://schemas.openxmlformats.org/presentationml/2006/main" saveSubsetFonts="1">
   <p:sldMasterIdLst>
-    <p:sldMasterId id="2147483648" r:id="rId1"/>
+    <p:sldMasterId id="2147483660" r:id="rId1"/>
   </p:sldMasterIdLst>
   <p:sldIdLst>
-    <p:sldId id="256" r:id="rId2"/>
-    <p:sldId id="259" r:id="rId3"/>
-    <p:sldId id="257" r:id="rId4"/>
-    <p:sldId id="258" r:id="rId5"/>
-    <p:sldId id="260" r:id="rId6"/>
-    <p:sldId id="261" r:id="rId7"/>
-    <p:sldId id="262" r:id="rId8"/>
-    <p:sldId id="263" r:id="rId9"/>
-    <p:sldId id="264" r:id="rId10"/>
-    <p:sldId id="265" r:id="rId11"/>
-    <p:sldId id="275" r:id="rId12"/>
-    <p:sldId id="276" r:id="rId13"/>
-    <p:sldId id="278" r:id="rId14"/>
-    <p:sldId id="266" r:id="rId15"/>
-    <p:sldId id="267" r:id="rId16"/>
-    <p:sldId id="268" r:id="rId17"/>
-    <p:sldId id="269" r:id="rId18"/>
-    <p:sldId id="270" r:id="rId19"/>
-    <p:sldId id="271" r:id="rId20"/>
-    <p:sldId id="272" r:id="rId21"/>
-    <p:sldId id="273" r:id="rId22"/>
-    <p:sldId id="274" r:id="rId23"/>
+    <p:sldId id="279" r:id="rId2"/>
+    <p:sldId id="258" r:id="rId3"/>
+    <p:sldId id="256" r:id="rId4"/>
+    <p:sldId id="259" r:id="rId5"/>
+    <p:sldId id="280" r:id="rId6"/>
+    <p:sldId id="257" r:id="rId7"/>
+    <p:sldId id="285" r:id="rId8"/>
+    <p:sldId id="260" r:id="rId9"/>
+    <p:sldId id="282" r:id="rId10"/>
+    <p:sldId id="283" r:id="rId11"/>
+    <p:sldId id="284" r:id="rId12"/>
+    <p:sldId id="261" r:id="rId13"/>
+    <p:sldId id="262" r:id="rId14"/>
+    <p:sldId id="263" r:id="rId15"/>
+    <p:sldId id="264" r:id="rId16"/>
+    <p:sldId id="265" r:id="rId17"/>
+    <p:sldId id="275" r:id="rId18"/>
+    <p:sldId id="276" r:id="rId19"/>
+    <p:sldId id="278" r:id="rId20"/>
+    <p:sldId id="266" r:id="rId21"/>
+    <p:sldId id="267" r:id="rId22"/>
+    <p:sldId id="268" r:id="rId23"/>
+    <p:sldId id="269" r:id="rId24"/>
+    <p:sldId id="270" r:id="rId25"/>
+    <p:sldId id="271" r:id="rId26"/>
+    <p:sldId id="272" r:id="rId27"/>
+    <p:sldId id="273" r:id="rId28"/>
+    <p:sldId id="274" r:id="rId29"/>
   </p:sldIdLst>
   <p:sldSz cx="12192000" cy="6858000"/>
   <p:notesSz cx="6858000" cy="9144000"/>
   <p:defaultTextStyle>
     <a:defPPr>
-      <a:defRPr lang="en-US"/>
+      <a:defRPr lang="zh-CN"/>
     </a:defPPr>
     <a:lvl1pPr marL="0" algn="l" defTabSz="914400" rtl="0" eaLnBrk="1" latinLnBrk="0" hangingPunct="1">
       <a:defRPr sz="1800" kern="1200">
@@ -126,6 +132,46 @@
     </a:lvl9pPr>
   </p:defaultTextStyle>
   <p:extLst>
+    <p:ext uri="{521415D9-36F7-43E2-AB2F-B90AF26B5E84}">
+      <p14:sectionLst xmlns:p14="http://schemas.microsoft.com/office/powerpoint/2010/main">
+        <p14:section name="Default Section" id="{3CF33994-2463-4BB7-86BB-6AEFC2EC3DDE}">
+          <p14:sldIdLst>
+            <p14:sldId id="279"/>
+            <p14:sldId id="258"/>
+          </p14:sldIdLst>
+        </p14:section>
+        <p14:section name="Untitled Section" id="{B9D99ED0-710D-4EB1-8845-76A036517CC2}">
+          <p14:sldIdLst>
+            <p14:sldId id="256"/>
+            <p14:sldId id="259"/>
+            <p14:sldId id="280"/>
+            <p14:sldId id="257"/>
+            <p14:sldId id="285"/>
+            <p14:sldId id="260"/>
+            <p14:sldId id="282"/>
+            <p14:sldId id="283"/>
+            <p14:sldId id="284"/>
+            <p14:sldId id="261"/>
+            <p14:sldId id="262"/>
+            <p14:sldId id="263"/>
+            <p14:sldId id="264"/>
+            <p14:sldId id="265"/>
+            <p14:sldId id="275"/>
+            <p14:sldId id="276"/>
+            <p14:sldId id="278"/>
+            <p14:sldId id="266"/>
+            <p14:sldId id="267"/>
+            <p14:sldId id="268"/>
+            <p14:sldId id="269"/>
+            <p14:sldId id="270"/>
+            <p14:sldId id="271"/>
+            <p14:sldId id="272"/>
+            <p14:sldId id="273"/>
+            <p14:sldId id="274"/>
+          </p14:sldIdLst>
+        </p14:section>
+      </p14:sectionLst>
+    </p:ext>
     <p:ext uri="{EFAFB233-063F-42B5-8137-9DF3F51BA10A}">
       <p15:sldGuideLst xmlns:p15="http://schemas.microsoft.com/office/powerpoint/2012/main"/>
     </p:ext>
@@ -155,7 +201,7 @@
           <p:cNvPr id="2" name="Title 1">
             <a:extLst>
               <a:ext uri="{FF2B5EF4-FFF2-40B4-BE49-F238E27FC236}">
-                <a16:creationId xmlns:a16="http://schemas.microsoft.com/office/drawing/2014/main" id="{F0502F04-38F1-4FA5-8F40-BCEDA3C35433}"/>
+                <a16:creationId xmlns:a16="http://schemas.microsoft.com/office/drawing/2014/main" id="{889D9878-B5F2-4432-853C-A63EBCD36435}"/>
               </a:ext>
             </a:extLst>
           </p:cNvPr>
@@ -181,9 +227,10 @@
           </a:lstStyle>
           <a:p>
             <a:r>
-              <a:rPr lang="en-US"/>
+              <a:rPr lang="en-US" altLang="zh-CN"/>
               <a:t>Click to edit Master title style</a:t>
             </a:r>
+            <a:endParaRPr lang="zh-CN" altLang="en-US"/>
           </a:p>
         </p:txBody>
       </p:sp>
@@ -192,7 +239,7 @@
           <p:cNvPr id="3" name="Subtitle 2">
             <a:extLst>
               <a:ext uri="{FF2B5EF4-FFF2-40B4-BE49-F238E27FC236}">
-                <a16:creationId xmlns:a16="http://schemas.microsoft.com/office/drawing/2014/main" id="{E1F7877F-79E3-438E-97BA-FAC086182FE3}"/>
+                <a16:creationId xmlns:a16="http://schemas.microsoft.com/office/drawing/2014/main" id="{15FDC365-FE72-4665-A957-642DCAC84C70}"/>
               </a:ext>
             </a:extLst>
           </p:cNvPr>
@@ -251,9 +298,10 @@
           </a:lstStyle>
           <a:p>
             <a:r>
-              <a:rPr lang="en-US"/>
+              <a:rPr lang="en-US" altLang="zh-CN"/>
               <a:t>Click to edit Master subtitle style</a:t>
             </a:r>
+            <a:endParaRPr lang="zh-CN" altLang="en-US"/>
           </a:p>
         </p:txBody>
       </p:sp>
@@ -262,7 +310,7 @@
           <p:cNvPr id="4" name="Date Placeholder 3">
             <a:extLst>
               <a:ext uri="{FF2B5EF4-FFF2-40B4-BE49-F238E27FC236}">
-                <a16:creationId xmlns:a16="http://schemas.microsoft.com/office/drawing/2014/main" id="{AFAEF608-DAE3-48EE-B96C-E96C95AE0FFD}"/>
+                <a16:creationId xmlns:a16="http://schemas.microsoft.com/office/drawing/2014/main" id="{568C986D-5A0E-4F7B-9B70-44B554FD6D35}"/>
               </a:ext>
             </a:extLst>
           </p:cNvPr>
@@ -280,7 +328,7 @@
           <a:p>
             <a:fld id="{32C9AFC6-2AE4-4953-B90A-68509C2CC2F7}" type="datetimeFigureOut">
               <a:rPr lang="en-US" smtClean="0"/>
-              <a:t>7/23/2019</a:t>
+              <a:t>7/27/2019</a:t>
             </a:fld>
             <a:endParaRPr lang="en-US"/>
           </a:p>
@@ -291,7 +339,7 @@
           <p:cNvPr id="5" name="Footer Placeholder 4">
             <a:extLst>
               <a:ext uri="{FF2B5EF4-FFF2-40B4-BE49-F238E27FC236}">
-                <a16:creationId xmlns:a16="http://schemas.microsoft.com/office/drawing/2014/main" id="{86CF38F1-EC57-45BF-868C-9F71D62507BE}"/>
+                <a16:creationId xmlns:a16="http://schemas.microsoft.com/office/drawing/2014/main" id="{2AF59EC7-24C5-441E-AA22-E8E67967B806}"/>
               </a:ext>
             </a:extLst>
           </p:cNvPr>
@@ -316,7 +364,7 @@
           <p:cNvPr id="6" name="Slide Number Placeholder 5">
             <a:extLst>
               <a:ext uri="{FF2B5EF4-FFF2-40B4-BE49-F238E27FC236}">
-                <a16:creationId xmlns:a16="http://schemas.microsoft.com/office/drawing/2014/main" id="{81F6348A-D2FB-46B2-B612-5992C9E290B5}"/>
+                <a16:creationId xmlns:a16="http://schemas.microsoft.com/office/drawing/2014/main" id="{84C8888F-CB21-4AE6-B51E-C3C6868F38A5}"/>
               </a:ext>
             </a:extLst>
           </p:cNvPr>
@@ -343,7 +391,7 @@
     </p:spTree>
     <p:extLst>
       <p:ext uri="{BB962C8B-B14F-4D97-AF65-F5344CB8AC3E}">
-        <p14:creationId xmlns:p14="http://schemas.microsoft.com/office/powerpoint/2010/main" val="3395136172"/>
+        <p14:creationId xmlns:p14="http://schemas.microsoft.com/office/powerpoint/2010/main" val="67477331"/>
       </p:ext>
     </p:extLst>
   </p:cSld>
@@ -375,7 +423,7 @@
           <p:cNvPr id="2" name="Title 1">
             <a:extLst>
               <a:ext uri="{FF2B5EF4-FFF2-40B4-BE49-F238E27FC236}">
-                <a16:creationId xmlns:a16="http://schemas.microsoft.com/office/drawing/2014/main" id="{AD796313-C17D-4513-B94C-C0266DF9169B}"/>
+                <a16:creationId xmlns:a16="http://schemas.microsoft.com/office/drawing/2014/main" id="{A230FC0E-2656-4E03-85E5-29A372620658}"/>
               </a:ext>
             </a:extLst>
           </p:cNvPr>
@@ -392,9 +440,10 @@
           <a:lstStyle/>
           <a:p>
             <a:r>
-              <a:rPr lang="en-US"/>
+              <a:rPr lang="en-US" altLang="zh-CN"/>
               <a:t>Click to edit Master title style</a:t>
             </a:r>
+            <a:endParaRPr lang="zh-CN" altLang="en-US"/>
           </a:p>
         </p:txBody>
       </p:sp>
@@ -403,7 +452,7 @@
           <p:cNvPr id="3" name="Vertical Text Placeholder 2">
             <a:extLst>
               <a:ext uri="{FF2B5EF4-FFF2-40B4-BE49-F238E27FC236}">
-                <a16:creationId xmlns:a16="http://schemas.microsoft.com/office/drawing/2014/main" id="{A4844446-E859-4CCA-B3D6-597F5C1641FB}"/>
+                <a16:creationId xmlns:a16="http://schemas.microsoft.com/office/drawing/2014/main" id="{D4CDE299-5AC8-422C-B347-491602C4B7DC}"/>
               </a:ext>
             </a:extLst>
           </p:cNvPr>
@@ -421,37 +470,38 @@
           <a:p>
             <a:pPr lvl="0"/>
             <a:r>
-              <a:rPr lang="en-US"/>
+              <a:rPr lang="en-US" altLang="zh-CN"/>
               <a:t>Click to edit Master text styles</a:t>
             </a:r>
           </a:p>
           <a:p>
             <a:pPr lvl="1"/>
             <a:r>
-              <a:rPr lang="en-US"/>
+              <a:rPr lang="en-US" altLang="zh-CN"/>
               <a:t>Second level</a:t>
             </a:r>
           </a:p>
           <a:p>
             <a:pPr lvl="2"/>
             <a:r>
-              <a:rPr lang="en-US"/>
+              <a:rPr lang="en-US" altLang="zh-CN"/>
               <a:t>Third level</a:t>
             </a:r>
           </a:p>
           <a:p>
             <a:pPr lvl="3"/>
             <a:r>
-              <a:rPr lang="en-US"/>
+              <a:rPr lang="en-US" altLang="zh-CN"/>
               <a:t>Fourth level</a:t>
             </a:r>
           </a:p>
           <a:p>
             <a:pPr lvl="4"/>
             <a:r>
-              <a:rPr lang="en-US"/>
+              <a:rPr lang="en-US" altLang="zh-CN"/>
               <a:t>Fifth level</a:t>
             </a:r>
+            <a:endParaRPr lang="zh-CN" altLang="en-US"/>
           </a:p>
         </p:txBody>
       </p:sp>
@@ -460,7 +510,7 @@
           <p:cNvPr id="4" name="Date Placeholder 3">
             <a:extLst>
               <a:ext uri="{FF2B5EF4-FFF2-40B4-BE49-F238E27FC236}">
-                <a16:creationId xmlns:a16="http://schemas.microsoft.com/office/drawing/2014/main" id="{1107C41B-6DF4-4133-ACD5-FF8B49AEE2C1}"/>
+                <a16:creationId xmlns:a16="http://schemas.microsoft.com/office/drawing/2014/main" id="{64353982-07F9-4949-B6F2-A966A684BCAE}"/>
               </a:ext>
             </a:extLst>
           </p:cNvPr>
@@ -478,7 +528,7 @@
           <a:p>
             <a:fld id="{32C9AFC6-2AE4-4953-B90A-68509C2CC2F7}" type="datetimeFigureOut">
               <a:rPr lang="en-US" smtClean="0"/>
-              <a:t>7/23/2019</a:t>
+              <a:t>7/27/2019</a:t>
             </a:fld>
             <a:endParaRPr lang="en-US"/>
           </a:p>
@@ -489,7 +539,7 @@
           <p:cNvPr id="5" name="Footer Placeholder 4">
             <a:extLst>
               <a:ext uri="{FF2B5EF4-FFF2-40B4-BE49-F238E27FC236}">
-                <a16:creationId xmlns:a16="http://schemas.microsoft.com/office/drawing/2014/main" id="{91C71324-49CB-4389-9CCA-36E5037EAA4D}"/>
+                <a16:creationId xmlns:a16="http://schemas.microsoft.com/office/drawing/2014/main" id="{5C73CB0B-7178-49F5-B2C0-12E42FA50452}"/>
               </a:ext>
             </a:extLst>
           </p:cNvPr>
@@ -514,7 +564,7 @@
           <p:cNvPr id="6" name="Slide Number Placeholder 5">
             <a:extLst>
               <a:ext uri="{FF2B5EF4-FFF2-40B4-BE49-F238E27FC236}">
-                <a16:creationId xmlns:a16="http://schemas.microsoft.com/office/drawing/2014/main" id="{F8B09C44-179D-4F4C-B420-4E2E1203DC80}"/>
+                <a16:creationId xmlns:a16="http://schemas.microsoft.com/office/drawing/2014/main" id="{16ED7A54-7D98-44E3-9138-CCF1FEAB62E2}"/>
               </a:ext>
             </a:extLst>
           </p:cNvPr>
@@ -541,7 +591,7 @@
     </p:spTree>
     <p:extLst>
       <p:ext uri="{BB962C8B-B14F-4D97-AF65-F5344CB8AC3E}">
-        <p14:creationId xmlns:p14="http://schemas.microsoft.com/office/powerpoint/2010/main" val="1191867762"/>
+        <p14:creationId xmlns:p14="http://schemas.microsoft.com/office/powerpoint/2010/main" val="2023476301"/>
       </p:ext>
     </p:extLst>
   </p:cSld>
@@ -573,7 +623,7 @@
           <p:cNvPr id="2" name="Vertical Title 1">
             <a:extLst>
               <a:ext uri="{FF2B5EF4-FFF2-40B4-BE49-F238E27FC236}">
-                <a16:creationId xmlns:a16="http://schemas.microsoft.com/office/drawing/2014/main" id="{D6AFD0F0-AB04-4D82-8821-DFBEAF26DA04}"/>
+                <a16:creationId xmlns:a16="http://schemas.microsoft.com/office/drawing/2014/main" id="{C2A92BCB-08FE-4590-B817-2F41128C7FAD}"/>
               </a:ext>
             </a:extLst>
           </p:cNvPr>
@@ -595,9 +645,10 @@
           <a:lstStyle/>
           <a:p>
             <a:r>
-              <a:rPr lang="en-US"/>
+              <a:rPr lang="en-US" altLang="zh-CN"/>
               <a:t>Click to edit Master title style</a:t>
             </a:r>
+            <a:endParaRPr lang="zh-CN" altLang="en-US"/>
           </a:p>
         </p:txBody>
       </p:sp>
@@ -606,7 +657,7 @@
           <p:cNvPr id="3" name="Vertical Text Placeholder 2">
             <a:extLst>
               <a:ext uri="{FF2B5EF4-FFF2-40B4-BE49-F238E27FC236}">
-                <a16:creationId xmlns:a16="http://schemas.microsoft.com/office/drawing/2014/main" id="{382DD909-FEFA-4E07-A7A6-4312C5BBF65D}"/>
+                <a16:creationId xmlns:a16="http://schemas.microsoft.com/office/drawing/2014/main" id="{2F86261B-8A96-4F44-9450-05CC7645CEBC}"/>
               </a:ext>
             </a:extLst>
           </p:cNvPr>
@@ -629,37 +680,38 @@
           <a:p>
             <a:pPr lvl="0"/>
             <a:r>
-              <a:rPr lang="en-US"/>
+              <a:rPr lang="en-US" altLang="zh-CN"/>
               <a:t>Click to edit Master text styles</a:t>
             </a:r>
           </a:p>
           <a:p>
             <a:pPr lvl="1"/>
             <a:r>
-              <a:rPr lang="en-US"/>
+              <a:rPr lang="en-US" altLang="zh-CN"/>
               <a:t>Second level</a:t>
             </a:r>
           </a:p>
           <a:p>
             <a:pPr lvl="2"/>
             <a:r>
-              <a:rPr lang="en-US"/>
+              <a:rPr lang="en-US" altLang="zh-CN"/>
               <a:t>Third level</a:t>
             </a:r>
           </a:p>
           <a:p>
             <a:pPr lvl="3"/>
             <a:r>
-              <a:rPr lang="en-US"/>
+              <a:rPr lang="en-US" altLang="zh-CN"/>
               <a:t>Fourth level</a:t>
             </a:r>
           </a:p>
           <a:p>
             <a:pPr lvl="4"/>
             <a:r>
-              <a:rPr lang="en-US"/>
+              <a:rPr lang="en-US" altLang="zh-CN"/>
               <a:t>Fifth level</a:t>
             </a:r>
+            <a:endParaRPr lang="zh-CN" altLang="en-US"/>
           </a:p>
         </p:txBody>
       </p:sp>
@@ -668,7 +720,7 @@
           <p:cNvPr id="4" name="Date Placeholder 3">
             <a:extLst>
               <a:ext uri="{FF2B5EF4-FFF2-40B4-BE49-F238E27FC236}">
-                <a16:creationId xmlns:a16="http://schemas.microsoft.com/office/drawing/2014/main" id="{2F37B958-FE35-4698-8EB9-8846223584BC}"/>
+                <a16:creationId xmlns:a16="http://schemas.microsoft.com/office/drawing/2014/main" id="{1B83A2F8-CD7E-4CF5-B478-AA3C59B47961}"/>
               </a:ext>
             </a:extLst>
           </p:cNvPr>
@@ -686,7 +738,7 @@
           <a:p>
             <a:fld id="{32C9AFC6-2AE4-4953-B90A-68509C2CC2F7}" type="datetimeFigureOut">
               <a:rPr lang="en-US" smtClean="0"/>
-              <a:t>7/23/2019</a:t>
+              <a:t>7/27/2019</a:t>
             </a:fld>
             <a:endParaRPr lang="en-US"/>
           </a:p>
@@ -697,7 +749,7 @@
           <p:cNvPr id="5" name="Footer Placeholder 4">
             <a:extLst>
               <a:ext uri="{FF2B5EF4-FFF2-40B4-BE49-F238E27FC236}">
-                <a16:creationId xmlns:a16="http://schemas.microsoft.com/office/drawing/2014/main" id="{36F0034F-C089-4F98-9194-9CC51D68535D}"/>
+                <a16:creationId xmlns:a16="http://schemas.microsoft.com/office/drawing/2014/main" id="{D86256B1-B1A1-44D4-8C0E-2A41F0321590}"/>
               </a:ext>
             </a:extLst>
           </p:cNvPr>
@@ -722,7 +774,7 @@
           <p:cNvPr id="6" name="Slide Number Placeholder 5">
             <a:extLst>
               <a:ext uri="{FF2B5EF4-FFF2-40B4-BE49-F238E27FC236}">
-                <a16:creationId xmlns:a16="http://schemas.microsoft.com/office/drawing/2014/main" id="{397C70BF-EC8A-49E4-8006-92CEBA9E6EDB}"/>
+                <a16:creationId xmlns:a16="http://schemas.microsoft.com/office/drawing/2014/main" id="{BEC46EF9-D9B3-4F9F-A761-B66AD250F5AA}"/>
               </a:ext>
             </a:extLst>
           </p:cNvPr>
@@ -749,7 +801,7 @@
     </p:spTree>
     <p:extLst>
       <p:ext uri="{BB962C8B-B14F-4D97-AF65-F5344CB8AC3E}">
-        <p14:creationId xmlns:p14="http://schemas.microsoft.com/office/powerpoint/2010/main" val="549694887"/>
+        <p14:creationId xmlns:p14="http://schemas.microsoft.com/office/powerpoint/2010/main" val="355105997"/>
       </p:ext>
     </p:extLst>
   </p:cSld>
@@ -781,7 +833,7 @@
           <p:cNvPr id="2" name="Title 1">
             <a:extLst>
               <a:ext uri="{FF2B5EF4-FFF2-40B4-BE49-F238E27FC236}">
-                <a16:creationId xmlns:a16="http://schemas.microsoft.com/office/drawing/2014/main" id="{1D25B10E-58EB-42A0-8E09-71FD26898E2B}"/>
+                <a16:creationId xmlns:a16="http://schemas.microsoft.com/office/drawing/2014/main" id="{11C4B295-A00A-4874-BCD7-B3771C411A26}"/>
               </a:ext>
             </a:extLst>
           </p:cNvPr>
@@ -798,9 +850,10 @@
           <a:lstStyle/>
           <a:p>
             <a:r>
-              <a:rPr lang="en-US"/>
+              <a:rPr lang="en-US" altLang="zh-CN"/>
               <a:t>Click to edit Master title style</a:t>
             </a:r>
+            <a:endParaRPr lang="zh-CN" altLang="en-US"/>
           </a:p>
         </p:txBody>
       </p:sp>
@@ -809,7 +862,7 @@
           <p:cNvPr id="3" name="Content Placeholder 2">
             <a:extLst>
               <a:ext uri="{FF2B5EF4-FFF2-40B4-BE49-F238E27FC236}">
-                <a16:creationId xmlns:a16="http://schemas.microsoft.com/office/drawing/2014/main" id="{695A1F36-9425-4D00-AEAB-6396B316EB6E}"/>
+                <a16:creationId xmlns:a16="http://schemas.microsoft.com/office/drawing/2014/main" id="{4EEB4629-2C7B-4CE7-9775-A31BD6746764}"/>
               </a:ext>
             </a:extLst>
           </p:cNvPr>
@@ -827,37 +880,38 @@
           <a:p>
             <a:pPr lvl="0"/>
             <a:r>
-              <a:rPr lang="en-US"/>
+              <a:rPr lang="en-US" altLang="zh-CN"/>
               <a:t>Click to edit Master text styles</a:t>
             </a:r>
           </a:p>
           <a:p>
             <a:pPr lvl="1"/>
             <a:r>
-              <a:rPr lang="en-US"/>
+              <a:rPr lang="en-US" altLang="zh-CN"/>
               <a:t>Second level</a:t>
             </a:r>
           </a:p>
           <a:p>
             <a:pPr lvl="2"/>
             <a:r>
-              <a:rPr lang="en-US"/>
+              <a:rPr lang="en-US" altLang="zh-CN"/>
               <a:t>Third level</a:t>
             </a:r>
           </a:p>
           <a:p>
             <a:pPr lvl="3"/>
             <a:r>
-              <a:rPr lang="en-US"/>
+              <a:rPr lang="en-US" altLang="zh-CN"/>
               <a:t>Fourth level</a:t>
             </a:r>
           </a:p>
           <a:p>
             <a:pPr lvl="4"/>
             <a:r>
-              <a:rPr lang="en-US"/>
+              <a:rPr lang="en-US" altLang="zh-CN"/>
               <a:t>Fifth level</a:t>
             </a:r>
+            <a:endParaRPr lang="zh-CN" altLang="en-US"/>
           </a:p>
         </p:txBody>
       </p:sp>
@@ -866,7 +920,7 @@
           <p:cNvPr id="4" name="Date Placeholder 3">
             <a:extLst>
               <a:ext uri="{FF2B5EF4-FFF2-40B4-BE49-F238E27FC236}">
-                <a16:creationId xmlns:a16="http://schemas.microsoft.com/office/drawing/2014/main" id="{45BD4D8A-3C7C-4E4E-8B22-1C212628CA5C}"/>
+                <a16:creationId xmlns:a16="http://schemas.microsoft.com/office/drawing/2014/main" id="{8EB3D7B8-2577-48CB-9469-67A5E8110F36}"/>
               </a:ext>
             </a:extLst>
           </p:cNvPr>
@@ -884,7 +938,7 @@
           <a:p>
             <a:fld id="{32C9AFC6-2AE4-4953-B90A-68509C2CC2F7}" type="datetimeFigureOut">
               <a:rPr lang="en-US" smtClean="0"/>
-              <a:t>7/23/2019</a:t>
+              <a:t>7/27/2019</a:t>
             </a:fld>
             <a:endParaRPr lang="en-US"/>
           </a:p>
@@ -895,7 +949,7 @@
           <p:cNvPr id="5" name="Footer Placeholder 4">
             <a:extLst>
               <a:ext uri="{FF2B5EF4-FFF2-40B4-BE49-F238E27FC236}">
-                <a16:creationId xmlns:a16="http://schemas.microsoft.com/office/drawing/2014/main" id="{53D7AEFE-4297-4B27-9FC2-8F0FE680E8E1}"/>
+                <a16:creationId xmlns:a16="http://schemas.microsoft.com/office/drawing/2014/main" id="{77C2A92D-A36C-4A93-9601-5C2F1488BF79}"/>
               </a:ext>
             </a:extLst>
           </p:cNvPr>
@@ -920,7 +974,7 @@
           <p:cNvPr id="6" name="Slide Number Placeholder 5">
             <a:extLst>
               <a:ext uri="{FF2B5EF4-FFF2-40B4-BE49-F238E27FC236}">
-                <a16:creationId xmlns:a16="http://schemas.microsoft.com/office/drawing/2014/main" id="{84E13CAA-4146-462D-8706-4144CD96B28F}"/>
+                <a16:creationId xmlns:a16="http://schemas.microsoft.com/office/drawing/2014/main" id="{0A6A0B3A-9A68-49E9-A364-DA3E8C7CCDB4}"/>
               </a:ext>
             </a:extLst>
           </p:cNvPr>
@@ -947,7 +1001,7 @@
     </p:spTree>
     <p:extLst>
       <p:ext uri="{BB962C8B-B14F-4D97-AF65-F5344CB8AC3E}">
-        <p14:creationId xmlns:p14="http://schemas.microsoft.com/office/powerpoint/2010/main" val="2907325022"/>
+        <p14:creationId xmlns:p14="http://schemas.microsoft.com/office/powerpoint/2010/main" val="4182099919"/>
       </p:ext>
     </p:extLst>
   </p:cSld>
@@ -979,7 +1033,7 @@
           <p:cNvPr id="2" name="Title 1">
             <a:extLst>
               <a:ext uri="{FF2B5EF4-FFF2-40B4-BE49-F238E27FC236}">
-                <a16:creationId xmlns:a16="http://schemas.microsoft.com/office/drawing/2014/main" id="{B0270ADD-D088-4A71-8B7B-B23C08002375}"/>
+                <a16:creationId xmlns:a16="http://schemas.microsoft.com/office/drawing/2014/main" id="{C8639A3C-E1ED-41A0-8171-5DAF991D5533}"/>
               </a:ext>
             </a:extLst>
           </p:cNvPr>
@@ -1005,9 +1059,10 @@
           </a:lstStyle>
           <a:p>
             <a:r>
-              <a:rPr lang="en-US"/>
+              <a:rPr lang="en-US" altLang="zh-CN"/>
               <a:t>Click to edit Master title style</a:t>
             </a:r>
+            <a:endParaRPr lang="zh-CN" altLang="en-US"/>
           </a:p>
         </p:txBody>
       </p:sp>
@@ -1016,7 +1071,7 @@
           <p:cNvPr id="3" name="Text Placeholder 2">
             <a:extLst>
               <a:ext uri="{FF2B5EF4-FFF2-40B4-BE49-F238E27FC236}">
-                <a16:creationId xmlns:a16="http://schemas.microsoft.com/office/drawing/2014/main" id="{B19AE821-B9AF-4E7A-943F-563C040E31AC}"/>
+                <a16:creationId xmlns:a16="http://schemas.microsoft.com/office/drawing/2014/main" id="{0D28A14B-DFFA-4CD1-A05B-7687E0BE36A1}"/>
               </a:ext>
             </a:extLst>
           </p:cNvPr>
@@ -1130,7 +1185,7 @@
           <a:p>
             <a:pPr lvl="0"/>
             <a:r>
-              <a:rPr lang="en-US"/>
+              <a:rPr lang="en-US" altLang="zh-CN"/>
               <a:t>Click to edit Master text styles</a:t>
             </a:r>
           </a:p>
@@ -1141,7 +1196,7 @@
           <p:cNvPr id="4" name="Date Placeholder 3">
             <a:extLst>
               <a:ext uri="{FF2B5EF4-FFF2-40B4-BE49-F238E27FC236}">
-                <a16:creationId xmlns:a16="http://schemas.microsoft.com/office/drawing/2014/main" id="{E5E2D57D-1FE9-4F3F-BC23-5FFDFFF3D229}"/>
+                <a16:creationId xmlns:a16="http://schemas.microsoft.com/office/drawing/2014/main" id="{0A220A03-A8D9-48D3-9268-96A39EB7120D}"/>
               </a:ext>
             </a:extLst>
           </p:cNvPr>
@@ -1159,7 +1214,7 @@
           <a:p>
             <a:fld id="{32C9AFC6-2AE4-4953-B90A-68509C2CC2F7}" type="datetimeFigureOut">
               <a:rPr lang="en-US" smtClean="0"/>
-              <a:t>7/23/2019</a:t>
+              <a:t>7/27/2019</a:t>
             </a:fld>
             <a:endParaRPr lang="en-US"/>
           </a:p>
@@ -1170,7 +1225,7 @@
           <p:cNvPr id="5" name="Footer Placeholder 4">
             <a:extLst>
               <a:ext uri="{FF2B5EF4-FFF2-40B4-BE49-F238E27FC236}">
-                <a16:creationId xmlns:a16="http://schemas.microsoft.com/office/drawing/2014/main" id="{98FDD06B-121B-49CD-AEC1-17AA075CFD1F}"/>
+                <a16:creationId xmlns:a16="http://schemas.microsoft.com/office/drawing/2014/main" id="{F605DAB5-C3E1-4246-81BA-EB52CA5047F9}"/>
               </a:ext>
             </a:extLst>
           </p:cNvPr>
@@ -1195,7 +1250,7 @@
           <p:cNvPr id="6" name="Slide Number Placeholder 5">
             <a:extLst>
               <a:ext uri="{FF2B5EF4-FFF2-40B4-BE49-F238E27FC236}">
-                <a16:creationId xmlns:a16="http://schemas.microsoft.com/office/drawing/2014/main" id="{D991D8CB-482E-4780-BDD7-7F9FD8AB2F28}"/>
+                <a16:creationId xmlns:a16="http://schemas.microsoft.com/office/drawing/2014/main" id="{1CE320D6-CBF1-4AE3-A32B-BF38A501AED4}"/>
               </a:ext>
             </a:extLst>
           </p:cNvPr>
@@ -1222,7 +1277,7 @@
     </p:spTree>
     <p:extLst>
       <p:ext uri="{BB962C8B-B14F-4D97-AF65-F5344CB8AC3E}">
-        <p14:creationId xmlns:p14="http://schemas.microsoft.com/office/powerpoint/2010/main" val="3279218529"/>
+        <p14:creationId xmlns:p14="http://schemas.microsoft.com/office/powerpoint/2010/main" val="4267805369"/>
       </p:ext>
     </p:extLst>
   </p:cSld>
@@ -1254,7 +1309,7 @@
           <p:cNvPr id="2" name="Title 1">
             <a:extLst>
               <a:ext uri="{FF2B5EF4-FFF2-40B4-BE49-F238E27FC236}">
-                <a16:creationId xmlns:a16="http://schemas.microsoft.com/office/drawing/2014/main" id="{B13883D1-FBD0-4412-8C67-80C2E94E8F51}"/>
+                <a16:creationId xmlns:a16="http://schemas.microsoft.com/office/drawing/2014/main" id="{65B8DBCA-9A8A-4AFD-8BEB-F5DD7DAB8E1D}"/>
               </a:ext>
             </a:extLst>
           </p:cNvPr>
@@ -1271,9 +1326,10 @@
           <a:lstStyle/>
           <a:p>
             <a:r>
-              <a:rPr lang="en-US"/>
+              <a:rPr lang="en-US" altLang="zh-CN"/>
               <a:t>Click to edit Master title style</a:t>
             </a:r>
+            <a:endParaRPr lang="zh-CN" altLang="en-US"/>
           </a:p>
         </p:txBody>
       </p:sp>
@@ -1282,7 +1338,7 @@
           <p:cNvPr id="3" name="Content Placeholder 2">
             <a:extLst>
               <a:ext uri="{FF2B5EF4-FFF2-40B4-BE49-F238E27FC236}">
-                <a16:creationId xmlns:a16="http://schemas.microsoft.com/office/drawing/2014/main" id="{4B8A85B6-1CB4-4CC3-A0C3-47CE57016EA7}"/>
+                <a16:creationId xmlns:a16="http://schemas.microsoft.com/office/drawing/2014/main" id="{F3253E3A-2731-4105-9C84-862E881E41D9}"/>
               </a:ext>
             </a:extLst>
           </p:cNvPr>
@@ -1305,37 +1361,38 @@
           <a:p>
             <a:pPr lvl="0"/>
             <a:r>
-              <a:rPr lang="en-US"/>
+              <a:rPr lang="en-US" altLang="zh-CN"/>
               <a:t>Click to edit Master text styles</a:t>
             </a:r>
           </a:p>
           <a:p>
             <a:pPr lvl="1"/>
             <a:r>
-              <a:rPr lang="en-US"/>
+              <a:rPr lang="en-US" altLang="zh-CN"/>
               <a:t>Second level</a:t>
             </a:r>
           </a:p>
           <a:p>
             <a:pPr lvl="2"/>
             <a:r>
-              <a:rPr lang="en-US"/>
+              <a:rPr lang="en-US" altLang="zh-CN"/>
               <a:t>Third level</a:t>
             </a:r>
           </a:p>
           <a:p>
             <a:pPr lvl="3"/>
             <a:r>
-              <a:rPr lang="en-US"/>
+              <a:rPr lang="en-US" altLang="zh-CN"/>
               <a:t>Fourth level</a:t>
             </a:r>
           </a:p>
           <a:p>
             <a:pPr lvl="4"/>
             <a:r>
-              <a:rPr lang="en-US"/>
+              <a:rPr lang="en-US" altLang="zh-CN"/>
               <a:t>Fifth level</a:t>
             </a:r>
+            <a:endParaRPr lang="zh-CN" altLang="en-US"/>
           </a:p>
         </p:txBody>
       </p:sp>
@@ -1344,7 +1401,7 @@
           <p:cNvPr id="4" name="Content Placeholder 3">
             <a:extLst>
               <a:ext uri="{FF2B5EF4-FFF2-40B4-BE49-F238E27FC236}">
-                <a16:creationId xmlns:a16="http://schemas.microsoft.com/office/drawing/2014/main" id="{9746F482-F3DD-4114-A92B-AF1E075755B6}"/>
+                <a16:creationId xmlns:a16="http://schemas.microsoft.com/office/drawing/2014/main" id="{9AAAA260-AA5F-401C-AAE3-A4C03750F6B3}"/>
               </a:ext>
             </a:extLst>
           </p:cNvPr>
@@ -1367,37 +1424,38 @@
           <a:p>
             <a:pPr lvl="0"/>
             <a:r>
-              <a:rPr lang="en-US"/>
+              <a:rPr lang="en-US" altLang="zh-CN"/>
               <a:t>Click to edit Master text styles</a:t>
             </a:r>
           </a:p>
           <a:p>
             <a:pPr lvl="1"/>
             <a:r>
-              <a:rPr lang="en-US"/>
+              <a:rPr lang="en-US" altLang="zh-CN"/>
               <a:t>Second level</a:t>
             </a:r>
           </a:p>
           <a:p>
             <a:pPr lvl="2"/>
             <a:r>
-              <a:rPr lang="en-US"/>
+              <a:rPr lang="en-US" altLang="zh-CN"/>
               <a:t>Third level</a:t>
             </a:r>
           </a:p>
           <a:p>
             <a:pPr lvl="3"/>
             <a:r>
-              <a:rPr lang="en-US"/>
+              <a:rPr lang="en-US" altLang="zh-CN"/>
               <a:t>Fourth level</a:t>
             </a:r>
           </a:p>
           <a:p>
             <a:pPr lvl="4"/>
             <a:r>
-              <a:rPr lang="en-US"/>
+              <a:rPr lang="en-US" altLang="zh-CN"/>
               <a:t>Fifth level</a:t>
             </a:r>
+            <a:endParaRPr lang="zh-CN" altLang="en-US"/>
           </a:p>
         </p:txBody>
       </p:sp>
@@ -1406,7 +1464,7 @@
           <p:cNvPr id="5" name="Date Placeholder 4">
             <a:extLst>
               <a:ext uri="{FF2B5EF4-FFF2-40B4-BE49-F238E27FC236}">
-                <a16:creationId xmlns:a16="http://schemas.microsoft.com/office/drawing/2014/main" id="{0713829B-9F30-400F-8C9F-E5C74E94A19C}"/>
+                <a16:creationId xmlns:a16="http://schemas.microsoft.com/office/drawing/2014/main" id="{D53A11C1-140B-445B-9D2A-D962405BCE4A}"/>
               </a:ext>
             </a:extLst>
           </p:cNvPr>
@@ -1424,7 +1482,7 @@
           <a:p>
             <a:fld id="{32C9AFC6-2AE4-4953-B90A-68509C2CC2F7}" type="datetimeFigureOut">
               <a:rPr lang="en-US" smtClean="0"/>
-              <a:t>7/23/2019</a:t>
+              <a:t>7/27/2019</a:t>
             </a:fld>
             <a:endParaRPr lang="en-US"/>
           </a:p>
@@ -1435,7 +1493,7 @@
           <p:cNvPr id="6" name="Footer Placeholder 5">
             <a:extLst>
               <a:ext uri="{FF2B5EF4-FFF2-40B4-BE49-F238E27FC236}">
-                <a16:creationId xmlns:a16="http://schemas.microsoft.com/office/drawing/2014/main" id="{38EEBF65-6429-41AE-A164-8E8D84645C83}"/>
+                <a16:creationId xmlns:a16="http://schemas.microsoft.com/office/drawing/2014/main" id="{75455BE4-66CB-4CFB-99E2-92E62DDFE647}"/>
               </a:ext>
             </a:extLst>
           </p:cNvPr>
@@ -1460,7 +1518,7 @@
           <p:cNvPr id="7" name="Slide Number Placeholder 6">
             <a:extLst>
               <a:ext uri="{FF2B5EF4-FFF2-40B4-BE49-F238E27FC236}">
-                <a16:creationId xmlns:a16="http://schemas.microsoft.com/office/drawing/2014/main" id="{EBD9F3A8-3AA7-4A3A-BE7E-A65509FA6243}"/>
+                <a16:creationId xmlns:a16="http://schemas.microsoft.com/office/drawing/2014/main" id="{7B51562A-9993-4786-9E47-1B10A4CA8912}"/>
               </a:ext>
             </a:extLst>
           </p:cNvPr>
@@ -1487,7 +1545,7 @@
     </p:spTree>
     <p:extLst>
       <p:ext uri="{BB962C8B-B14F-4D97-AF65-F5344CB8AC3E}">
-        <p14:creationId xmlns:p14="http://schemas.microsoft.com/office/powerpoint/2010/main" val="645971327"/>
+        <p14:creationId xmlns:p14="http://schemas.microsoft.com/office/powerpoint/2010/main" val="2371836578"/>
       </p:ext>
     </p:extLst>
   </p:cSld>
@@ -1519,7 +1577,7 @@
           <p:cNvPr id="2" name="Title 1">
             <a:extLst>
               <a:ext uri="{FF2B5EF4-FFF2-40B4-BE49-F238E27FC236}">
-                <a16:creationId xmlns:a16="http://schemas.microsoft.com/office/drawing/2014/main" id="{05F70E6C-096D-40EC-9942-D05ABB4E1A77}"/>
+                <a16:creationId xmlns:a16="http://schemas.microsoft.com/office/drawing/2014/main" id="{8A64701A-941F-4E6B-9568-A4347310F3D7}"/>
               </a:ext>
             </a:extLst>
           </p:cNvPr>
@@ -1541,9 +1599,10 @@
           <a:lstStyle/>
           <a:p>
             <a:r>
-              <a:rPr lang="en-US"/>
+              <a:rPr lang="en-US" altLang="zh-CN"/>
               <a:t>Click to edit Master title style</a:t>
             </a:r>
+            <a:endParaRPr lang="zh-CN" altLang="en-US"/>
           </a:p>
         </p:txBody>
       </p:sp>
@@ -1552,7 +1611,7 @@
           <p:cNvPr id="3" name="Text Placeholder 2">
             <a:extLst>
               <a:ext uri="{FF2B5EF4-FFF2-40B4-BE49-F238E27FC236}">
-                <a16:creationId xmlns:a16="http://schemas.microsoft.com/office/drawing/2014/main" id="{497285E9-E96D-4896-A0D0-67FAE0E96AC5}"/>
+                <a16:creationId xmlns:a16="http://schemas.microsoft.com/office/drawing/2014/main" id="{DCB6DADA-4437-4B4E-9FCC-504A2E1CD1AE}"/>
               </a:ext>
             </a:extLst>
           </p:cNvPr>
@@ -1612,7 +1671,7 @@
           <a:p>
             <a:pPr lvl="0"/>
             <a:r>
-              <a:rPr lang="en-US"/>
+              <a:rPr lang="en-US" altLang="zh-CN"/>
               <a:t>Click to edit Master text styles</a:t>
             </a:r>
           </a:p>
@@ -1623,7 +1682,7 @@
           <p:cNvPr id="4" name="Content Placeholder 3">
             <a:extLst>
               <a:ext uri="{FF2B5EF4-FFF2-40B4-BE49-F238E27FC236}">
-                <a16:creationId xmlns:a16="http://schemas.microsoft.com/office/drawing/2014/main" id="{358C917F-24A3-4C4D-9FF4-3DD369912583}"/>
+                <a16:creationId xmlns:a16="http://schemas.microsoft.com/office/drawing/2014/main" id="{66035D7E-4298-4B86-9F83-44FB48E57F31}"/>
               </a:ext>
             </a:extLst>
           </p:cNvPr>
@@ -1646,37 +1705,38 @@
           <a:p>
             <a:pPr lvl="0"/>
             <a:r>
-              <a:rPr lang="en-US"/>
+              <a:rPr lang="en-US" altLang="zh-CN"/>
               <a:t>Click to edit Master text styles</a:t>
             </a:r>
           </a:p>
           <a:p>
             <a:pPr lvl="1"/>
             <a:r>
-              <a:rPr lang="en-US"/>
+              <a:rPr lang="en-US" altLang="zh-CN"/>
               <a:t>Second level</a:t>
             </a:r>
           </a:p>
           <a:p>
             <a:pPr lvl="2"/>
             <a:r>
-              <a:rPr lang="en-US"/>
+              <a:rPr lang="en-US" altLang="zh-CN"/>
               <a:t>Third level</a:t>
             </a:r>
           </a:p>
           <a:p>
             <a:pPr lvl="3"/>
             <a:r>
-              <a:rPr lang="en-US"/>
+              <a:rPr lang="en-US" altLang="zh-CN"/>
               <a:t>Fourth level</a:t>
             </a:r>
           </a:p>
           <a:p>
             <a:pPr lvl="4"/>
             <a:r>
-              <a:rPr lang="en-US"/>
+              <a:rPr lang="en-US" altLang="zh-CN"/>
               <a:t>Fifth level</a:t>
             </a:r>
+            <a:endParaRPr lang="zh-CN" altLang="en-US"/>
           </a:p>
         </p:txBody>
       </p:sp>
@@ -1685,7 +1745,7 @@
           <p:cNvPr id="5" name="Text Placeholder 4">
             <a:extLst>
               <a:ext uri="{FF2B5EF4-FFF2-40B4-BE49-F238E27FC236}">
-                <a16:creationId xmlns:a16="http://schemas.microsoft.com/office/drawing/2014/main" id="{ABEE77B0-F049-48E3-BDFF-9693B4EB6E63}"/>
+                <a16:creationId xmlns:a16="http://schemas.microsoft.com/office/drawing/2014/main" id="{C2D92331-0A51-4598-9E49-151B4F822482}"/>
               </a:ext>
             </a:extLst>
           </p:cNvPr>
@@ -1745,7 +1805,7 @@
           <a:p>
             <a:pPr lvl="0"/>
             <a:r>
-              <a:rPr lang="en-US"/>
+              <a:rPr lang="en-US" altLang="zh-CN"/>
               <a:t>Click to edit Master text styles</a:t>
             </a:r>
           </a:p>
@@ -1756,7 +1816,7 @@
           <p:cNvPr id="6" name="Content Placeholder 5">
             <a:extLst>
               <a:ext uri="{FF2B5EF4-FFF2-40B4-BE49-F238E27FC236}">
-                <a16:creationId xmlns:a16="http://schemas.microsoft.com/office/drawing/2014/main" id="{40B8F043-06AD-4020-B677-5D70D233B3CE}"/>
+                <a16:creationId xmlns:a16="http://schemas.microsoft.com/office/drawing/2014/main" id="{B55BAF4D-FBA9-405F-918F-A02E0E109ADB}"/>
               </a:ext>
             </a:extLst>
           </p:cNvPr>
@@ -1779,37 +1839,38 @@
           <a:p>
             <a:pPr lvl="0"/>
             <a:r>
-              <a:rPr lang="en-US"/>
+              <a:rPr lang="en-US" altLang="zh-CN"/>
               <a:t>Click to edit Master text styles</a:t>
             </a:r>
           </a:p>
           <a:p>
             <a:pPr lvl="1"/>
             <a:r>
-              <a:rPr lang="en-US"/>
+              <a:rPr lang="en-US" altLang="zh-CN"/>
               <a:t>Second level</a:t>
             </a:r>
           </a:p>
           <a:p>
             <a:pPr lvl="2"/>
             <a:r>
-              <a:rPr lang="en-US"/>
+              <a:rPr lang="en-US" altLang="zh-CN"/>
               <a:t>Third level</a:t>
             </a:r>
           </a:p>
           <a:p>
             <a:pPr lvl="3"/>
             <a:r>
-              <a:rPr lang="en-US"/>
+              <a:rPr lang="en-US" altLang="zh-CN"/>
               <a:t>Fourth level</a:t>
             </a:r>
           </a:p>
           <a:p>
             <a:pPr lvl="4"/>
             <a:r>
-              <a:rPr lang="en-US"/>
+              <a:rPr lang="en-US" altLang="zh-CN"/>
               <a:t>Fifth level</a:t>
             </a:r>
+            <a:endParaRPr lang="zh-CN" altLang="en-US"/>
           </a:p>
         </p:txBody>
       </p:sp>
@@ -1818,7 +1879,7 @@
           <p:cNvPr id="7" name="Date Placeholder 6">
             <a:extLst>
               <a:ext uri="{FF2B5EF4-FFF2-40B4-BE49-F238E27FC236}">
-                <a16:creationId xmlns:a16="http://schemas.microsoft.com/office/drawing/2014/main" id="{95876387-B138-4CB3-B1D0-D85DB8CEBDF9}"/>
+                <a16:creationId xmlns:a16="http://schemas.microsoft.com/office/drawing/2014/main" id="{B3E8181E-274D-44E4-9110-DAAE051E3C85}"/>
               </a:ext>
             </a:extLst>
           </p:cNvPr>
@@ -1836,7 +1897,7 @@
           <a:p>
             <a:fld id="{32C9AFC6-2AE4-4953-B90A-68509C2CC2F7}" type="datetimeFigureOut">
               <a:rPr lang="en-US" smtClean="0"/>
-              <a:t>7/23/2019</a:t>
+              <a:t>7/27/2019</a:t>
             </a:fld>
             <a:endParaRPr lang="en-US"/>
           </a:p>
@@ -1847,7 +1908,7 @@
           <p:cNvPr id="8" name="Footer Placeholder 7">
             <a:extLst>
               <a:ext uri="{FF2B5EF4-FFF2-40B4-BE49-F238E27FC236}">
-                <a16:creationId xmlns:a16="http://schemas.microsoft.com/office/drawing/2014/main" id="{8A3FB01D-89BE-428C-85EB-5DE6246843AF}"/>
+                <a16:creationId xmlns:a16="http://schemas.microsoft.com/office/drawing/2014/main" id="{CBC9B58F-6AFE-4029-8C3D-A7E41003F35B}"/>
               </a:ext>
             </a:extLst>
           </p:cNvPr>
@@ -1872,7 +1933,7 @@
           <p:cNvPr id="9" name="Slide Number Placeholder 8">
             <a:extLst>
               <a:ext uri="{FF2B5EF4-FFF2-40B4-BE49-F238E27FC236}">
-                <a16:creationId xmlns:a16="http://schemas.microsoft.com/office/drawing/2014/main" id="{77C6C9EA-B29D-4BAD-95BB-913CDED1B371}"/>
+                <a16:creationId xmlns:a16="http://schemas.microsoft.com/office/drawing/2014/main" id="{AAB7F162-C35F-48DC-A055-DDBBA55DC713}"/>
               </a:ext>
             </a:extLst>
           </p:cNvPr>
@@ -1899,7 +1960,7 @@
     </p:spTree>
     <p:extLst>
       <p:ext uri="{BB962C8B-B14F-4D97-AF65-F5344CB8AC3E}">
-        <p14:creationId xmlns:p14="http://schemas.microsoft.com/office/powerpoint/2010/main" val="1080564025"/>
+        <p14:creationId xmlns:p14="http://schemas.microsoft.com/office/powerpoint/2010/main" val="867976217"/>
       </p:ext>
     </p:extLst>
   </p:cSld>
@@ -1931,7 +1992,7 @@
           <p:cNvPr id="2" name="Title 1">
             <a:extLst>
               <a:ext uri="{FF2B5EF4-FFF2-40B4-BE49-F238E27FC236}">
-                <a16:creationId xmlns:a16="http://schemas.microsoft.com/office/drawing/2014/main" id="{69D6236F-934B-4CE3-8A83-BFBED682209D}"/>
+                <a16:creationId xmlns:a16="http://schemas.microsoft.com/office/drawing/2014/main" id="{B1F32EA8-86E9-4DFB-80C8-996E68F43AE3}"/>
               </a:ext>
             </a:extLst>
           </p:cNvPr>
@@ -1948,9 +2009,10 @@
           <a:lstStyle/>
           <a:p>
             <a:r>
-              <a:rPr lang="en-US"/>
+              <a:rPr lang="en-US" altLang="zh-CN"/>
               <a:t>Click to edit Master title style</a:t>
             </a:r>
+            <a:endParaRPr lang="zh-CN" altLang="en-US"/>
           </a:p>
         </p:txBody>
       </p:sp>
@@ -1959,7 +2021,7 @@
           <p:cNvPr id="3" name="Date Placeholder 2">
             <a:extLst>
               <a:ext uri="{FF2B5EF4-FFF2-40B4-BE49-F238E27FC236}">
-                <a16:creationId xmlns:a16="http://schemas.microsoft.com/office/drawing/2014/main" id="{1593EAA6-D050-4056-A4D1-E7ECA3C6ED90}"/>
+                <a16:creationId xmlns:a16="http://schemas.microsoft.com/office/drawing/2014/main" id="{EAEEA5E2-037E-47FD-AB56-BBCD94B4774C}"/>
               </a:ext>
             </a:extLst>
           </p:cNvPr>
@@ -1977,7 +2039,7 @@
           <a:p>
             <a:fld id="{32C9AFC6-2AE4-4953-B90A-68509C2CC2F7}" type="datetimeFigureOut">
               <a:rPr lang="en-US" smtClean="0"/>
-              <a:t>7/23/2019</a:t>
+              <a:t>7/27/2019</a:t>
             </a:fld>
             <a:endParaRPr lang="en-US"/>
           </a:p>
@@ -1988,7 +2050,7 @@
           <p:cNvPr id="4" name="Footer Placeholder 3">
             <a:extLst>
               <a:ext uri="{FF2B5EF4-FFF2-40B4-BE49-F238E27FC236}">
-                <a16:creationId xmlns:a16="http://schemas.microsoft.com/office/drawing/2014/main" id="{6A921A26-A5A2-4111-9F65-3A1DCFE921D8}"/>
+                <a16:creationId xmlns:a16="http://schemas.microsoft.com/office/drawing/2014/main" id="{67B09636-229A-4208-AB47-940DF3B208FF}"/>
               </a:ext>
             </a:extLst>
           </p:cNvPr>
@@ -2013,7 +2075,7 @@
           <p:cNvPr id="5" name="Slide Number Placeholder 4">
             <a:extLst>
               <a:ext uri="{FF2B5EF4-FFF2-40B4-BE49-F238E27FC236}">
-                <a16:creationId xmlns:a16="http://schemas.microsoft.com/office/drawing/2014/main" id="{AD36A93E-BB30-4099-9F73-8C3FDADEFA29}"/>
+                <a16:creationId xmlns:a16="http://schemas.microsoft.com/office/drawing/2014/main" id="{562860FB-0741-4306-B723-E5D060A87709}"/>
               </a:ext>
             </a:extLst>
           </p:cNvPr>
@@ -2040,7 +2102,7 @@
     </p:spTree>
     <p:extLst>
       <p:ext uri="{BB962C8B-B14F-4D97-AF65-F5344CB8AC3E}">
-        <p14:creationId xmlns:p14="http://schemas.microsoft.com/office/powerpoint/2010/main" val="3090432243"/>
+        <p14:creationId xmlns:p14="http://schemas.microsoft.com/office/powerpoint/2010/main" val="3330786253"/>
       </p:ext>
     </p:extLst>
   </p:cSld>
@@ -2072,7 +2134,7 @@
           <p:cNvPr id="2" name="Date Placeholder 1">
             <a:extLst>
               <a:ext uri="{FF2B5EF4-FFF2-40B4-BE49-F238E27FC236}">
-                <a16:creationId xmlns:a16="http://schemas.microsoft.com/office/drawing/2014/main" id="{BECB8E8C-670D-453F-97C4-AA398183CB39}"/>
+                <a16:creationId xmlns:a16="http://schemas.microsoft.com/office/drawing/2014/main" id="{EF11AF10-ECAB-4381-BA82-8AACB1E119AD}"/>
               </a:ext>
             </a:extLst>
           </p:cNvPr>
@@ -2090,7 +2152,7 @@
           <a:p>
             <a:fld id="{32C9AFC6-2AE4-4953-B90A-68509C2CC2F7}" type="datetimeFigureOut">
               <a:rPr lang="en-US" smtClean="0"/>
-              <a:t>7/23/2019</a:t>
+              <a:t>7/27/2019</a:t>
             </a:fld>
             <a:endParaRPr lang="en-US"/>
           </a:p>
@@ -2101,7 +2163,7 @@
           <p:cNvPr id="3" name="Footer Placeholder 2">
             <a:extLst>
               <a:ext uri="{FF2B5EF4-FFF2-40B4-BE49-F238E27FC236}">
-                <a16:creationId xmlns:a16="http://schemas.microsoft.com/office/drawing/2014/main" id="{2344A744-B499-4C1C-876F-BCB630419542}"/>
+                <a16:creationId xmlns:a16="http://schemas.microsoft.com/office/drawing/2014/main" id="{4A7A7E08-CB04-4D83-91B8-971EFCF58006}"/>
               </a:ext>
             </a:extLst>
           </p:cNvPr>
@@ -2126,7 +2188,7 @@
           <p:cNvPr id="4" name="Slide Number Placeholder 3">
             <a:extLst>
               <a:ext uri="{FF2B5EF4-FFF2-40B4-BE49-F238E27FC236}">
-                <a16:creationId xmlns:a16="http://schemas.microsoft.com/office/drawing/2014/main" id="{54F93A88-1549-4A11-991E-A1C08FF8CE77}"/>
+                <a16:creationId xmlns:a16="http://schemas.microsoft.com/office/drawing/2014/main" id="{56889DB4-FE58-4DCE-BCD4-D850EA28A79D}"/>
               </a:ext>
             </a:extLst>
           </p:cNvPr>
@@ -2153,7 +2215,7 @@
     </p:spTree>
     <p:extLst>
       <p:ext uri="{BB962C8B-B14F-4D97-AF65-F5344CB8AC3E}">
-        <p14:creationId xmlns:p14="http://schemas.microsoft.com/office/powerpoint/2010/main" val="16295696"/>
+        <p14:creationId xmlns:p14="http://schemas.microsoft.com/office/powerpoint/2010/main" val="358565295"/>
       </p:ext>
     </p:extLst>
   </p:cSld>
@@ -2185,7 +2247,7 @@
           <p:cNvPr id="2" name="Title 1">
             <a:extLst>
               <a:ext uri="{FF2B5EF4-FFF2-40B4-BE49-F238E27FC236}">
-                <a16:creationId xmlns:a16="http://schemas.microsoft.com/office/drawing/2014/main" id="{B8DDD451-6BBC-4261-A402-BDC918825032}"/>
+                <a16:creationId xmlns:a16="http://schemas.microsoft.com/office/drawing/2014/main" id="{32C3F36D-C3D0-4865-B8EB-1FD64D02CEFF}"/>
               </a:ext>
             </a:extLst>
           </p:cNvPr>
@@ -2211,9 +2273,10 @@
           </a:lstStyle>
           <a:p>
             <a:r>
-              <a:rPr lang="en-US"/>
+              <a:rPr lang="en-US" altLang="zh-CN"/>
               <a:t>Click to edit Master title style</a:t>
             </a:r>
+            <a:endParaRPr lang="zh-CN" altLang="en-US"/>
           </a:p>
         </p:txBody>
       </p:sp>
@@ -2222,7 +2285,7 @@
           <p:cNvPr id="3" name="Content Placeholder 2">
             <a:extLst>
               <a:ext uri="{FF2B5EF4-FFF2-40B4-BE49-F238E27FC236}">
-                <a16:creationId xmlns:a16="http://schemas.microsoft.com/office/drawing/2014/main" id="{05C9D72C-3283-4F67-8CF7-C9152E2A4619}"/>
+                <a16:creationId xmlns:a16="http://schemas.microsoft.com/office/drawing/2014/main" id="{2ABEAF59-75CE-4F12-BCE6-7D0704E4257D}"/>
               </a:ext>
             </a:extLst>
           </p:cNvPr>
@@ -2273,37 +2336,38 @@
           <a:p>
             <a:pPr lvl="0"/>
             <a:r>
-              <a:rPr lang="en-US"/>
+              <a:rPr lang="en-US" altLang="zh-CN"/>
               <a:t>Click to edit Master text styles</a:t>
             </a:r>
           </a:p>
           <a:p>
             <a:pPr lvl="1"/>
             <a:r>
-              <a:rPr lang="en-US"/>
+              <a:rPr lang="en-US" altLang="zh-CN"/>
               <a:t>Second level</a:t>
             </a:r>
           </a:p>
           <a:p>
             <a:pPr lvl="2"/>
             <a:r>
-              <a:rPr lang="en-US"/>
+              <a:rPr lang="en-US" altLang="zh-CN"/>
               <a:t>Third level</a:t>
             </a:r>
           </a:p>
           <a:p>
             <a:pPr lvl="3"/>
             <a:r>
-              <a:rPr lang="en-US"/>
+              <a:rPr lang="en-US" altLang="zh-CN"/>
               <a:t>Fourth level</a:t>
             </a:r>
           </a:p>
           <a:p>
             <a:pPr lvl="4"/>
             <a:r>
-              <a:rPr lang="en-US"/>
+              <a:rPr lang="en-US" altLang="zh-CN"/>
               <a:t>Fifth level</a:t>
             </a:r>
+            <a:endParaRPr lang="zh-CN" altLang="en-US"/>
           </a:p>
         </p:txBody>
       </p:sp>
@@ -2312,7 +2376,7 @@
           <p:cNvPr id="4" name="Text Placeholder 3">
             <a:extLst>
               <a:ext uri="{FF2B5EF4-FFF2-40B4-BE49-F238E27FC236}">
-                <a16:creationId xmlns:a16="http://schemas.microsoft.com/office/drawing/2014/main" id="{60185CF3-0222-4043-8935-ED3BD60C1EE7}"/>
+                <a16:creationId xmlns:a16="http://schemas.microsoft.com/office/drawing/2014/main" id="{1A06C2F8-2259-415D-B588-4F2667DFC501}"/>
               </a:ext>
             </a:extLst>
           </p:cNvPr>
@@ -2372,7 +2436,7 @@
           <a:p>
             <a:pPr lvl="0"/>
             <a:r>
-              <a:rPr lang="en-US"/>
+              <a:rPr lang="en-US" altLang="zh-CN"/>
               <a:t>Click to edit Master text styles</a:t>
             </a:r>
           </a:p>
@@ -2383,7 +2447,7 @@
           <p:cNvPr id="5" name="Date Placeholder 4">
             <a:extLst>
               <a:ext uri="{FF2B5EF4-FFF2-40B4-BE49-F238E27FC236}">
-                <a16:creationId xmlns:a16="http://schemas.microsoft.com/office/drawing/2014/main" id="{04B347E0-34E7-4B10-8F3F-A3133F183C0F}"/>
+                <a16:creationId xmlns:a16="http://schemas.microsoft.com/office/drawing/2014/main" id="{2A5AFAE0-6BA6-4A18-A561-3CDFF5030EF4}"/>
               </a:ext>
             </a:extLst>
           </p:cNvPr>
@@ -2401,7 +2465,7 @@
           <a:p>
             <a:fld id="{32C9AFC6-2AE4-4953-B90A-68509C2CC2F7}" type="datetimeFigureOut">
               <a:rPr lang="en-US" smtClean="0"/>
-              <a:t>7/23/2019</a:t>
+              <a:t>7/27/2019</a:t>
             </a:fld>
             <a:endParaRPr lang="en-US"/>
           </a:p>
@@ -2412,7 +2476,7 @@
           <p:cNvPr id="6" name="Footer Placeholder 5">
             <a:extLst>
               <a:ext uri="{FF2B5EF4-FFF2-40B4-BE49-F238E27FC236}">
-                <a16:creationId xmlns:a16="http://schemas.microsoft.com/office/drawing/2014/main" id="{976600C8-BB72-49D4-9283-C0E8D02F97BE}"/>
+                <a16:creationId xmlns:a16="http://schemas.microsoft.com/office/drawing/2014/main" id="{A0938D58-A506-45EE-860E-A887DCBFAB41}"/>
               </a:ext>
             </a:extLst>
           </p:cNvPr>
@@ -2437,7 +2501,7 @@
           <p:cNvPr id="7" name="Slide Number Placeholder 6">
             <a:extLst>
               <a:ext uri="{FF2B5EF4-FFF2-40B4-BE49-F238E27FC236}">
-                <a16:creationId xmlns:a16="http://schemas.microsoft.com/office/drawing/2014/main" id="{539F8A6C-9E6F-4869-889F-A9C0F25D1B24}"/>
+                <a16:creationId xmlns:a16="http://schemas.microsoft.com/office/drawing/2014/main" id="{19D1F7A8-CA94-46F4-B2CF-633FED37E66A}"/>
               </a:ext>
             </a:extLst>
           </p:cNvPr>
@@ -2464,7 +2528,7 @@
     </p:spTree>
     <p:extLst>
       <p:ext uri="{BB962C8B-B14F-4D97-AF65-F5344CB8AC3E}">
-        <p14:creationId xmlns:p14="http://schemas.microsoft.com/office/powerpoint/2010/main" val="1353010984"/>
+        <p14:creationId xmlns:p14="http://schemas.microsoft.com/office/powerpoint/2010/main" val="3056073279"/>
       </p:ext>
     </p:extLst>
   </p:cSld>
@@ -2496,7 +2560,7 @@
           <p:cNvPr id="2" name="Title 1">
             <a:extLst>
               <a:ext uri="{FF2B5EF4-FFF2-40B4-BE49-F238E27FC236}">
-                <a16:creationId xmlns:a16="http://schemas.microsoft.com/office/drawing/2014/main" id="{765E78E6-F80F-4FC0-AEEF-C61D5E6AEB52}"/>
+                <a16:creationId xmlns:a16="http://schemas.microsoft.com/office/drawing/2014/main" id="{BB70341C-2D2F-4392-808D-A3DE2162ED6C}"/>
               </a:ext>
             </a:extLst>
           </p:cNvPr>
@@ -2522,9 +2586,10 @@
           </a:lstStyle>
           <a:p>
             <a:r>
-              <a:rPr lang="en-US"/>
+              <a:rPr lang="en-US" altLang="zh-CN"/>
               <a:t>Click to edit Master title style</a:t>
             </a:r>
+            <a:endParaRPr lang="zh-CN" altLang="en-US"/>
           </a:p>
         </p:txBody>
       </p:sp>
@@ -2533,7 +2598,7 @@
           <p:cNvPr id="3" name="Picture Placeholder 2">
             <a:extLst>
               <a:ext uri="{FF2B5EF4-FFF2-40B4-BE49-F238E27FC236}">
-                <a16:creationId xmlns:a16="http://schemas.microsoft.com/office/drawing/2014/main" id="{D47E42BC-8EB1-4E56-88E3-6074AF707698}"/>
+                <a16:creationId xmlns:a16="http://schemas.microsoft.com/office/drawing/2014/main" id="{0FE2B762-44E6-431D-BBA6-DD1497CE10F6}"/>
               </a:ext>
             </a:extLst>
           </p:cNvPr>
@@ -2591,7 +2656,7 @@
             </a:lvl9pPr>
           </a:lstStyle>
           <a:p>
-            <a:endParaRPr lang="en-US"/>
+            <a:endParaRPr lang="zh-CN" altLang="en-US"/>
           </a:p>
         </p:txBody>
       </p:sp>
@@ -2600,7 +2665,7 @@
           <p:cNvPr id="4" name="Text Placeholder 3">
             <a:extLst>
               <a:ext uri="{FF2B5EF4-FFF2-40B4-BE49-F238E27FC236}">
-                <a16:creationId xmlns:a16="http://schemas.microsoft.com/office/drawing/2014/main" id="{80FE07EE-B1B0-4CF1-B8B7-E141A4976802}"/>
+                <a16:creationId xmlns:a16="http://schemas.microsoft.com/office/drawing/2014/main" id="{1F540F83-224E-4AA2-B433-7B5CE7BB9CD0}"/>
               </a:ext>
             </a:extLst>
           </p:cNvPr>
@@ -2660,7 +2725,7 @@
           <a:p>
             <a:pPr lvl="0"/>
             <a:r>
-              <a:rPr lang="en-US"/>
+              <a:rPr lang="en-US" altLang="zh-CN"/>
               <a:t>Click to edit Master text styles</a:t>
             </a:r>
           </a:p>
@@ -2671,7 +2736,7 @@
           <p:cNvPr id="5" name="Date Placeholder 4">
             <a:extLst>
               <a:ext uri="{FF2B5EF4-FFF2-40B4-BE49-F238E27FC236}">
-                <a16:creationId xmlns:a16="http://schemas.microsoft.com/office/drawing/2014/main" id="{B3B161F6-23E3-49A0-9BA1-1FDDCA0551C9}"/>
+                <a16:creationId xmlns:a16="http://schemas.microsoft.com/office/drawing/2014/main" id="{AEFFCA8E-996D-4F3A-9DA8-909A42E6059D}"/>
               </a:ext>
             </a:extLst>
           </p:cNvPr>
@@ -2689,7 +2754,7 @@
           <a:p>
             <a:fld id="{32C9AFC6-2AE4-4953-B90A-68509C2CC2F7}" type="datetimeFigureOut">
               <a:rPr lang="en-US" smtClean="0"/>
-              <a:t>7/23/2019</a:t>
+              <a:t>7/27/2019</a:t>
             </a:fld>
             <a:endParaRPr lang="en-US"/>
           </a:p>
@@ -2700,7 +2765,7 @@
           <p:cNvPr id="6" name="Footer Placeholder 5">
             <a:extLst>
               <a:ext uri="{FF2B5EF4-FFF2-40B4-BE49-F238E27FC236}">
-                <a16:creationId xmlns:a16="http://schemas.microsoft.com/office/drawing/2014/main" id="{E89EC6F0-E28D-49E0-AD61-6E7761892D9A}"/>
+                <a16:creationId xmlns:a16="http://schemas.microsoft.com/office/drawing/2014/main" id="{C6B9A528-6AF8-432C-B6EB-22309476E678}"/>
               </a:ext>
             </a:extLst>
           </p:cNvPr>
@@ -2725,7 +2790,7 @@
           <p:cNvPr id="7" name="Slide Number Placeholder 6">
             <a:extLst>
               <a:ext uri="{FF2B5EF4-FFF2-40B4-BE49-F238E27FC236}">
-                <a16:creationId xmlns:a16="http://schemas.microsoft.com/office/drawing/2014/main" id="{921C7EA3-0BBD-438B-B2F2-44F892297D63}"/>
+                <a16:creationId xmlns:a16="http://schemas.microsoft.com/office/drawing/2014/main" id="{46B345B1-E13A-4B67-A65B-76F72CE434F9}"/>
               </a:ext>
             </a:extLst>
           </p:cNvPr>
@@ -2752,7 +2817,7 @@
     </p:spTree>
     <p:extLst>
       <p:ext uri="{BB962C8B-B14F-4D97-AF65-F5344CB8AC3E}">
-        <p14:creationId xmlns:p14="http://schemas.microsoft.com/office/powerpoint/2010/main" val="436580690"/>
+        <p14:creationId xmlns:p14="http://schemas.microsoft.com/office/powerpoint/2010/main" val="3375227511"/>
       </p:ext>
     </p:extLst>
   </p:cSld>
@@ -2789,7 +2854,7 @@
           <p:cNvPr id="2" name="Title Placeholder 1">
             <a:extLst>
               <a:ext uri="{FF2B5EF4-FFF2-40B4-BE49-F238E27FC236}">
-                <a16:creationId xmlns:a16="http://schemas.microsoft.com/office/drawing/2014/main" id="{F87922BB-E311-4E6B-9358-131CB5C1AF6B}"/>
+                <a16:creationId xmlns:a16="http://schemas.microsoft.com/office/drawing/2014/main" id="{9CF70071-48AA-4580-AE5E-D5C8AC71CAFF}"/>
               </a:ext>
             </a:extLst>
           </p:cNvPr>
@@ -2816,9 +2881,10 @@
           <a:lstStyle/>
           <a:p>
             <a:r>
-              <a:rPr lang="en-US"/>
+              <a:rPr lang="en-US" altLang="zh-CN"/>
               <a:t>Click to edit Master title style</a:t>
             </a:r>
+            <a:endParaRPr lang="zh-CN" altLang="en-US"/>
           </a:p>
         </p:txBody>
       </p:sp>
@@ -2827,7 +2893,7 @@
           <p:cNvPr id="3" name="Text Placeholder 2">
             <a:extLst>
               <a:ext uri="{FF2B5EF4-FFF2-40B4-BE49-F238E27FC236}">
-                <a16:creationId xmlns:a16="http://schemas.microsoft.com/office/drawing/2014/main" id="{18349DF7-203A-4F27-B870-8DEBC89FDAE7}"/>
+                <a16:creationId xmlns:a16="http://schemas.microsoft.com/office/drawing/2014/main" id="{CBF6D738-44FF-4BCA-A56D-09691E0F14DF}"/>
               </a:ext>
             </a:extLst>
           </p:cNvPr>
@@ -2855,37 +2921,38 @@
           <a:p>
             <a:pPr lvl="0"/>
             <a:r>
-              <a:rPr lang="en-US"/>
+              <a:rPr lang="en-US" altLang="zh-CN"/>
               <a:t>Click to edit Master text styles</a:t>
             </a:r>
           </a:p>
           <a:p>
             <a:pPr lvl="1"/>
             <a:r>
-              <a:rPr lang="en-US"/>
+              <a:rPr lang="en-US" altLang="zh-CN"/>
               <a:t>Second level</a:t>
             </a:r>
           </a:p>
           <a:p>
             <a:pPr lvl="2"/>
             <a:r>
-              <a:rPr lang="en-US"/>
+              <a:rPr lang="en-US" altLang="zh-CN"/>
               <a:t>Third level</a:t>
             </a:r>
           </a:p>
           <a:p>
             <a:pPr lvl="3"/>
             <a:r>
-              <a:rPr lang="en-US"/>
+              <a:rPr lang="en-US" altLang="zh-CN"/>
               <a:t>Fourth level</a:t>
             </a:r>
           </a:p>
           <a:p>
             <a:pPr lvl="4"/>
             <a:r>
-              <a:rPr lang="en-US"/>
+              <a:rPr lang="en-US" altLang="zh-CN"/>
               <a:t>Fifth level</a:t>
             </a:r>
+            <a:endParaRPr lang="zh-CN" altLang="en-US"/>
           </a:p>
         </p:txBody>
       </p:sp>
@@ -2894,7 +2961,7 @@
           <p:cNvPr id="4" name="Date Placeholder 3">
             <a:extLst>
               <a:ext uri="{FF2B5EF4-FFF2-40B4-BE49-F238E27FC236}">
-                <a16:creationId xmlns:a16="http://schemas.microsoft.com/office/drawing/2014/main" id="{6A682D68-6F2A-444B-A38F-3DFB339288DC}"/>
+                <a16:creationId xmlns:a16="http://schemas.microsoft.com/office/drawing/2014/main" id="{583DD9EA-6C63-4C60-878A-5A58D3F860D5}"/>
               </a:ext>
             </a:extLst>
           </p:cNvPr>
@@ -2930,7 +2997,7 @@
           <a:p>
             <a:fld id="{32C9AFC6-2AE4-4953-B90A-68509C2CC2F7}" type="datetimeFigureOut">
               <a:rPr lang="en-US" smtClean="0"/>
-              <a:t>7/23/2019</a:t>
+              <a:t>7/27/2019</a:t>
             </a:fld>
             <a:endParaRPr lang="en-US"/>
           </a:p>
@@ -2941,7 +3008,7 @@
           <p:cNvPr id="5" name="Footer Placeholder 4">
             <a:extLst>
               <a:ext uri="{FF2B5EF4-FFF2-40B4-BE49-F238E27FC236}">
-                <a16:creationId xmlns:a16="http://schemas.microsoft.com/office/drawing/2014/main" id="{6E2BE0C5-7B4A-4774-BE8B-D546EB76D39B}"/>
+                <a16:creationId xmlns:a16="http://schemas.microsoft.com/office/drawing/2014/main" id="{B503B851-38B5-4B2B-AE5D-19E27A3078C3}"/>
               </a:ext>
             </a:extLst>
           </p:cNvPr>
@@ -2984,7 +3051,7 @@
           <p:cNvPr id="6" name="Slide Number Placeholder 5">
             <a:extLst>
               <a:ext uri="{FF2B5EF4-FFF2-40B4-BE49-F238E27FC236}">
-                <a16:creationId xmlns:a16="http://schemas.microsoft.com/office/drawing/2014/main" id="{D1A7430A-1D33-43C5-BCA4-EB797C24E775}"/>
+                <a16:creationId xmlns:a16="http://schemas.microsoft.com/office/drawing/2014/main" id="{8E79D7E4-AF0E-4250-9E52-F0FAD2C611FF}"/>
               </a:ext>
             </a:extLst>
           </p:cNvPr>
@@ -3029,23 +3096,23 @@
     </p:spTree>
     <p:extLst>
       <p:ext uri="{BB962C8B-B14F-4D97-AF65-F5344CB8AC3E}">
-        <p14:creationId xmlns:p14="http://schemas.microsoft.com/office/powerpoint/2010/main" val="3231404503"/>
+        <p14:creationId xmlns:p14="http://schemas.microsoft.com/office/powerpoint/2010/main" val="3100554779"/>
       </p:ext>
     </p:extLst>
   </p:cSld>
   <p:clrMap bg1="lt1" tx1="dk1" bg2="lt2" tx2="dk2" accent1="accent1" accent2="accent2" accent3="accent3" accent4="accent4" accent5="accent5" accent6="accent6" hlink="hlink" folHlink="folHlink"/>
   <p:sldLayoutIdLst>
-    <p:sldLayoutId id="2147483649" r:id="rId1"/>
-    <p:sldLayoutId id="2147483650" r:id="rId2"/>
-    <p:sldLayoutId id="2147483651" r:id="rId3"/>
-    <p:sldLayoutId id="2147483652" r:id="rId4"/>
-    <p:sldLayoutId id="2147483653" r:id="rId5"/>
-    <p:sldLayoutId id="2147483654" r:id="rId6"/>
-    <p:sldLayoutId id="2147483655" r:id="rId7"/>
-    <p:sldLayoutId id="2147483656" r:id="rId8"/>
-    <p:sldLayoutId id="2147483657" r:id="rId9"/>
-    <p:sldLayoutId id="2147483658" r:id="rId10"/>
-    <p:sldLayoutId id="2147483659" r:id="rId11"/>
+    <p:sldLayoutId id="2147483661" r:id="rId1"/>
+    <p:sldLayoutId id="2147483662" r:id="rId2"/>
+    <p:sldLayoutId id="2147483663" r:id="rId3"/>
+    <p:sldLayoutId id="2147483664" r:id="rId4"/>
+    <p:sldLayoutId id="2147483665" r:id="rId5"/>
+    <p:sldLayoutId id="2147483666" r:id="rId6"/>
+    <p:sldLayoutId id="2147483667" r:id="rId7"/>
+    <p:sldLayoutId id="2147483668" r:id="rId8"/>
+    <p:sldLayoutId id="2147483669" r:id="rId9"/>
+    <p:sldLayoutId id="2147483670" r:id="rId10"/>
+    <p:sldLayoutId id="2147483671" r:id="rId11"/>
   </p:sldLayoutIdLst>
   <p:txStyles>
     <p:titleStyle>
@@ -3233,7 +3300,7 @@
     </p:bodyStyle>
     <p:otherStyle>
       <a:defPPr>
-        <a:defRPr lang="en-US"/>
+        <a:defRPr lang="zh-CN"/>
       </a:defPPr>
       <a:lvl1pPr marL="0" algn="l" defTabSz="914400" rtl="0" eaLnBrk="1" latinLnBrk="0" hangingPunct="1">
         <a:defRPr sz="1800" kern="1200">
@@ -3333,6 +3400,14 @@
 <file path=ppt/slides/slide1.xml><?xml version="1.0" encoding="utf-8"?>
 <p:sld xmlns:a="http://schemas.openxmlformats.org/drawingml/2006/main" xmlns:r="http://schemas.openxmlformats.org/officeDocument/2006/relationships" xmlns:p="http://schemas.openxmlformats.org/presentationml/2006/main">
   <p:cSld>
+    <p:bg>
+      <p:bgPr>
+        <a:solidFill>
+          <a:schemeClr val="bg1"/>
+        </a:solidFill>
+        <a:effectLst/>
+      </p:bgPr>
+    </p:bg>
     <p:spTree>
       <p:nvGrpSpPr>
         <p:cNvPr id="1" name=""/>
@@ -3347,63 +3422,358 @@
           <a:chExt cx="0" cy="0"/>
         </a:xfrm>
       </p:grpSpPr>
-      <p:sp>
-        <p:nvSpPr>
-          <p:cNvPr id="2" name="Title 1">
-            <a:extLst>
-              <a:ext uri="{FF2B5EF4-FFF2-40B4-BE49-F238E27FC236}">
-                <a16:creationId xmlns:a16="http://schemas.microsoft.com/office/drawing/2014/main" id="{6902BBD3-1236-4D52-B9A1-AD4DF8D0B35C}"/>
-              </a:ext>
-            </a:extLst>
-          </p:cNvPr>
-          <p:cNvSpPr>
-            <a:spLocks noGrp="1"/>
-          </p:cNvSpPr>
-          <p:nvPr>
-            <p:ph type="ctrTitle"/>
-          </p:nvPr>
-        </p:nvSpPr>
-        <p:spPr/>
-        <p:txBody>
-          <a:bodyPr/>
+      <p:pic>
+        <p:nvPicPr>
+          <p:cNvPr id="2" name="Picture 1">
+            <a:extLst>
+              <a:ext uri="{FF2B5EF4-FFF2-40B4-BE49-F238E27FC236}">
+                <a16:creationId xmlns:a16="http://schemas.microsoft.com/office/drawing/2014/main" id="{1F752BEB-DFE7-4FC6-9555-8B1EB1B85105}"/>
+              </a:ext>
+            </a:extLst>
+          </p:cNvPr>
+          <p:cNvPicPr>
+            <a:picLocks noChangeAspect="1"/>
+          </p:cNvPicPr>
+          <p:nvPr/>
+        </p:nvPicPr>
+        <p:blipFill>
+          <a:blip r:embed="rId2"/>
+          <a:stretch>
+            <a:fillRect/>
+          </a:stretch>
+        </p:blipFill>
+        <p:spPr>
+          <a:xfrm>
+            <a:off x="7049311" y="360218"/>
+            <a:ext cx="4780593" cy="6168508"/>
+          </a:xfrm>
+          <a:prstGeom prst="rect">
+            <a:avLst/>
+          </a:prstGeom>
+          <a:solidFill>
+            <a:srgbClr val="FFFFFF">
+              <a:shade val="85000"/>
+            </a:srgbClr>
+          </a:solidFill>
+          <a:ln w="190500" cap="sq">
+            <a:solidFill>
+              <a:srgbClr val="FFFFFF"/>
+            </a:solidFill>
+            <a:miter lim="800000"/>
+          </a:ln>
+          <a:effectLst>
+            <a:outerShdw blurRad="65000" dist="50800" dir="12900000" kx="195000" ky="145000" algn="tl" rotWithShape="0">
+              <a:srgbClr val="000000">
+                <a:alpha val="30000"/>
+              </a:srgbClr>
+            </a:outerShdw>
+          </a:effectLst>
+          <a:scene3d>
+            <a:camera prst="orthographicFront">
+              <a:rot lat="0" lon="0" rev="360000"/>
+            </a:camera>
+            <a:lightRig rig="twoPt" dir="t">
+              <a:rot lat="0" lon="0" rev="7200000"/>
+            </a:lightRig>
+          </a:scene3d>
+          <a:sp3d contourW="12700">
+            <a:bevelT w="25400" h="19050"/>
+            <a:contourClr>
+              <a:srgbClr val="969696"/>
+            </a:contourClr>
+          </a:sp3d>
+        </p:spPr>
+      </p:pic>
+      <p:sp>
+        <p:nvSpPr>
+          <p:cNvPr id="3" name="Rectangle 2">
+            <a:extLst>
+              <a:ext uri="{FF2B5EF4-FFF2-40B4-BE49-F238E27FC236}">
+                <a16:creationId xmlns:a16="http://schemas.microsoft.com/office/drawing/2014/main" id="{5ADEF5B9-1BAE-401A-87C0-21E12138CD90}"/>
+              </a:ext>
+            </a:extLst>
+          </p:cNvPr>
+          <p:cNvSpPr/>
+          <p:nvPr/>
+        </p:nvSpPr>
+        <p:spPr>
+          <a:xfrm>
+            <a:off x="565567" y="1034473"/>
+            <a:ext cx="7359381" cy="1754326"/>
+          </a:xfrm>
+          <a:prstGeom prst="rect">
+            <a:avLst/>
+          </a:prstGeom>
+        </p:spPr>
+        <p:txBody>
+          <a:bodyPr wrap="square">
+            <a:spAutoFit/>
+          </a:bodyPr>
           <a:lstStyle/>
           <a:p>
             <a:r>
-              <a:rPr lang="en-US" dirty="0"/>
-              <a:t>Introduction</a:t>
-            </a:r>
-          </a:p>
-        </p:txBody>
-      </p:sp>
-      <p:sp>
-        <p:nvSpPr>
-          <p:cNvPr id="3" name="Subtitle 2">
-            <a:extLst>
-              <a:ext uri="{FF2B5EF4-FFF2-40B4-BE49-F238E27FC236}">
-                <a16:creationId xmlns:a16="http://schemas.microsoft.com/office/drawing/2014/main" id="{0CD2B805-351F-4720-9B6A-DD87484BA767}"/>
-              </a:ext>
-            </a:extLst>
-          </p:cNvPr>
-          <p:cNvSpPr>
-            <a:spLocks noGrp="1"/>
-          </p:cNvSpPr>
-          <p:nvPr>
-            <p:ph type="subTitle" idx="1"/>
-          </p:nvPr>
-        </p:nvSpPr>
-        <p:spPr/>
-        <p:txBody>
-          <a:bodyPr/>
+              <a:rPr lang="en-US" altLang="zh-CN" sz="5400" b="1" dirty="0">
+                <a:effectLst>
+                  <a:outerShdw blurRad="38100" dist="38100" dir="2700000" algn="tl">
+                    <a:srgbClr val="000000">
+                      <a:alpha val="43137"/>
+                    </a:srgbClr>
+                  </a:outerShdw>
+                </a:effectLst>
+                <a:latin typeface="Times New Roman" panose="02020603050405020304" pitchFamily="18" charset="0"/>
+                <a:ea typeface="Times New Roman" panose="02020603050405020304" pitchFamily="18" charset="0"/>
+              </a:rPr>
+              <a:t>Image Detection of Simpson’s Characters</a:t>
+            </a:r>
+            <a:endParaRPr lang="zh-CN" altLang="en-US" sz="5400" dirty="0">
+              <a:effectLst>
+                <a:outerShdw blurRad="38100" dist="38100" dir="2700000" algn="tl">
+                  <a:srgbClr val="000000">
+                    <a:alpha val="43137"/>
+                  </a:srgbClr>
+                </a:outerShdw>
+              </a:effectLst>
+            </a:endParaRPr>
+          </a:p>
+        </p:txBody>
+      </p:sp>
+      <p:sp>
+        <p:nvSpPr>
+          <p:cNvPr id="4" name="Rectangle 3">
+            <a:extLst>
+              <a:ext uri="{FF2B5EF4-FFF2-40B4-BE49-F238E27FC236}">
+                <a16:creationId xmlns:a16="http://schemas.microsoft.com/office/drawing/2014/main" id="{DDDB3593-9A89-4C37-A1C4-479DCCC11AE0}"/>
+              </a:ext>
+            </a:extLst>
+          </p:cNvPr>
+          <p:cNvSpPr/>
+          <p:nvPr/>
+        </p:nvSpPr>
+        <p:spPr>
+          <a:xfrm>
+            <a:off x="692727" y="4641607"/>
+            <a:ext cx="6096000" cy="1643527"/>
+          </a:xfrm>
+          <a:prstGeom prst="rect">
+            <a:avLst/>
+          </a:prstGeom>
+        </p:spPr>
+        <p:txBody>
+          <a:bodyPr>
+            <a:spAutoFit/>
+          </a:bodyPr>
           <a:lstStyle/>
           <a:p>
-            <a:endParaRPr lang="en-US"/>
+            <a:pPr algn="ctr">
+              <a:lnSpc>
+                <a:spcPct val="120000"/>
+              </a:lnSpc>
+              <a:spcAft>
+                <a:spcPts val="0"/>
+              </a:spcAft>
+            </a:pPr>
+            <a:r>
+              <a:rPr lang="en-US" altLang="zh-CN" dirty="0">
+                <a:latin typeface="Times New Roman" panose="02020603050405020304" pitchFamily="18" charset="0"/>
+                <a:ea typeface="Times New Roman" panose="02020603050405020304" pitchFamily="18" charset="0"/>
+                <a:cs typeface="Times New Roman" panose="02020603050405020304" pitchFamily="18" charset="0"/>
+              </a:rPr>
+              <a:t>Manju Prasad</a:t>
+            </a:r>
+            <a:endParaRPr lang="zh-CN" altLang="zh-CN" sz="1100" dirty="0">
+              <a:latin typeface="Calibri" panose="020F0502020204030204" pitchFamily="34" charset="0"/>
+              <a:ea typeface="Yu Mincho" panose="02020400000000000000" pitchFamily="18" charset="-128"/>
+              <a:cs typeface="Times New Roman" panose="02020603050405020304" pitchFamily="18" charset="0"/>
+            </a:endParaRPr>
+          </a:p>
+          <a:p>
+            <a:pPr algn="ctr">
+              <a:lnSpc>
+                <a:spcPct val="120000"/>
+              </a:lnSpc>
+              <a:spcAft>
+                <a:spcPts val="0"/>
+              </a:spcAft>
+            </a:pPr>
+            <a:r>
+              <a:rPr lang="en-US" altLang="zh-CN" dirty="0">
+                <a:latin typeface="Times New Roman" panose="02020603050405020304" pitchFamily="18" charset="0"/>
+                <a:ea typeface="Times New Roman" panose="02020603050405020304" pitchFamily="18" charset="0"/>
+                <a:cs typeface="Times New Roman" panose="02020603050405020304" pitchFamily="18" charset="0"/>
+              </a:rPr>
+              <a:t>Ravi Rane</a:t>
+            </a:r>
+            <a:endParaRPr lang="zh-CN" altLang="zh-CN" sz="1100" dirty="0">
+              <a:latin typeface="Calibri" panose="020F0502020204030204" pitchFamily="34" charset="0"/>
+              <a:ea typeface="Yu Mincho" panose="02020400000000000000" pitchFamily="18" charset="-128"/>
+              <a:cs typeface="Times New Roman" panose="02020603050405020304" pitchFamily="18" charset="0"/>
+            </a:endParaRPr>
+          </a:p>
+          <a:p>
+            <a:pPr algn="ctr">
+              <a:lnSpc>
+                <a:spcPct val="120000"/>
+              </a:lnSpc>
+              <a:spcAft>
+                <a:spcPts val="0"/>
+              </a:spcAft>
+            </a:pPr>
+            <a:r>
+              <a:rPr lang="en-US" altLang="zh-CN" dirty="0">
+                <a:latin typeface="Times New Roman" panose="02020603050405020304" pitchFamily="18" charset="0"/>
+                <a:ea typeface="Times New Roman" panose="02020603050405020304" pitchFamily="18" charset="0"/>
+                <a:cs typeface="Times New Roman" panose="02020603050405020304" pitchFamily="18" charset="0"/>
+              </a:rPr>
+              <a:t>Yinchen Niu</a:t>
+            </a:r>
+            <a:endParaRPr lang="zh-CN" altLang="zh-CN" sz="1100" dirty="0">
+              <a:latin typeface="Calibri" panose="020F0502020204030204" pitchFamily="34" charset="0"/>
+              <a:ea typeface="Yu Mincho" panose="02020400000000000000" pitchFamily="18" charset="-128"/>
+              <a:cs typeface="Times New Roman" panose="02020603050405020304" pitchFamily="18" charset="0"/>
+            </a:endParaRPr>
+          </a:p>
+          <a:p>
+            <a:pPr algn="ctr"/>
+            <a:r>
+              <a:rPr lang="en-US" altLang="zh-CN" dirty="0" err="1">
+                <a:latin typeface="Times New Roman" panose="02020603050405020304" pitchFamily="18" charset="0"/>
+                <a:ea typeface="Times New Roman" panose="02020603050405020304" pitchFamily="18" charset="0"/>
+              </a:rPr>
+              <a:t>Zegang</a:t>
+            </a:r>
+            <a:r>
+              <a:rPr lang="en-US" altLang="zh-CN" dirty="0">
+                <a:latin typeface="Times New Roman" panose="02020603050405020304" pitchFamily="18" charset="0"/>
+                <a:ea typeface="Times New Roman" panose="02020603050405020304" pitchFamily="18" charset="0"/>
+              </a:rPr>
+              <a:t> Liu</a:t>
+            </a:r>
+          </a:p>
+          <a:p>
+            <a:pPr algn="ctr"/>
+            <a:r>
+              <a:rPr lang="en-US" altLang="zh-CN" dirty="0">
+                <a:latin typeface="Times New Roman" panose="02020603050405020304" pitchFamily="18" charset="0"/>
+                <a:cs typeface="Times New Roman" panose="02020603050405020304" pitchFamily="18" charset="0"/>
+              </a:rPr>
+              <a:t>Tad </a:t>
+            </a:r>
+            <a:r>
+              <a:rPr lang="en-US" altLang="zh-CN" dirty="0" err="1">
+                <a:latin typeface="Times New Roman" panose="02020603050405020304" pitchFamily="18" charset="0"/>
+                <a:cs typeface="Times New Roman" panose="02020603050405020304" pitchFamily="18" charset="0"/>
+              </a:rPr>
+              <a:t>Berkery</a:t>
+            </a:r>
+            <a:endParaRPr lang="zh-CN" altLang="en-US" dirty="0">
+              <a:latin typeface="Times New Roman" panose="02020603050405020304" pitchFamily="18" charset="0"/>
+              <a:cs typeface="Times New Roman" panose="02020603050405020304" pitchFamily="18" charset="0"/>
+            </a:endParaRPr>
+          </a:p>
+        </p:txBody>
+      </p:sp>
+      <p:sp>
+        <p:nvSpPr>
+          <p:cNvPr id="5" name="Rectangle 4">
+            <a:extLst>
+              <a:ext uri="{FF2B5EF4-FFF2-40B4-BE49-F238E27FC236}">
+                <a16:creationId xmlns:a16="http://schemas.microsoft.com/office/drawing/2014/main" id="{F5F41986-88EC-43AB-B6DC-B53FC0438EC6}"/>
+              </a:ext>
+            </a:extLst>
+          </p:cNvPr>
+          <p:cNvSpPr/>
+          <p:nvPr/>
+        </p:nvSpPr>
+        <p:spPr>
+          <a:xfrm>
+            <a:off x="692727" y="2884206"/>
+            <a:ext cx="6096000" cy="1661993"/>
+          </a:xfrm>
+          <a:prstGeom prst="rect">
+            <a:avLst/>
+          </a:prstGeom>
+        </p:spPr>
+        <p:txBody>
+          <a:bodyPr>
+            <a:spAutoFit/>
+          </a:bodyPr>
+          <a:lstStyle/>
+          <a:p>
+            <a:pPr algn="ctr">
+              <a:spcBef>
+                <a:spcPts val="1200"/>
+              </a:spcBef>
+              <a:spcAft>
+                <a:spcPts val="600"/>
+              </a:spcAft>
+            </a:pPr>
+            <a:r>
+              <a:rPr lang="en-US" altLang="zh-CN" sz="2400" b="1" dirty="0">
+                <a:latin typeface="Times New Roman" panose="02020603050405020304" pitchFamily="18" charset="0"/>
+                <a:ea typeface="Times New Roman" panose="02020603050405020304" pitchFamily="18" charset="0"/>
+                <a:cs typeface="Times New Roman" panose="02020603050405020304" pitchFamily="18" charset="0"/>
+              </a:rPr>
+              <a:t>George Mason University</a:t>
+            </a:r>
+            <a:endParaRPr lang="en-US" altLang="zh-CN" b="1" dirty="0">
+              <a:latin typeface="Calibri" panose="020F0502020204030204" pitchFamily="34" charset="0"/>
+              <a:ea typeface="Yu Mincho" panose="02020400000000000000" pitchFamily="18" charset="-128"/>
+              <a:cs typeface="Times New Roman" panose="02020603050405020304" pitchFamily="18" charset="0"/>
+            </a:endParaRPr>
+          </a:p>
+          <a:p>
+            <a:pPr algn="ctr">
+              <a:spcBef>
+                <a:spcPts val="1200"/>
+              </a:spcBef>
+              <a:spcAft>
+                <a:spcPts val="600"/>
+              </a:spcAft>
+            </a:pPr>
+            <a:r>
+              <a:rPr lang="en-US" altLang="zh-CN" sz="2400" b="1" dirty="0">
+                <a:latin typeface="Times New Roman" panose="02020603050405020304" pitchFamily="18" charset="0"/>
+                <a:ea typeface="Times New Roman" panose="02020603050405020304" pitchFamily="18" charset="0"/>
+                <a:cs typeface="Times New Roman" panose="02020603050405020304" pitchFamily="18" charset="0"/>
+              </a:rPr>
+              <a:t>DAEN 690</a:t>
+            </a:r>
+            <a:endParaRPr lang="zh-CN" altLang="zh-CN" b="1" dirty="0">
+              <a:latin typeface="Calibri" panose="020F0502020204030204" pitchFamily="34" charset="0"/>
+              <a:ea typeface="Yu Mincho" panose="02020400000000000000" pitchFamily="18" charset="-128"/>
+              <a:cs typeface="Times New Roman" panose="02020603050405020304" pitchFamily="18" charset="0"/>
+            </a:endParaRPr>
+          </a:p>
+          <a:p>
+            <a:pPr algn="ctr">
+              <a:spcBef>
+                <a:spcPts val="1200"/>
+              </a:spcBef>
+              <a:spcAft>
+                <a:spcPts val="600"/>
+              </a:spcAft>
+            </a:pPr>
+            <a:r>
+              <a:rPr lang="en-US" altLang="zh-CN" sz="2400" b="1" dirty="0">
+                <a:latin typeface="Times New Roman" panose="02020603050405020304" pitchFamily="18" charset="0"/>
+                <a:ea typeface="Times New Roman" panose="02020603050405020304" pitchFamily="18" charset="0"/>
+                <a:cs typeface="Times New Roman" panose="02020603050405020304" pitchFamily="18" charset="0"/>
+              </a:rPr>
+              <a:t>Summer 2019</a:t>
+            </a:r>
+            <a:endParaRPr lang="zh-CN" altLang="zh-CN" b="1" dirty="0">
+              <a:effectLst/>
+              <a:latin typeface="Calibri" panose="020F0502020204030204" pitchFamily="34" charset="0"/>
+              <a:ea typeface="Yu Mincho" panose="02020400000000000000" pitchFamily="18" charset="-128"/>
+              <a:cs typeface="Times New Roman" panose="02020603050405020304" pitchFamily="18" charset="0"/>
+            </a:endParaRPr>
           </a:p>
         </p:txBody>
       </p:sp>
     </p:spTree>
     <p:extLst>
       <p:ext uri="{BB962C8B-B14F-4D97-AF65-F5344CB8AC3E}">
-        <p14:creationId xmlns:p14="http://schemas.microsoft.com/office/powerpoint/2010/main" val="824143865"/>
+        <p14:creationId xmlns:p14="http://schemas.microsoft.com/office/powerpoint/2010/main" val="3151920321"/>
       </p:ext>
     </p:extLst>
   </p:cSld>
@@ -3430,86 +3800,161 @@
           <a:chExt cx="0" cy="0"/>
         </a:xfrm>
       </p:grpSpPr>
-      <p:sp>
-        <p:nvSpPr>
-          <p:cNvPr id="2" name="Title 1">
-            <a:extLst>
-              <a:ext uri="{FF2B5EF4-FFF2-40B4-BE49-F238E27FC236}">
-                <a16:creationId xmlns:a16="http://schemas.microsoft.com/office/drawing/2014/main" id="{6902BBD3-1236-4D52-B9A1-AD4DF8D0B35C}"/>
-              </a:ext>
-            </a:extLst>
-          </p:cNvPr>
-          <p:cNvSpPr>
-            <a:spLocks noGrp="1"/>
-          </p:cNvSpPr>
-          <p:nvPr>
-            <p:ph type="ctrTitle"/>
-          </p:nvPr>
+      <p:pic>
+        <p:nvPicPr>
+          <p:cNvPr id="2" name="Google Shape;173;p19">
+            <a:extLst>
+              <a:ext uri="{FF2B5EF4-FFF2-40B4-BE49-F238E27FC236}">
+                <a16:creationId xmlns:a16="http://schemas.microsoft.com/office/drawing/2014/main" id="{1345B582-B0D2-4EB6-8756-068DB36F9F1E}"/>
+              </a:ext>
+            </a:extLst>
+          </p:cNvPr>
+          <p:cNvPicPr preferRelativeResize="0">
+            <a:picLocks noChangeAspect="1" noChangeArrowheads="1"/>
+          </p:cNvPicPr>
+          <p:nvPr/>
+        </p:nvPicPr>
+        <p:blipFill>
+          <a:blip r:embed="rId2">
+            <a:extLst>
+              <a:ext uri="{28A0092B-C50C-407E-A947-70E740481C1C}">
+                <a14:useLocalDpi xmlns:a14="http://schemas.microsoft.com/office/drawing/2010/main" val="0"/>
+              </a:ext>
+            </a:extLst>
+          </a:blip>
+          <a:srcRect/>
+          <a:stretch>
+            <a:fillRect/>
+          </a:stretch>
+        </p:blipFill>
+        <p:spPr bwMode="auto">
+          <a:xfrm>
+            <a:off x="201613" y="969963"/>
+            <a:ext cx="9228137" cy="5735637"/>
+          </a:xfrm>
+          <a:prstGeom prst="rect">
+            <a:avLst/>
+          </a:prstGeom>
+          <a:noFill/>
+          <a:ln>
+            <a:noFill/>
+          </a:ln>
+          <a:extLst>
+            <a:ext uri="{909E8E84-426E-40DD-AFC4-6F175D3DCCD1}">
+              <a14:hiddenFill xmlns:a14="http://schemas.microsoft.com/office/drawing/2010/main">
+                <a:solidFill>
+                  <a:srgbClr val="FFFFFF"/>
+                </a:solidFill>
+              </a14:hiddenFill>
+            </a:ext>
+            <a:ext uri="{91240B29-F687-4F45-9708-019B960494DF}">
+              <a14:hiddenLine xmlns:a14="http://schemas.microsoft.com/office/drawing/2010/main" w="9525">
+                <a:solidFill>
+                  <a:srgbClr val="000000"/>
+                </a:solidFill>
+                <a:miter lim="800000"/>
+                <a:headEnd/>
+                <a:tailEnd/>
+              </a14:hiddenLine>
+            </a:ext>
+          </a:extLst>
+        </p:spPr>
+      </p:pic>
+      <p:sp>
+        <p:nvSpPr>
+          <p:cNvPr id="4" name="Title 1">
+            <a:extLst>
+              <a:ext uri="{FF2B5EF4-FFF2-40B4-BE49-F238E27FC236}">
+                <a16:creationId xmlns:a16="http://schemas.microsoft.com/office/drawing/2014/main" id="{48C525AB-FBAB-4EC3-9EA5-DAEEF93C6E77}"/>
+              </a:ext>
+            </a:extLst>
+          </p:cNvPr>
+          <p:cNvSpPr txBox="1">
+            <a:spLocks/>
+          </p:cNvSpPr>
+          <p:nvPr/>
         </p:nvSpPr>
         <p:spPr>
           <a:xfrm>
-            <a:off x="1524000" y="228904"/>
-            <a:ext cx="9144000" cy="636635"/>
+            <a:off x="0" y="0"/>
+            <a:ext cx="3379433" cy="855540"/>
           </a:xfrm>
+          <a:prstGeom prst="rect">
+            <a:avLst/>
+          </a:prstGeom>
         </p:spPr>
         <p:txBody>
           <a:bodyPr>
-            <a:normAutofit fontScale="90000"/>
+            <a:normAutofit/>
           </a:bodyPr>
-          <a:lstStyle/>
-          <a:p>
-            <a:r>
-              <a:rPr lang="en-US" sz="4000" dirty="0"/>
-              <a:t>Core Goal 3 - YOLO</a:t>
-            </a:r>
-          </a:p>
-        </p:txBody>
-      </p:sp>
-      <p:sp>
-        <p:nvSpPr>
-          <p:cNvPr id="3" name="Subtitle 2">
-            <a:extLst>
-              <a:ext uri="{FF2B5EF4-FFF2-40B4-BE49-F238E27FC236}">
-                <a16:creationId xmlns:a16="http://schemas.microsoft.com/office/drawing/2014/main" id="{0CD2B805-351F-4720-9B6A-DD87484BA767}"/>
-              </a:ext>
-            </a:extLst>
-          </p:cNvPr>
-          <p:cNvSpPr>
-            <a:spLocks noGrp="1"/>
-          </p:cNvSpPr>
-          <p:nvPr>
-            <p:ph type="subTitle" idx="1"/>
-          </p:nvPr>
-        </p:nvSpPr>
+          <a:lstStyle>
+            <a:lvl1pPr algn="l" defTabSz="914400" rtl="0" eaLnBrk="1" latinLnBrk="0" hangingPunct="1">
+              <a:lnSpc>
+                <a:spcPct val="90000"/>
+              </a:lnSpc>
+              <a:spcBef>
+                <a:spcPct val="0"/>
+              </a:spcBef>
+              <a:buNone/>
+              <a:defRPr sz="4400" kern="1200">
+                <a:solidFill>
+                  <a:schemeClr val="tx1"/>
+                </a:solidFill>
+                <a:latin typeface="+mj-lt"/>
+                <a:ea typeface="+mj-ea"/>
+                <a:cs typeface="+mj-cs"/>
+              </a:defRPr>
+            </a:lvl1pPr>
+          </a:lstStyle>
+          <a:p>
+            <a:r>
+              <a:rPr lang="en-US" sz="4800"/>
+              <a:t>About Data</a:t>
+            </a:r>
+            <a:endParaRPr lang="en-US" sz="4800" dirty="0"/>
+          </a:p>
+        </p:txBody>
+      </p:sp>
+      <p:pic>
+        <p:nvPicPr>
+          <p:cNvPr id="5" name="Picture 4">
+            <a:extLst>
+              <a:ext uri="{FF2B5EF4-FFF2-40B4-BE49-F238E27FC236}">
+                <a16:creationId xmlns:a16="http://schemas.microsoft.com/office/drawing/2014/main" id="{73C0B98A-05A4-4239-AFD9-E3D42C2D2D4F}"/>
+              </a:ext>
+            </a:extLst>
+          </p:cNvPr>
+          <p:cNvPicPr>
+            <a:picLocks noChangeAspect="1"/>
+          </p:cNvPicPr>
+          <p:nvPr/>
+        </p:nvPicPr>
+        <p:blipFill>
+          <a:blip r:embed="rId3"/>
+          <a:stretch>
+            <a:fillRect/>
+          </a:stretch>
+        </p:blipFill>
         <p:spPr>
           <a:xfrm>
-            <a:off x="1524000" y="3602038"/>
-            <a:ext cx="9144000" cy="809418"/>
+            <a:off x="10218198" y="-79899"/>
+            <a:ext cx="1973802" cy="1571348"/>
           </a:xfrm>
+          <a:prstGeom prst="ellipse">
+            <a:avLst/>
+          </a:prstGeom>
+          <a:ln>
+            <a:noFill/>
+          </a:ln>
+          <a:effectLst>
+            <a:softEdge rad="112500"/>
+          </a:effectLst>
         </p:spPr>
-        <p:txBody>
-          <a:bodyPr>
-            <a:normAutofit fontScale="92500" lnSpcReduction="10000"/>
-          </a:bodyPr>
-          <a:lstStyle/>
-          <a:p>
-            <a:r>
-              <a:rPr lang="en-US" dirty="0"/>
-              <a:t>History and architecture</a:t>
-            </a:r>
-          </a:p>
-          <a:p>
-            <a:r>
-              <a:rPr lang="en-US" dirty="0"/>
-              <a:t>Darknet </a:t>
-            </a:r>
-          </a:p>
-        </p:txBody>
-      </p:sp>
+      </p:pic>
     </p:spTree>
     <p:extLst>
       <p:ext uri="{BB962C8B-B14F-4D97-AF65-F5344CB8AC3E}">
-        <p14:creationId xmlns:p14="http://schemas.microsoft.com/office/powerpoint/2010/main" val="3734586400"/>
+        <p14:creationId xmlns:p14="http://schemas.microsoft.com/office/powerpoint/2010/main" val="643136796"/>
       </p:ext>
     </p:extLst>
   </p:cSld>
@@ -3538,98 +3983,520 @@
       </p:grpSpPr>
       <p:sp>
         <p:nvSpPr>
-          <p:cNvPr id="2" name="Title 1">
-            <a:extLst>
-              <a:ext uri="{FF2B5EF4-FFF2-40B4-BE49-F238E27FC236}">
-                <a16:creationId xmlns:a16="http://schemas.microsoft.com/office/drawing/2014/main" id="{6902BBD3-1236-4D52-B9A1-AD4DF8D0B35C}"/>
-              </a:ext>
-            </a:extLst>
-          </p:cNvPr>
-          <p:cNvSpPr>
-            <a:spLocks noGrp="1"/>
-          </p:cNvSpPr>
-          <p:nvPr>
-            <p:ph type="ctrTitle"/>
-          </p:nvPr>
+          <p:cNvPr id="2" name="Rectangle 1">
+            <a:extLst>
+              <a:ext uri="{FF2B5EF4-FFF2-40B4-BE49-F238E27FC236}">
+                <a16:creationId xmlns:a16="http://schemas.microsoft.com/office/drawing/2014/main" id="{29515A0E-1B0E-428A-9F47-3D6FDB3FBE73}"/>
+              </a:ext>
+            </a:extLst>
+          </p:cNvPr>
+          <p:cNvSpPr/>
+          <p:nvPr/>
         </p:nvSpPr>
         <p:spPr>
           <a:xfrm>
-            <a:off x="1524000" y="228904"/>
-            <a:ext cx="9144000" cy="636635"/>
+            <a:off x="1077685" y="943275"/>
+            <a:ext cx="5305479" cy="341632"/>
           </a:xfrm>
+          <a:prstGeom prst="rect">
+            <a:avLst/>
+          </a:prstGeom>
         </p:spPr>
         <p:txBody>
-          <a:bodyPr>
-            <a:normAutofit fontScale="90000"/>
+          <a:bodyPr wrap="square">
+            <a:spAutoFit/>
           </a:bodyPr>
           <a:lstStyle/>
           <a:p>
-            <a:r>
-              <a:rPr lang="en-US" sz="4000" dirty="0"/>
-              <a:t>Core Goal 3 - YOLO</a:t>
-            </a:r>
-          </a:p>
-        </p:txBody>
-      </p:sp>
-      <p:sp>
-        <p:nvSpPr>
-          <p:cNvPr id="3" name="Subtitle 2">
-            <a:extLst>
-              <a:ext uri="{FF2B5EF4-FFF2-40B4-BE49-F238E27FC236}">
-                <a16:creationId xmlns:a16="http://schemas.microsoft.com/office/drawing/2014/main" id="{0CD2B805-351F-4720-9B6A-DD87484BA767}"/>
-              </a:ext>
-            </a:extLst>
-          </p:cNvPr>
-          <p:cNvSpPr>
-            <a:spLocks noGrp="1"/>
-          </p:cNvSpPr>
-          <p:nvPr>
-            <p:ph type="subTitle" idx="1"/>
-          </p:nvPr>
+            <a:pPr>
+              <a:lnSpc>
+                <a:spcPct val="90000"/>
+              </a:lnSpc>
+              <a:buSzPts val="2800"/>
+            </a:pPr>
+            <a:r>
+              <a:rPr lang="en-US" altLang="en-US" dirty="0">
+                <a:latin typeface="Helvetica Neue" charset="0"/>
+                <a:cs typeface="Helvetica Neue" charset="0"/>
+                <a:sym typeface="Helvetica Neue" charset="0"/>
+              </a:rPr>
+              <a:t>Data Quality Assessment</a:t>
+            </a:r>
+            <a:endParaRPr lang="en-US" altLang="en-US" dirty="0">
+              <a:cs typeface="Helvetica Neue" charset="0"/>
+            </a:endParaRPr>
+          </a:p>
+        </p:txBody>
+      </p:sp>
+      <p:sp>
+        <p:nvSpPr>
+          <p:cNvPr id="3" name="Title 1">
+            <a:extLst>
+              <a:ext uri="{FF2B5EF4-FFF2-40B4-BE49-F238E27FC236}">
+                <a16:creationId xmlns:a16="http://schemas.microsoft.com/office/drawing/2014/main" id="{A2ACBDF0-64D1-4523-8495-D4D919AE3E6A}"/>
+              </a:ext>
+            </a:extLst>
+          </p:cNvPr>
+          <p:cNvSpPr txBox="1">
+            <a:spLocks/>
+          </p:cNvSpPr>
+          <p:nvPr/>
         </p:nvSpPr>
         <p:spPr>
           <a:xfrm>
-            <a:off x="1524000" y="1647316"/>
-            <a:ext cx="9144000" cy="2764140"/>
+            <a:off x="0" y="0"/>
+            <a:ext cx="3379433" cy="855540"/>
           </a:xfrm>
+          <a:prstGeom prst="rect">
+            <a:avLst/>
+          </a:prstGeom>
         </p:spPr>
         <p:txBody>
           <a:bodyPr>
             <a:normAutofit/>
           </a:bodyPr>
+          <a:lstStyle>
+            <a:lvl1pPr algn="l" defTabSz="914400" rtl="0" eaLnBrk="1" latinLnBrk="0" hangingPunct="1">
+              <a:lnSpc>
+                <a:spcPct val="90000"/>
+              </a:lnSpc>
+              <a:spcBef>
+                <a:spcPct val="0"/>
+              </a:spcBef>
+              <a:buNone/>
+              <a:defRPr sz="4400" kern="1200">
+                <a:solidFill>
+                  <a:schemeClr val="tx1"/>
+                </a:solidFill>
+                <a:latin typeface="+mj-lt"/>
+                <a:ea typeface="+mj-ea"/>
+                <a:cs typeface="+mj-cs"/>
+              </a:defRPr>
+            </a:lvl1pPr>
+          </a:lstStyle>
+          <a:p>
+            <a:r>
+              <a:rPr lang="en-US" sz="4800"/>
+              <a:t>About Data</a:t>
+            </a:r>
+            <a:endParaRPr lang="en-US" sz="4800" dirty="0"/>
+          </a:p>
+        </p:txBody>
+      </p:sp>
+      <p:pic>
+        <p:nvPicPr>
+          <p:cNvPr id="4" name="Picture 3">
+            <a:extLst>
+              <a:ext uri="{FF2B5EF4-FFF2-40B4-BE49-F238E27FC236}">
+                <a16:creationId xmlns:a16="http://schemas.microsoft.com/office/drawing/2014/main" id="{E4DBBBF8-4A07-4D25-B73C-B4EAB9362C7B}"/>
+              </a:ext>
+            </a:extLst>
+          </p:cNvPr>
+          <p:cNvPicPr>
+            <a:picLocks noChangeAspect="1"/>
+          </p:cNvPicPr>
+          <p:nvPr/>
+        </p:nvPicPr>
+        <p:blipFill>
+          <a:blip r:embed="rId2"/>
+          <a:stretch>
+            <a:fillRect/>
+          </a:stretch>
+        </p:blipFill>
+        <p:spPr>
+          <a:xfrm>
+            <a:off x="10218198" y="-79899"/>
+            <a:ext cx="1973802" cy="1571348"/>
+          </a:xfrm>
+          <a:prstGeom prst="ellipse">
+            <a:avLst/>
+          </a:prstGeom>
+          <a:ln>
+            <a:noFill/>
+          </a:ln>
+          <a:effectLst>
+            <a:softEdge rad="112500"/>
+          </a:effectLst>
+        </p:spPr>
+      </p:pic>
+      <p:sp>
+        <p:nvSpPr>
+          <p:cNvPr id="7" name="Rectangle 6">
+            <a:extLst>
+              <a:ext uri="{FF2B5EF4-FFF2-40B4-BE49-F238E27FC236}">
+                <a16:creationId xmlns:a16="http://schemas.microsoft.com/office/drawing/2014/main" id="{D073EC59-6E89-4C0F-8408-F316C520EFC1}"/>
+              </a:ext>
+            </a:extLst>
+          </p:cNvPr>
+          <p:cNvSpPr/>
+          <p:nvPr/>
+        </p:nvSpPr>
+        <p:spPr>
+          <a:xfrm>
+            <a:off x="320964" y="1491449"/>
+            <a:ext cx="11269662" cy="4901085"/>
+          </a:xfrm>
+          <a:prstGeom prst="rect">
+            <a:avLst/>
+          </a:prstGeom>
+        </p:spPr>
+        <p:txBody>
+          <a:bodyPr wrap="square">
+            <a:spAutoFit/>
+          </a:bodyPr>
           <a:lstStyle/>
           <a:p>
-            <a:r>
-              <a:rPr lang="en-US" dirty="0"/>
-              <a:t>Approach taken</a:t>
-            </a:r>
-          </a:p>
-          <a:p>
-            <a:r>
-              <a:rPr lang="en-US" dirty="0"/>
-              <a:t>Pre-trained model</a:t>
-            </a:r>
-          </a:p>
-          <a:p>
-            <a:r>
-              <a:rPr lang="en-US" dirty="0"/>
-              <a:t>Training with frozen layer</a:t>
-            </a:r>
-          </a:p>
-          <a:p>
-            <a:r>
-              <a:rPr lang="en-US" dirty="0" err="1"/>
-              <a:t>TensorBoard</a:t>
-            </a:r>
-            <a:r>
-              <a:rPr lang="en-US" dirty="0"/>
-              <a:t> output</a:t>
-            </a:r>
-          </a:p>
-          <a:p>
-            <a:r>
-              <a:rPr lang="en-US" dirty="0"/>
-              <a:t> </a:t>
+            <a:pPr marL="342900" indent="-342900" eaLnBrk="1" fontAlgn="auto" hangingPunct="1">
+              <a:lnSpc>
+                <a:spcPct val="120000"/>
+              </a:lnSpc>
+              <a:spcBef>
+                <a:spcPts val="0"/>
+              </a:spcBef>
+              <a:spcAft>
+                <a:spcPts val="700"/>
+              </a:spcAft>
+              <a:buClr>
+                <a:srgbClr val="000000"/>
+              </a:buClr>
+              <a:buFont typeface="Wingdings" panose="05000000000000000000" pitchFamily="2" charset="2"/>
+              <a:buChar char="q"/>
+              <a:tabLst>
+                <a:tab pos="457200" algn="l"/>
+              </a:tabLst>
+              <a:defRPr/>
+            </a:pPr>
+            <a:r>
+              <a:rPr lang="en-US" sz="1600" kern="0" dirty="0">
+                <a:ea typeface="Calibri" panose="020F0502020204030204" pitchFamily="34" charset="0"/>
+                <a:cs typeface="OpenSymbol"/>
+                <a:sym typeface="Arial"/>
+              </a:rPr>
+              <a:t>Completeness: (All available data is present)</a:t>
+            </a:r>
+          </a:p>
+          <a:p>
+            <a:pPr marL="800100" lvl="1" indent="-342900" eaLnBrk="1" fontAlgn="auto" hangingPunct="1">
+              <a:lnSpc>
+                <a:spcPct val="120000"/>
+              </a:lnSpc>
+              <a:spcBef>
+                <a:spcPts val="0"/>
+              </a:spcBef>
+              <a:spcAft>
+                <a:spcPts val="700"/>
+              </a:spcAft>
+              <a:buClr>
+                <a:srgbClr val="000000"/>
+              </a:buClr>
+              <a:buFont typeface="Wingdings" panose="05000000000000000000" pitchFamily="2" charset="2"/>
+              <a:buChar char="§"/>
+              <a:tabLst>
+                <a:tab pos="457200" algn="l"/>
+              </a:tabLst>
+              <a:defRPr/>
+            </a:pPr>
+            <a:r>
+              <a:rPr lang="en-US" sz="1600" kern="0" dirty="0">
+                <a:ea typeface="Calibri" panose="020F0502020204030204" pitchFamily="34" charset="0"/>
+                <a:cs typeface="OpenSymbol"/>
+                <a:sym typeface="Arial"/>
+              </a:rPr>
+              <a:t>Characters being classified are when subject image count is greater than 100.  </a:t>
+            </a:r>
+          </a:p>
+          <a:p>
+            <a:pPr marL="342900" indent="-342900" eaLnBrk="1" fontAlgn="auto" hangingPunct="1">
+              <a:lnSpc>
+                <a:spcPct val="120000"/>
+              </a:lnSpc>
+              <a:spcBef>
+                <a:spcPts val="0"/>
+              </a:spcBef>
+              <a:spcAft>
+                <a:spcPts val="700"/>
+              </a:spcAft>
+              <a:buClr>
+                <a:srgbClr val="000000"/>
+              </a:buClr>
+              <a:buFont typeface="Wingdings" panose="05000000000000000000" pitchFamily="2" charset="2"/>
+              <a:buChar char="q"/>
+              <a:tabLst>
+                <a:tab pos="457200" algn="l"/>
+              </a:tabLst>
+              <a:defRPr/>
+            </a:pPr>
+            <a:r>
+              <a:rPr lang="en-US" sz="1600" kern="0" dirty="0">
+                <a:ea typeface="Calibri" panose="020F0502020204030204" pitchFamily="34" charset="0"/>
+                <a:cs typeface="OpenSymbol"/>
+                <a:sym typeface="Arial"/>
+              </a:rPr>
+              <a:t>Uniqueness: (No data duplication)</a:t>
+            </a:r>
+          </a:p>
+          <a:p>
+            <a:pPr marL="800100" lvl="1" indent="-342900" eaLnBrk="1" fontAlgn="auto" hangingPunct="1">
+              <a:lnSpc>
+                <a:spcPct val="120000"/>
+              </a:lnSpc>
+              <a:spcBef>
+                <a:spcPts val="0"/>
+              </a:spcBef>
+              <a:spcAft>
+                <a:spcPts val="700"/>
+              </a:spcAft>
+              <a:buClr>
+                <a:srgbClr val="000000"/>
+              </a:buClr>
+              <a:buFont typeface="Wingdings" panose="05000000000000000000" pitchFamily="2" charset="2"/>
+              <a:buChar char="§"/>
+              <a:tabLst>
+                <a:tab pos="457200" algn="l"/>
+              </a:tabLst>
+              <a:defRPr/>
+            </a:pPr>
+            <a:r>
+              <a:rPr lang="en-US" sz="1600" kern="0" dirty="0">
+                <a:ea typeface="Calibri" panose="020F0502020204030204" pitchFamily="34" charset="0"/>
+                <a:cs typeface="OpenSymbol"/>
+                <a:sym typeface="Arial"/>
+              </a:rPr>
+              <a:t>Image set consists of mixed images (as depicted in previous slides).  Total count of images make it impossible to visually identify uniqueness.  </a:t>
+            </a:r>
+          </a:p>
+          <a:p>
+            <a:pPr marL="342900" indent="-342900">
+              <a:lnSpc>
+                <a:spcPct val="120000"/>
+              </a:lnSpc>
+              <a:spcAft>
+                <a:spcPts val="700"/>
+              </a:spcAft>
+              <a:buClr>
+                <a:srgbClr val="000000"/>
+              </a:buClr>
+              <a:buFont typeface="Wingdings" panose="05000000000000000000" pitchFamily="2" charset="2"/>
+              <a:buChar char="q"/>
+              <a:tabLst>
+                <a:tab pos="457200" algn="l"/>
+              </a:tabLst>
+              <a:defRPr/>
+            </a:pPr>
+            <a:r>
+              <a:rPr lang="en-US" sz="1600" kern="0" dirty="0">
+                <a:ea typeface="Calibri" panose="020F0502020204030204" pitchFamily="34" charset="0"/>
+                <a:cs typeface="OpenSymbol"/>
+                <a:sym typeface="Arial"/>
+              </a:rPr>
+              <a:t>Accuracy: (Data values stored for an object are the correct values)</a:t>
+            </a:r>
+          </a:p>
+          <a:p>
+            <a:pPr marL="800100" lvl="1" indent="-342900" eaLnBrk="1" fontAlgn="auto" hangingPunct="1">
+              <a:lnSpc>
+                <a:spcPct val="120000"/>
+              </a:lnSpc>
+              <a:spcBef>
+                <a:spcPts val="0"/>
+              </a:spcBef>
+              <a:spcAft>
+                <a:spcPts val="700"/>
+              </a:spcAft>
+              <a:buClr>
+                <a:srgbClr val="000000"/>
+              </a:buClr>
+              <a:buFont typeface="Wingdings" panose="05000000000000000000" pitchFamily="2" charset="2"/>
+              <a:buChar char="§"/>
+              <a:tabLst>
+                <a:tab pos="457200" algn="l"/>
+              </a:tabLst>
+              <a:defRPr/>
+            </a:pPr>
+            <a:r>
+              <a:rPr lang="en-US" sz="1600" kern="0" dirty="0">
+                <a:ea typeface="Calibri" panose="020F0502020204030204" pitchFamily="34" charset="0"/>
+                <a:cs typeface="OpenSymbol"/>
+                <a:sym typeface="Arial"/>
+              </a:rPr>
+              <a:t>Not determinable at this time.  This can be determined after algorithms have been executed.</a:t>
+            </a:r>
+          </a:p>
+          <a:p>
+            <a:pPr marL="342900" indent="-342900" eaLnBrk="1" fontAlgn="auto" hangingPunct="1">
+              <a:lnSpc>
+                <a:spcPct val="120000"/>
+              </a:lnSpc>
+              <a:spcBef>
+                <a:spcPts val="0"/>
+              </a:spcBef>
+              <a:spcAft>
+                <a:spcPts val="700"/>
+              </a:spcAft>
+              <a:buClr>
+                <a:srgbClr val="000000"/>
+              </a:buClr>
+              <a:buFont typeface="Wingdings" panose="05000000000000000000" pitchFamily="2" charset="2"/>
+              <a:buChar char="q"/>
+              <a:tabLst>
+                <a:tab pos="457200" algn="l"/>
+              </a:tabLst>
+              <a:defRPr/>
+            </a:pPr>
+            <a:r>
+              <a:rPr lang="en-US" sz="1600" kern="0" dirty="0">
+                <a:ea typeface="Calibri" panose="020F0502020204030204" pitchFamily="34" charset="0"/>
+                <a:cs typeface="OpenSymbol"/>
+                <a:sym typeface="Arial"/>
+              </a:rPr>
+              <a:t>Atomicity: (Lowest level of detail)</a:t>
+            </a:r>
+          </a:p>
+          <a:p>
+            <a:pPr marL="800100" lvl="1" indent="-342900" eaLnBrk="1" fontAlgn="auto" hangingPunct="1">
+              <a:lnSpc>
+                <a:spcPct val="120000"/>
+              </a:lnSpc>
+              <a:spcBef>
+                <a:spcPts val="0"/>
+              </a:spcBef>
+              <a:spcAft>
+                <a:spcPts val="700"/>
+              </a:spcAft>
+              <a:buClr>
+                <a:srgbClr val="000000"/>
+              </a:buClr>
+              <a:buFont typeface="Wingdings" panose="05000000000000000000" pitchFamily="2" charset="2"/>
+              <a:buChar char="§"/>
+              <a:tabLst>
+                <a:tab pos="457200" algn="l"/>
+              </a:tabLst>
+              <a:defRPr/>
+            </a:pPr>
+            <a:r>
+              <a:rPr lang="en-US" sz="1600" kern="0" dirty="0">
+                <a:ea typeface="Calibri" panose="020F0502020204030204" pitchFamily="34" charset="0"/>
+                <a:cs typeface="OpenSymbol"/>
+                <a:sym typeface="Arial"/>
+              </a:rPr>
+              <a:t>Training set contains images that are classified and grouped by character.  </a:t>
+            </a:r>
+          </a:p>
+          <a:p>
+            <a:pPr marL="800100" lvl="1" indent="-342900" eaLnBrk="1" fontAlgn="auto" hangingPunct="1">
+              <a:lnSpc>
+                <a:spcPct val="120000"/>
+              </a:lnSpc>
+              <a:spcBef>
+                <a:spcPts val="0"/>
+              </a:spcBef>
+              <a:spcAft>
+                <a:spcPts val="700"/>
+              </a:spcAft>
+              <a:buClr>
+                <a:srgbClr val="000000"/>
+              </a:buClr>
+              <a:buFont typeface="Wingdings" panose="05000000000000000000" pitchFamily="2" charset="2"/>
+              <a:buChar char="§"/>
+              <a:tabLst>
+                <a:tab pos="457200" algn="l"/>
+              </a:tabLst>
+              <a:defRPr/>
+            </a:pPr>
+            <a:r>
+              <a:rPr lang="en-US" sz="1600" kern="0" dirty="0">
+                <a:ea typeface="Calibri" panose="020F0502020204030204" pitchFamily="34" charset="0"/>
+                <a:cs typeface="OpenSymbol"/>
+                <a:sym typeface="Arial"/>
+              </a:rPr>
+              <a:t>Image level annotation to box characters is also provided.</a:t>
+            </a:r>
+          </a:p>
+          <a:p>
+            <a:pPr marL="342900" indent="-342900">
+              <a:lnSpc>
+                <a:spcPct val="120000"/>
+              </a:lnSpc>
+              <a:spcAft>
+                <a:spcPts val="700"/>
+              </a:spcAft>
+              <a:buClr>
+                <a:srgbClr val="000000"/>
+              </a:buClr>
+              <a:buFont typeface="Wingdings" panose="05000000000000000000" pitchFamily="2" charset="2"/>
+              <a:buChar char="q"/>
+              <a:tabLst>
+                <a:tab pos="457200" algn="l"/>
+              </a:tabLst>
+              <a:defRPr/>
+            </a:pPr>
+            <a:r>
+              <a:rPr lang="en-US" sz="1600" kern="0" dirty="0">
+                <a:ea typeface="Calibri" panose="020F0502020204030204" pitchFamily="34" charset="0"/>
+                <a:cs typeface="OpenSymbol"/>
+                <a:sym typeface="Arial"/>
+              </a:rPr>
+              <a:t>Conformity: (conformity to the defined business requirements and syntax)</a:t>
+            </a:r>
+          </a:p>
+          <a:p>
+            <a:pPr marL="800100" lvl="1" indent="-342900" eaLnBrk="1" fontAlgn="auto" hangingPunct="1">
+              <a:lnSpc>
+                <a:spcPct val="120000"/>
+              </a:lnSpc>
+              <a:spcBef>
+                <a:spcPts val="0"/>
+              </a:spcBef>
+              <a:spcAft>
+                <a:spcPts val="700"/>
+              </a:spcAft>
+              <a:buClr>
+                <a:srgbClr val="000000"/>
+              </a:buClr>
+              <a:buFont typeface="Wingdings" panose="05000000000000000000" pitchFamily="2" charset="2"/>
+              <a:buChar char="§"/>
+              <a:tabLst>
+                <a:tab pos="457200" algn="l"/>
+              </a:tabLst>
+              <a:defRPr/>
+            </a:pPr>
+            <a:r>
+              <a:rPr lang="en-US" sz="1600" kern="0" dirty="0">
+                <a:ea typeface="Calibri" panose="020F0502020204030204" pitchFamily="34" charset="0"/>
+                <a:cs typeface="OpenSymbol"/>
+                <a:sym typeface="Arial"/>
+              </a:rPr>
+              <a:t>The dataset provided conforms to one required to run image classification models.</a:t>
+            </a:r>
+          </a:p>
+          <a:p>
+            <a:pPr marL="342900" indent="-342900" eaLnBrk="1" fontAlgn="auto" hangingPunct="1">
+              <a:lnSpc>
+                <a:spcPct val="120000"/>
+              </a:lnSpc>
+              <a:spcBef>
+                <a:spcPts val="0"/>
+              </a:spcBef>
+              <a:spcAft>
+                <a:spcPts val="700"/>
+              </a:spcAft>
+              <a:buClr>
+                <a:srgbClr val="000000"/>
+              </a:buClr>
+              <a:buFont typeface="Wingdings" panose="05000000000000000000" pitchFamily="2" charset="2"/>
+              <a:buChar char="q"/>
+              <a:tabLst>
+                <a:tab pos="457200" algn="l"/>
+              </a:tabLst>
+              <a:defRPr/>
+            </a:pPr>
+            <a:r>
+              <a:rPr lang="en-US" sz="1600" kern="0" dirty="0">
+                <a:ea typeface="Calibri" panose="020F0502020204030204" pitchFamily="34" charset="0"/>
+                <a:cs typeface="OpenSymbol"/>
+                <a:sym typeface="Arial"/>
+              </a:rPr>
+              <a:t>Overall Quality: Good</a:t>
             </a:r>
           </a:p>
         </p:txBody>
@@ -3637,7 +4504,7 @@
     </p:spTree>
     <p:extLst>
       <p:ext uri="{BB962C8B-B14F-4D97-AF65-F5344CB8AC3E}">
-        <p14:creationId xmlns:p14="http://schemas.microsoft.com/office/powerpoint/2010/main" val="950942945"/>
+        <p14:creationId xmlns:p14="http://schemas.microsoft.com/office/powerpoint/2010/main" val="968819351"/>
       </p:ext>
     </p:extLst>
   </p:cSld>
@@ -3682,43 +4549,8 @@
         </p:nvSpPr>
         <p:spPr>
           <a:xfrm>
-            <a:off x="1524000" y="228904"/>
-            <a:ext cx="9144000" cy="636635"/>
-          </a:xfrm>
-        </p:spPr>
-        <p:txBody>
-          <a:bodyPr>
-            <a:normAutofit fontScale="90000"/>
-          </a:bodyPr>
-          <a:lstStyle/>
-          <a:p>
-            <a:r>
-              <a:rPr lang="en-US" sz="4000" dirty="0"/>
-              <a:t>Core Goal 3 - YOLO</a:t>
-            </a:r>
-          </a:p>
-        </p:txBody>
-      </p:sp>
-      <p:sp>
-        <p:nvSpPr>
-          <p:cNvPr id="3" name="Subtitle 2">
-            <a:extLst>
-              <a:ext uri="{FF2B5EF4-FFF2-40B4-BE49-F238E27FC236}">
-                <a16:creationId xmlns:a16="http://schemas.microsoft.com/office/drawing/2014/main" id="{0CD2B805-351F-4720-9B6A-DD87484BA767}"/>
-              </a:ext>
-            </a:extLst>
-          </p:cNvPr>
-          <p:cNvSpPr>
-            <a:spLocks noGrp="1"/>
-          </p:cNvSpPr>
-          <p:nvPr>
-            <p:ph type="subTitle" idx="1"/>
-          </p:nvPr>
-        </p:nvSpPr>
-        <p:spPr>
-          <a:xfrm>
-            <a:off x="1524000" y="1507713"/>
-            <a:ext cx="9144000" cy="2903743"/>
+            <a:off x="0" y="0"/>
+            <a:ext cx="7332956" cy="882173"/>
           </a:xfrm>
         </p:spPr>
         <p:txBody>
@@ -3728,60 +4560,77 @@
           <a:lstStyle/>
           <a:p>
             <a:r>
-              <a:rPr lang="en-US" dirty="0"/>
-              <a:t>Results:</a:t>
-            </a:r>
-          </a:p>
-          <a:p>
-            <a:pPr marL="342900" indent="-342900" algn="l">
-              <a:buFont typeface="Arial" panose="020B0604020202020204" pitchFamily="34" charset="0"/>
-              <a:buChar char="•"/>
-            </a:pPr>
-            <a:r>
-              <a:rPr lang="en-US" dirty="0"/>
-              <a:t>Comparison between models created</a:t>
-            </a:r>
-          </a:p>
-          <a:p>
-            <a:pPr marL="342900" indent="-342900" algn="l">
-              <a:buFont typeface="Arial" panose="020B0604020202020204" pitchFamily="34" charset="0"/>
-              <a:buChar char="•"/>
-            </a:pPr>
-            <a:r>
-              <a:rPr lang="en-US" dirty="0"/>
-              <a:t>Sample images</a:t>
-            </a:r>
-          </a:p>
-          <a:p>
-            <a:pPr marL="342900" indent="-342900" algn="l">
-              <a:buFont typeface="Arial" panose="020B0604020202020204" pitchFamily="34" charset="0"/>
-              <a:buChar char="•"/>
-            </a:pPr>
-            <a:r>
-              <a:rPr lang="en-US" dirty="0"/>
-              <a:t>Sample videos</a:t>
-            </a:r>
-          </a:p>
-          <a:p>
-            <a:pPr marL="342900" indent="-342900" algn="l">
-              <a:buFont typeface="Arial" panose="020B0604020202020204" pitchFamily="34" charset="0"/>
-              <a:buChar char="•"/>
-            </a:pPr>
-            <a:endParaRPr lang="en-US" dirty="0"/>
-          </a:p>
-          <a:p>
-            <a:pPr marL="342900" indent="-342900" algn="l">
-              <a:buFont typeface="Arial" panose="020B0604020202020204" pitchFamily="34" charset="0"/>
-              <a:buChar char="•"/>
-            </a:pPr>
-            <a:endParaRPr lang="en-US" dirty="0"/>
-          </a:p>
-        </p:txBody>
-      </p:sp>
+              <a:rPr lang="en-US" sz="4800" dirty="0"/>
+              <a:t>Core Goals &amp; Stretch Goals</a:t>
+            </a:r>
+          </a:p>
+        </p:txBody>
+      </p:sp>
+      <p:sp>
+        <p:nvSpPr>
+          <p:cNvPr id="3" name="Subtitle 2">
+            <a:extLst>
+              <a:ext uri="{FF2B5EF4-FFF2-40B4-BE49-F238E27FC236}">
+                <a16:creationId xmlns:a16="http://schemas.microsoft.com/office/drawing/2014/main" id="{0CD2B805-351F-4720-9B6A-DD87484BA767}"/>
+              </a:ext>
+            </a:extLst>
+          </p:cNvPr>
+          <p:cNvSpPr>
+            <a:spLocks noGrp="1"/>
+          </p:cNvSpPr>
+          <p:nvPr>
+            <p:ph type="subTitle" idx="1"/>
+          </p:nvPr>
+        </p:nvSpPr>
+        <p:spPr/>
+        <p:txBody>
+          <a:bodyPr/>
+          <a:lstStyle/>
+          <a:p>
+            <a:endParaRPr lang="en-US"/>
+          </a:p>
+        </p:txBody>
+      </p:sp>
+      <p:pic>
+        <p:nvPicPr>
+          <p:cNvPr id="6" name="Picture 5">
+            <a:extLst>
+              <a:ext uri="{FF2B5EF4-FFF2-40B4-BE49-F238E27FC236}">
+                <a16:creationId xmlns:a16="http://schemas.microsoft.com/office/drawing/2014/main" id="{858966FB-1D3D-40ED-A283-59FB378E69E7}"/>
+              </a:ext>
+            </a:extLst>
+          </p:cNvPr>
+          <p:cNvPicPr>
+            <a:picLocks noChangeAspect="1"/>
+          </p:cNvPicPr>
+          <p:nvPr/>
+        </p:nvPicPr>
+        <p:blipFill>
+          <a:blip r:embed="rId2"/>
+          <a:stretch>
+            <a:fillRect/>
+          </a:stretch>
+        </p:blipFill>
+        <p:spPr>
+          <a:xfrm>
+            <a:off x="9951868" y="0"/>
+            <a:ext cx="2302276" cy="1837678"/>
+          </a:xfrm>
+          <a:prstGeom prst="ellipse">
+            <a:avLst/>
+          </a:prstGeom>
+          <a:ln>
+            <a:noFill/>
+          </a:ln>
+          <a:effectLst>
+            <a:softEdge rad="112500"/>
+          </a:effectLst>
+        </p:spPr>
+      </p:pic>
     </p:spTree>
     <p:extLst>
       <p:ext uri="{BB962C8B-B14F-4D97-AF65-F5344CB8AC3E}">
-        <p14:creationId xmlns:p14="http://schemas.microsoft.com/office/powerpoint/2010/main" val="627059621"/>
+        <p14:creationId xmlns:p14="http://schemas.microsoft.com/office/powerpoint/2010/main" val="2297394912"/>
       </p:ext>
     </p:extLst>
   </p:cSld>
@@ -3826,43 +4675,8 @@
         </p:nvSpPr>
         <p:spPr>
           <a:xfrm>
-            <a:off x="1524000" y="228904"/>
-            <a:ext cx="9144000" cy="636635"/>
-          </a:xfrm>
-        </p:spPr>
-        <p:txBody>
-          <a:bodyPr>
-            <a:normAutofit fontScale="90000"/>
-          </a:bodyPr>
-          <a:lstStyle/>
-          <a:p>
-            <a:r>
-              <a:rPr lang="en-US" sz="4000" dirty="0"/>
-              <a:t>Core Goal 3 - YOLO</a:t>
-            </a:r>
-          </a:p>
-        </p:txBody>
-      </p:sp>
-      <p:sp>
-        <p:nvSpPr>
-          <p:cNvPr id="3" name="Subtitle 2">
-            <a:extLst>
-              <a:ext uri="{FF2B5EF4-FFF2-40B4-BE49-F238E27FC236}">
-                <a16:creationId xmlns:a16="http://schemas.microsoft.com/office/drawing/2014/main" id="{0CD2B805-351F-4720-9B6A-DD87484BA767}"/>
-              </a:ext>
-            </a:extLst>
-          </p:cNvPr>
-          <p:cNvSpPr>
-            <a:spLocks noGrp="1"/>
-          </p:cNvSpPr>
-          <p:nvPr>
-            <p:ph type="subTitle" idx="1"/>
-          </p:nvPr>
-        </p:nvSpPr>
-        <p:spPr>
-          <a:xfrm>
-            <a:off x="1524000" y="1507713"/>
-            <a:ext cx="9144000" cy="2903743"/>
+            <a:off x="0" y="89932"/>
+            <a:ext cx="7918881" cy="828907"/>
           </a:xfrm>
         </p:spPr>
         <p:txBody>
@@ -3872,67 +4686,81 @@
           <a:lstStyle/>
           <a:p>
             <a:r>
-              <a:rPr lang="en-US" dirty="0"/>
-              <a:t>Results:</a:t>
-            </a:r>
-          </a:p>
-          <a:p>
-            <a:pPr marL="342900" indent="-342900" algn="l">
-              <a:buFont typeface="Arial" panose="020B0604020202020204" pitchFamily="34" charset="0"/>
-              <a:buChar char="•"/>
-            </a:pPr>
-            <a:r>
-              <a:rPr lang="en-US" dirty="0"/>
-              <a:t>Why the difference?</a:t>
-            </a:r>
-          </a:p>
-          <a:p>
-            <a:pPr marL="342900" indent="-342900" algn="l">
-              <a:buFont typeface="Arial" panose="020B0604020202020204" pitchFamily="34" charset="0"/>
-              <a:buChar char="•"/>
-            </a:pPr>
-            <a:r>
-              <a:rPr lang="en-US" dirty="0"/>
-              <a:t>Challenges faced?</a:t>
-            </a:r>
-          </a:p>
-          <a:p>
-            <a:pPr marL="342900" indent="-342900" algn="l">
-              <a:buFont typeface="Arial" panose="020B0604020202020204" pitchFamily="34" charset="0"/>
-              <a:buChar char="•"/>
-            </a:pPr>
-            <a:r>
-              <a:rPr lang="en-US" dirty="0"/>
-              <a:t>ARGO experience</a:t>
-            </a:r>
-          </a:p>
-          <a:p>
-            <a:pPr marL="342900" indent="-342900" algn="l">
-              <a:buFont typeface="Arial" panose="020B0604020202020204" pitchFamily="34" charset="0"/>
-              <a:buChar char="•"/>
-            </a:pPr>
+              <a:rPr lang="en-US" sz="4800" dirty="0" err="1"/>
+              <a:t>SafE</a:t>
+            </a:r>
+            <a:r>
+              <a:rPr lang="en-US" sz="4800" dirty="0"/>
+              <a:t> Agile – Sprint breakdown</a:t>
+            </a:r>
+          </a:p>
+        </p:txBody>
+      </p:sp>
+      <p:sp>
+        <p:nvSpPr>
+          <p:cNvPr id="3" name="Subtitle 2">
+            <a:extLst>
+              <a:ext uri="{FF2B5EF4-FFF2-40B4-BE49-F238E27FC236}">
+                <a16:creationId xmlns:a16="http://schemas.microsoft.com/office/drawing/2014/main" id="{0CD2B805-351F-4720-9B6A-DD87484BA767}"/>
+              </a:ext>
+            </a:extLst>
+          </p:cNvPr>
+          <p:cNvSpPr>
+            <a:spLocks noGrp="1"/>
+          </p:cNvSpPr>
+          <p:nvPr>
+            <p:ph type="subTitle" idx="1"/>
+          </p:nvPr>
+        </p:nvSpPr>
+        <p:spPr/>
+        <p:txBody>
+          <a:bodyPr/>
+          <a:lstStyle/>
+          <a:p>
             <a:endParaRPr lang="en-US" dirty="0"/>
           </a:p>
-          <a:p>
-            <a:pPr marL="342900" indent="-342900" algn="l">
-              <a:buFont typeface="Arial" panose="020B0604020202020204" pitchFamily="34" charset="0"/>
-              <a:buChar char="•"/>
-            </a:pPr>
-            <a:endParaRPr lang="en-US" dirty="0"/>
-          </a:p>
-          <a:p>
-            <a:pPr marL="342900" indent="-342900" algn="l">
-              <a:buFont typeface="Arial" panose="020B0604020202020204" pitchFamily="34" charset="0"/>
-              <a:buChar char="•"/>
-            </a:pPr>
-            <a:endParaRPr lang="en-US" dirty="0"/>
-          </a:p>
-        </p:txBody>
-      </p:sp>
+        </p:txBody>
+      </p:sp>
+      <p:pic>
+        <p:nvPicPr>
+          <p:cNvPr id="4" name="Picture 3">
+            <a:extLst>
+              <a:ext uri="{FF2B5EF4-FFF2-40B4-BE49-F238E27FC236}">
+                <a16:creationId xmlns:a16="http://schemas.microsoft.com/office/drawing/2014/main" id="{670F0963-E18A-45E1-9D6C-1E681DE714AF}"/>
+              </a:ext>
+            </a:extLst>
+          </p:cNvPr>
+          <p:cNvPicPr>
+            <a:picLocks noChangeAspect="1"/>
+          </p:cNvPicPr>
+          <p:nvPr/>
+        </p:nvPicPr>
+        <p:blipFill>
+          <a:blip r:embed="rId2"/>
+          <a:stretch>
+            <a:fillRect/>
+          </a:stretch>
+        </p:blipFill>
+        <p:spPr>
+          <a:xfrm>
+            <a:off x="9951868" y="0"/>
+            <a:ext cx="2302276" cy="1837678"/>
+          </a:xfrm>
+          <a:prstGeom prst="ellipse">
+            <a:avLst/>
+          </a:prstGeom>
+          <a:ln>
+            <a:noFill/>
+          </a:ln>
+          <a:effectLst>
+            <a:softEdge rad="112500"/>
+          </a:effectLst>
+        </p:spPr>
+      </p:pic>
     </p:spTree>
     <p:extLst>
       <p:ext uri="{BB962C8B-B14F-4D97-AF65-F5344CB8AC3E}">
-        <p14:creationId xmlns:p14="http://schemas.microsoft.com/office/powerpoint/2010/main" val="3671886717"/>
+        <p14:creationId xmlns:p14="http://schemas.microsoft.com/office/powerpoint/2010/main" val="394020182"/>
       </p:ext>
     </p:extLst>
   </p:cSld>
@@ -3982,7 +4810,7 @@
           <a:p>
             <a:r>
               <a:rPr lang="en-US" dirty="0"/>
-              <a:t>Core Goal 4 - SSD</a:t>
+              <a:t>Core Goal 1 - CNN</a:t>
             </a:r>
           </a:p>
         </p:txBody>
@@ -4015,7 +4843,7 @@
     </p:spTree>
     <p:extLst>
       <p:ext uri="{BB962C8B-B14F-4D97-AF65-F5344CB8AC3E}">
-        <p14:creationId xmlns:p14="http://schemas.microsoft.com/office/powerpoint/2010/main" val="3202752072"/>
+        <p14:creationId xmlns:p14="http://schemas.microsoft.com/office/powerpoint/2010/main" val="118487605"/>
       </p:ext>
     </p:extLst>
   </p:cSld>
@@ -4065,8 +4893,13 @@
           <a:p>
             <a:r>
               <a:rPr lang="en-US" dirty="0"/>
-              <a:t>Stretch Goals #1</a:t>
-            </a:r>
+              <a:t>Core Goal 2 - </a:t>
+            </a:r>
+            <a:r>
+              <a:rPr lang="en-US" dirty="0" err="1"/>
+              <a:t>FasterRCNN</a:t>
+            </a:r>
+            <a:endParaRPr lang="en-US" dirty="0"/>
           </a:p>
         </p:txBody>
       </p:sp>
@@ -4098,7 +4931,7 @@
     </p:spTree>
     <p:extLst>
       <p:ext uri="{BB962C8B-B14F-4D97-AF65-F5344CB8AC3E}">
-        <p14:creationId xmlns:p14="http://schemas.microsoft.com/office/powerpoint/2010/main" val="713425510"/>
+        <p14:creationId xmlns:p14="http://schemas.microsoft.com/office/powerpoint/2010/main" val="3459178670"/>
       </p:ext>
     </p:extLst>
   </p:cSld>
@@ -4141,14 +4974,21 @@
             <p:ph type="ctrTitle"/>
           </p:nvPr>
         </p:nvSpPr>
-        <p:spPr/>
-        <p:txBody>
-          <a:bodyPr/>
+        <p:spPr>
+          <a:xfrm>
+            <a:off x="1524000" y="228904"/>
+            <a:ext cx="9144000" cy="636635"/>
+          </a:xfrm>
+        </p:spPr>
+        <p:txBody>
+          <a:bodyPr>
+            <a:normAutofit fontScale="90000"/>
+          </a:bodyPr>
           <a:lstStyle/>
           <a:p>
             <a:r>
-              <a:rPr lang="en-US" dirty="0"/>
-              <a:t>Stretch Goals #2</a:t>
+              <a:rPr lang="en-US" sz="4000" dirty="0"/>
+              <a:t>Core Goal 3 - YOLO</a:t>
             </a:r>
           </a:p>
         </p:txBody>
@@ -4169,19 +5009,35 @@
             <p:ph type="subTitle" idx="1"/>
           </p:nvPr>
         </p:nvSpPr>
-        <p:spPr/>
-        <p:txBody>
-          <a:bodyPr/>
+        <p:spPr>
+          <a:xfrm>
+            <a:off x="1524000" y="3602038"/>
+            <a:ext cx="9144000" cy="809418"/>
+          </a:xfrm>
+        </p:spPr>
+        <p:txBody>
+          <a:bodyPr>
+            <a:normAutofit fontScale="92500" lnSpcReduction="10000"/>
+          </a:bodyPr>
           <a:lstStyle/>
           <a:p>
-            <a:endParaRPr lang="en-US" dirty="0"/>
+            <a:r>
+              <a:rPr lang="en-US" dirty="0"/>
+              <a:t>History and architecture</a:t>
+            </a:r>
+          </a:p>
+          <a:p>
+            <a:r>
+              <a:rPr lang="en-US" dirty="0"/>
+              <a:t>Darknet </a:t>
+            </a:r>
           </a:p>
         </p:txBody>
       </p:sp>
     </p:spTree>
     <p:extLst>
       <p:ext uri="{BB962C8B-B14F-4D97-AF65-F5344CB8AC3E}">
-        <p14:creationId xmlns:p14="http://schemas.microsoft.com/office/powerpoint/2010/main" val="3022076354"/>
+        <p14:creationId xmlns:p14="http://schemas.microsoft.com/office/powerpoint/2010/main" val="3734586400"/>
       </p:ext>
     </p:extLst>
   </p:cSld>
@@ -4224,14 +5080,21 @@
             <p:ph type="ctrTitle"/>
           </p:nvPr>
         </p:nvSpPr>
-        <p:spPr/>
-        <p:txBody>
-          <a:bodyPr/>
+        <p:spPr>
+          <a:xfrm>
+            <a:off x="1524000" y="228904"/>
+            <a:ext cx="9144000" cy="636635"/>
+          </a:xfrm>
+        </p:spPr>
+        <p:txBody>
+          <a:bodyPr>
+            <a:normAutofit fontScale="90000"/>
+          </a:bodyPr>
           <a:lstStyle/>
           <a:p>
             <a:r>
-              <a:rPr lang="en-US" dirty="0"/>
-              <a:t>Stretch Goals #3</a:t>
+              <a:rPr lang="en-US" sz="4000" dirty="0"/>
+              <a:t>Core Goal 3 - YOLO</a:t>
             </a:r>
           </a:p>
         </p:txBody>
@@ -4252,19 +5115,57 @@
             <p:ph type="subTitle" idx="1"/>
           </p:nvPr>
         </p:nvSpPr>
-        <p:spPr/>
-        <p:txBody>
-          <a:bodyPr/>
+        <p:spPr>
+          <a:xfrm>
+            <a:off x="1524000" y="1647316"/>
+            <a:ext cx="9144000" cy="2764140"/>
+          </a:xfrm>
+        </p:spPr>
+        <p:txBody>
+          <a:bodyPr>
+            <a:normAutofit/>
+          </a:bodyPr>
           <a:lstStyle/>
           <a:p>
-            <a:endParaRPr lang="en-US" dirty="0"/>
+            <a:r>
+              <a:rPr lang="en-US" dirty="0"/>
+              <a:t>Approach taken</a:t>
+            </a:r>
+          </a:p>
+          <a:p>
+            <a:r>
+              <a:rPr lang="en-US" dirty="0"/>
+              <a:t>Pre-trained model</a:t>
+            </a:r>
+          </a:p>
+          <a:p>
+            <a:r>
+              <a:rPr lang="en-US" dirty="0"/>
+              <a:t>Training with frozen layer</a:t>
+            </a:r>
+          </a:p>
+          <a:p>
+            <a:r>
+              <a:rPr lang="en-US" dirty="0" err="1"/>
+              <a:t>TensorBoard</a:t>
+            </a:r>
+            <a:r>
+              <a:rPr lang="en-US" dirty="0"/>
+              <a:t> output</a:t>
+            </a:r>
+          </a:p>
+          <a:p>
+            <a:r>
+              <a:rPr lang="en-US" dirty="0"/>
+              <a:t> </a:t>
+            </a:r>
           </a:p>
         </p:txBody>
       </p:sp>
     </p:spTree>
     <p:extLst>
       <p:ext uri="{BB962C8B-B14F-4D97-AF65-F5344CB8AC3E}">
-        <p14:creationId xmlns:p14="http://schemas.microsoft.com/office/powerpoint/2010/main" val="3331967532"/>
+        <p14:creationId xmlns:p14="http://schemas.microsoft.com/office/powerpoint/2010/main" val="950942945"/>
       </p:ext>
     </p:extLst>
   </p:cSld>
@@ -4307,14 +5208,21 @@
             <p:ph type="ctrTitle"/>
           </p:nvPr>
         </p:nvSpPr>
-        <p:spPr/>
-        <p:txBody>
-          <a:bodyPr/>
+        <p:spPr>
+          <a:xfrm>
+            <a:off x="1524000" y="228904"/>
+            <a:ext cx="9144000" cy="636635"/>
+          </a:xfrm>
+        </p:spPr>
+        <p:txBody>
+          <a:bodyPr>
+            <a:normAutofit fontScale="90000"/>
+          </a:bodyPr>
           <a:lstStyle/>
           <a:p>
             <a:r>
-              <a:rPr lang="en-US" dirty="0"/>
-              <a:t>Stretch Goals #4</a:t>
+              <a:rPr lang="en-US" sz="4000" dirty="0"/>
+              <a:t>Core Goal 3 - YOLO</a:t>
             </a:r>
           </a:p>
         </p:txBody>
@@ -4335,11 +5243,65 @@
             <p:ph type="subTitle" idx="1"/>
           </p:nvPr>
         </p:nvSpPr>
-        <p:spPr/>
-        <p:txBody>
-          <a:bodyPr/>
+        <p:spPr>
+          <a:xfrm>
+            <a:off x="1524000" y="1507713"/>
+            <a:ext cx="9144000" cy="2903743"/>
+          </a:xfrm>
+        </p:spPr>
+        <p:txBody>
+          <a:bodyPr>
+            <a:normAutofit/>
+          </a:bodyPr>
           <a:lstStyle/>
           <a:p>
+            <a:r>
+              <a:rPr lang="en-US" dirty="0"/>
+              <a:t>Results:</a:t>
+            </a:r>
+          </a:p>
+          <a:p>
+            <a:pPr marL="342900" indent="-342900" algn="l">
+              <a:buFont typeface="Arial" panose="020B0604020202020204" pitchFamily="34" charset="0"/>
+              <a:buChar char="•"/>
+            </a:pPr>
+            <a:r>
+              <a:rPr lang="en-US" dirty="0"/>
+              <a:t>Comparison between models created</a:t>
+            </a:r>
+          </a:p>
+          <a:p>
+            <a:pPr marL="342900" indent="-342900" algn="l">
+              <a:buFont typeface="Arial" panose="020B0604020202020204" pitchFamily="34" charset="0"/>
+              <a:buChar char="•"/>
+            </a:pPr>
+            <a:r>
+              <a:rPr lang="en-US" dirty="0"/>
+              <a:t>Sample images</a:t>
+            </a:r>
+          </a:p>
+          <a:p>
+            <a:pPr marL="342900" indent="-342900" algn="l">
+              <a:buFont typeface="Arial" panose="020B0604020202020204" pitchFamily="34" charset="0"/>
+              <a:buChar char="•"/>
+            </a:pPr>
+            <a:r>
+              <a:rPr lang="en-US" dirty="0"/>
+              <a:t>Sample videos</a:t>
+            </a:r>
+          </a:p>
+          <a:p>
+            <a:pPr marL="342900" indent="-342900" algn="l">
+              <a:buFont typeface="Arial" panose="020B0604020202020204" pitchFamily="34" charset="0"/>
+              <a:buChar char="•"/>
+            </a:pPr>
+            <a:endParaRPr lang="en-US" dirty="0"/>
+          </a:p>
+          <a:p>
+            <a:pPr marL="342900" indent="-342900" algn="l">
+              <a:buFont typeface="Arial" panose="020B0604020202020204" pitchFamily="34" charset="0"/>
+              <a:buChar char="•"/>
+            </a:pPr>
             <a:endParaRPr lang="en-US" dirty="0"/>
           </a:p>
         </p:txBody>
@@ -4347,7 +5309,7 @@
     </p:spTree>
     <p:extLst>
       <p:ext uri="{BB962C8B-B14F-4D97-AF65-F5344CB8AC3E}">
-        <p14:creationId xmlns:p14="http://schemas.microsoft.com/office/powerpoint/2010/main" val="3669755408"/>
+        <p14:creationId xmlns:p14="http://schemas.microsoft.com/office/powerpoint/2010/main" val="627059621"/>
       </p:ext>
     </p:extLst>
   </p:cSld>
@@ -4390,14 +5352,21 @@
             <p:ph type="ctrTitle"/>
           </p:nvPr>
         </p:nvSpPr>
-        <p:spPr/>
-        <p:txBody>
-          <a:bodyPr/>
+        <p:spPr>
+          <a:xfrm>
+            <a:off x="1524000" y="228904"/>
+            <a:ext cx="9144000" cy="636635"/>
+          </a:xfrm>
+        </p:spPr>
+        <p:txBody>
+          <a:bodyPr>
+            <a:normAutofit fontScale="90000"/>
+          </a:bodyPr>
           <a:lstStyle/>
           <a:p>
             <a:r>
-              <a:rPr lang="en-US" dirty="0"/>
-              <a:t>With more time…</a:t>
+              <a:rPr lang="en-US" sz="4000" dirty="0"/>
+              <a:t>Core Goal 3 - YOLO</a:t>
             </a:r>
           </a:p>
         </p:txBody>
@@ -4418,11 +5387,72 @@
             <p:ph type="subTitle" idx="1"/>
           </p:nvPr>
         </p:nvSpPr>
-        <p:spPr/>
-        <p:txBody>
-          <a:bodyPr/>
+        <p:spPr>
+          <a:xfrm>
+            <a:off x="1524000" y="1507713"/>
+            <a:ext cx="9144000" cy="2903743"/>
+          </a:xfrm>
+        </p:spPr>
+        <p:txBody>
+          <a:bodyPr>
+            <a:normAutofit/>
+          </a:bodyPr>
           <a:lstStyle/>
           <a:p>
+            <a:r>
+              <a:rPr lang="en-US" dirty="0"/>
+              <a:t>Results:</a:t>
+            </a:r>
+          </a:p>
+          <a:p>
+            <a:pPr marL="342900" indent="-342900" algn="l">
+              <a:buFont typeface="Arial" panose="020B0604020202020204" pitchFamily="34" charset="0"/>
+              <a:buChar char="•"/>
+            </a:pPr>
+            <a:r>
+              <a:rPr lang="en-US" dirty="0"/>
+              <a:t>Why the difference?</a:t>
+            </a:r>
+          </a:p>
+          <a:p>
+            <a:pPr marL="342900" indent="-342900" algn="l">
+              <a:buFont typeface="Arial" panose="020B0604020202020204" pitchFamily="34" charset="0"/>
+              <a:buChar char="•"/>
+            </a:pPr>
+            <a:r>
+              <a:rPr lang="en-US" dirty="0"/>
+              <a:t>Challenges faced?</a:t>
+            </a:r>
+          </a:p>
+          <a:p>
+            <a:pPr marL="342900" indent="-342900" algn="l">
+              <a:buFont typeface="Arial" panose="020B0604020202020204" pitchFamily="34" charset="0"/>
+              <a:buChar char="•"/>
+            </a:pPr>
+            <a:r>
+              <a:rPr lang="en-US" dirty="0"/>
+              <a:t>ARGO experience</a:t>
+            </a:r>
+          </a:p>
+          <a:p>
+            <a:pPr marL="342900" indent="-342900" algn="l">
+              <a:buFont typeface="Arial" panose="020B0604020202020204" pitchFamily="34" charset="0"/>
+              <a:buChar char="•"/>
+            </a:pPr>
+            <a:endParaRPr lang="en-US" dirty="0"/>
+          </a:p>
+          <a:p>
+            <a:pPr marL="342900" indent="-342900" algn="l">
+              <a:buFont typeface="Arial" panose="020B0604020202020204" pitchFamily="34" charset="0"/>
+              <a:buChar char="•"/>
+            </a:pPr>
+            <a:endParaRPr lang="en-US" dirty="0"/>
+          </a:p>
+          <a:p>
+            <a:pPr marL="342900" indent="-342900" algn="l">
+              <a:buFont typeface="Arial" panose="020B0604020202020204" pitchFamily="34" charset="0"/>
+              <a:buChar char="•"/>
+            </a:pPr>
             <a:endParaRPr lang="en-US" dirty="0"/>
           </a:p>
         </p:txBody>
@@ -4430,7 +5460,7 @@
     </p:spTree>
     <p:extLst>
       <p:ext uri="{BB962C8B-B14F-4D97-AF65-F5344CB8AC3E}">
-        <p14:creationId xmlns:p14="http://schemas.microsoft.com/office/powerpoint/2010/main" val="1501152112"/>
+        <p14:creationId xmlns:p14="http://schemas.microsoft.com/office/powerpoint/2010/main" val="3671886717"/>
       </p:ext>
     </p:extLst>
   </p:cSld>
@@ -4443,6 +5473,14 @@
 <file path=ppt/slides/slide2.xml><?xml version="1.0" encoding="utf-8"?>
 <p:sld xmlns:a="http://schemas.openxmlformats.org/drawingml/2006/main" xmlns:r="http://schemas.openxmlformats.org/officeDocument/2006/relationships" xmlns:p="http://schemas.openxmlformats.org/presentationml/2006/main">
   <p:cSld>
+    <p:bg>
+      <p:bgPr>
+        <a:solidFill>
+          <a:schemeClr val="bg1"/>
+        </a:solidFill>
+        <a:effectLst/>
+      </p:bgPr>
+    </p:bg>
     <p:spTree>
       <p:nvGrpSpPr>
         <p:cNvPr id="1" name=""/>
@@ -4473,14 +5511,22 @@
             <p:ph type="ctrTitle"/>
           </p:nvPr>
         </p:nvSpPr>
-        <p:spPr/>
-        <p:txBody>
-          <a:bodyPr/>
+        <p:spPr>
+          <a:xfrm>
+            <a:off x="655320" y="365125"/>
+            <a:ext cx="5120114" cy="1692794"/>
+          </a:xfrm>
+        </p:spPr>
+        <p:txBody>
+          <a:bodyPr vert="horz" lIns="91440" tIns="45720" rIns="91440" bIns="45720" rtlCol="0" anchor="ctr">
+            <a:normAutofit/>
+          </a:bodyPr>
           <a:lstStyle/>
           <a:p>
-            <a:r>
-              <a:rPr lang="en-US" dirty="0"/>
-              <a:t>Description of project</a:t>
+            <a:pPr algn="l"/>
+            <a:r>
+              <a:rPr lang="en-US" sz="4400" dirty="0"/>
+              <a:t>Roles of team members</a:t>
             </a:r>
           </a:p>
         </p:txBody>
@@ -4501,19 +5547,214 @@
             <p:ph type="subTitle" idx="1"/>
           </p:nvPr>
         </p:nvSpPr>
-        <p:spPr/>
-        <p:txBody>
-          <a:bodyPr/>
+        <p:spPr>
+          <a:xfrm>
+            <a:off x="655321" y="2575034"/>
+            <a:ext cx="5120113" cy="3462228"/>
+          </a:xfrm>
+        </p:spPr>
+        <p:txBody>
+          <a:bodyPr vert="horz" lIns="91440" tIns="45720" rIns="91440" bIns="45720" rtlCol="0">
+            <a:normAutofit/>
+          </a:bodyPr>
           <a:lstStyle/>
           <a:p>
-            <a:endParaRPr lang="en-US"/>
-          </a:p>
-        </p:txBody>
-      </p:sp>
+            <a:pPr lvl="0" algn="l"/>
+            <a:r>
+              <a:rPr lang="en-US" altLang="zh-CN" sz="1800" b="1" dirty="0"/>
+              <a:t>Team Roles:</a:t>
+            </a:r>
+          </a:p>
+          <a:p>
+            <a:pPr lvl="0" indent="-228600" algn="l">
+              <a:buFont typeface="Arial" panose="020B0604020202020204" pitchFamily="34" charset="0"/>
+              <a:buChar char="•"/>
+            </a:pPr>
+            <a:endParaRPr lang="en-US" altLang="zh-CN" sz="1800" b="1" dirty="0"/>
+          </a:p>
+          <a:p>
+            <a:pPr lvl="1" indent="-228600" algn="l">
+              <a:buFont typeface="Arial" panose="020B0604020202020204" pitchFamily="34" charset="0"/>
+              <a:buChar char="•"/>
+            </a:pPr>
+            <a:r>
+              <a:rPr lang="en-US" altLang="zh-CN" sz="1800" dirty="0"/>
+              <a:t>Product Owner   –   Ravi Rane</a:t>
+            </a:r>
+          </a:p>
+          <a:p>
+            <a:pPr lvl="1" indent="-228600" algn="l">
+              <a:buFont typeface="Arial" panose="020B0604020202020204" pitchFamily="34" charset="0"/>
+              <a:buChar char="•"/>
+            </a:pPr>
+            <a:r>
+              <a:rPr lang="en-US" altLang="zh-CN" sz="1800" dirty="0"/>
+              <a:t>Scrum Master     –    Manju Prasad</a:t>
+            </a:r>
+          </a:p>
+          <a:p>
+            <a:pPr lvl="1" indent="-228600" algn="l">
+              <a:buFont typeface="Arial" panose="020B0604020202020204" pitchFamily="34" charset="0"/>
+              <a:buChar char="•"/>
+            </a:pPr>
+            <a:r>
+              <a:rPr lang="en-US" altLang="zh-CN" sz="1800" dirty="0"/>
+              <a:t>   Developer         –    Yinchen Niu</a:t>
+            </a:r>
+          </a:p>
+          <a:p>
+            <a:pPr lvl="1" indent="-228600" algn="l">
+              <a:buFont typeface="Arial" panose="020B0604020202020204" pitchFamily="34" charset="0"/>
+              <a:buChar char="•"/>
+            </a:pPr>
+            <a:r>
+              <a:rPr lang="en-US" altLang="zh-CN" sz="1800" dirty="0"/>
+              <a:t>   Developer         –    </a:t>
+            </a:r>
+            <a:r>
+              <a:rPr lang="en-US" altLang="zh-CN" sz="1800" dirty="0" err="1"/>
+              <a:t>Zegang</a:t>
+            </a:r>
+            <a:r>
+              <a:rPr lang="en-US" altLang="zh-CN" sz="1800" dirty="0"/>
+              <a:t> Liu</a:t>
+            </a:r>
+          </a:p>
+          <a:p>
+            <a:pPr lvl="1" indent="-228600" algn="l">
+              <a:buFont typeface="Arial" panose="020B0604020202020204" pitchFamily="34" charset="0"/>
+              <a:buChar char="•"/>
+            </a:pPr>
+            <a:r>
+              <a:rPr lang="en-US" altLang="zh-CN" sz="1800" dirty="0"/>
+              <a:t>   Developer         –    Tad </a:t>
+            </a:r>
+            <a:r>
+              <a:rPr lang="en-US" altLang="zh-CN" sz="1800" dirty="0" err="1"/>
+              <a:t>Berkery</a:t>
+            </a:r>
+            <a:endParaRPr lang="en-US" altLang="zh-CN" sz="1800" dirty="0"/>
+          </a:p>
+          <a:p>
+            <a:pPr lvl="1" indent="-228600" algn="l">
+              <a:buFont typeface="Arial" panose="020B0604020202020204" pitchFamily="34" charset="0"/>
+              <a:buChar char="•"/>
+            </a:pPr>
+            <a:endParaRPr lang="en-US" altLang="zh-CN" sz="1800" dirty="0"/>
+          </a:p>
+          <a:p>
+            <a:pPr indent="-228600" algn="l">
+              <a:buFont typeface="Arial" panose="020B0604020202020204" pitchFamily="34" charset="0"/>
+              <a:buChar char="•"/>
+            </a:pPr>
+            <a:endParaRPr lang="en-US" sz="1800" dirty="0"/>
+          </a:p>
+        </p:txBody>
+      </p:sp>
+      <p:pic>
+        <p:nvPicPr>
+          <p:cNvPr id="4" name="Picture 3">
+            <a:extLst>
+              <a:ext uri="{FF2B5EF4-FFF2-40B4-BE49-F238E27FC236}">
+                <a16:creationId xmlns:a16="http://schemas.microsoft.com/office/drawing/2014/main" id="{FED32F2F-9F00-4920-BF5C-DEB6DFFF5292}"/>
+              </a:ext>
+            </a:extLst>
+          </p:cNvPr>
+          <p:cNvPicPr>
+            <a:picLocks noChangeAspect="1"/>
+          </p:cNvPicPr>
+          <p:nvPr/>
+        </p:nvPicPr>
+        <p:blipFill rotWithShape="1">
+          <a:blip r:embed="rId2"/>
+          <a:srcRect r="6141" b="2"/>
+          <a:stretch/>
+        </p:blipFill>
+        <p:spPr>
+          <a:xfrm>
+            <a:off x="5878849" y="10"/>
+            <a:ext cx="6313150" cy="6857987"/>
+          </a:xfrm>
+          <a:custGeom>
+            <a:avLst/>
+            <a:gdLst>
+              <a:gd name="connsiteX0" fmla="*/ 65565 w 6313150"/>
+              <a:gd name="connsiteY0" fmla="*/ 0 h 6857997"/>
+              <a:gd name="connsiteX1" fmla="*/ 6313150 w 6313150"/>
+              <a:gd name="connsiteY1" fmla="*/ 0 h 6857997"/>
+              <a:gd name="connsiteX2" fmla="*/ 6313150 w 6313150"/>
+              <a:gd name="connsiteY2" fmla="*/ 6857997 h 6857997"/>
+              <a:gd name="connsiteX3" fmla="*/ 3293946 w 6313150"/>
+              <a:gd name="connsiteY3" fmla="*/ 6857997 h 6857997"/>
+              <a:gd name="connsiteX4" fmla="*/ 3235857 w 6313150"/>
+              <a:gd name="connsiteY4" fmla="*/ 6823061 h 6857997"/>
+              <a:gd name="connsiteX5" fmla="*/ 0 w 6313150"/>
+              <a:gd name="connsiteY5" fmla="*/ 951803 h 6857997"/>
+              <a:gd name="connsiteX6" fmla="*/ 31536 w 6313150"/>
+              <a:gd name="connsiteY6" fmla="*/ 285771 h 6857997"/>
+            </a:gdLst>
+            <a:ahLst/>
+            <a:cxnLst>
+              <a:cxn ang="0">
+                <a:pos x="connsiteX0" y="connsiteY0"/>
+              </a:cxn>
+              <a:cxn ang="0">
+                <a:pos x="connsiteX1" y="connsiteY1"/>
+              </a:cxn>
+              <a:cxn ang="0">
+                <a:pos x="connsiteX2" y="connsiteY2"/>
+              </a:cxn>
+              <a:cxn ang="0">
+                <a:pos x="connsiteX3" y="connsiteY3"/>
+              </a:cxn>
+              <a:cxn ang="0">
+                <a:pos x="connsiteX4" y="connsiteY4"/>
+              </a:cxn>
+              <a:cxn ang="0">
+                <a:pos x="connsiteX5" y="connsiteY5"/>
+              </a:cxn>
+              <a:cxn ang="0">
+                <a:pos x="connsiteX6" y="connsiteY6"/>
+              </a:cxn>
+            </a:cxnLst>
+            <a:rect l="l" t="t" r="r" b="b"/>
+            <a:pathLst>
+              <a:path w="6313150" h="6857997">
+                <a:moveTo>
+                  <a:pt x="65565" y="0"/>
+                </a:moveTo>
+                <a:lnTo>
+                  <a:pt x="6313150" y="0"/>
+                </a:lnTo>
+                <a:lnTo>
+                  <a:pt x="6313150" y="6857997"/>
+                </a:lnTo>
+                <a:lnTo>
+                  <a:pt x="3293946" y="6857997"/>
+                </a:lnTo>
+                <a:lnTo>
+                  <a:pt x="3235857" y="6823061"/>
+                </a:lnTo>
+                <a:cubicBezTo>
+                  <a:pt x="1291240" y="5592803"/>
+                  <a:pt x="0" y="3423096"/>
+                  <a:pt x="0" y="951803"/>
+                </a:cubicBezTo>
+                <a:cubicBezTo>
+                  <a:pt x="0" y="727140"/>
+                  <a:pt x="10673" y="504970"/>
+                  <a:pt x="31536" y="285771"/>
+                </a:cubicBezTo>
+                <a:close/>
+              </a:path>
+            </a:pathLst>
+          </a:custGeom>
+        </p:spPr>
+      </p:pic>
     </p:spTree>
     <p:extLst>
       <p:ext uri="{BB962C8B-B14F-4D97-AF65-F5344CB8AC3E}">
-        <p14:creationId xmlns:p14="http://schemas.microsoft.com/office/powerpoint/2010/main" val="1970273947"/>
+        <p14:creationId xmlns:p14="http://schemas.microsoft.com/office/powerpoint/2010/main" val="4234010038"/>
       </p:ext>
     </p:extLst>
   </p:cSld>
@@ -4563,7 +5804,7 @@
           <a:p>
             <a:r>
               <a:rPr lang="en-US" dirty="0"/>
-              <a:t>Challenges / Learnings</a:t>
+              <a:t>Core Goal 4 - SSD</a:t>
             </a:r>
           </a:p>
         </p:txBody>
@@ -4596,7 +5837,7 @@
     </p:spTree>
     <p:extLst>
       <p:ext uri="{BB962C8B-B14F-4D97-AF65-F5344CB8AC3E}">
-        <p14:creationId xmlns:p14="http://schemas.microsoft.com/office/powerpoint/2010/main" val="3907197743"/>
+        <p14:creationId xmlns:p14="http://schemas.microsoft.com/office/powerpoint/2010/main" val="3202752072"/>
       </p:ext>
     </p:extLst>
   </p:cSld>
@@ -4646,6 +5887,504 @@
           <a:p>
             <a:r>
               <a:rPr lang="en-US" dirty="0"/>
+              <a:t>Stretch Goals #1</a:t>
+            </a:r>
+          </a:p>
+        </p:txBody>
+      </p:sp>
+      <p:sp>
+        <p:nvSpPr>
+          <p:cNvPr id="3" name="Subtitle 2">
+            <a:extLst>
+              <a:ext uri="{FF2B5EF4-FFF2-40B4-BE49-F238E27FC236}">
+                <a16:creationId xmlns:a16="http://schemas.microsoft.com/office/drawing/2014/main" id="{0CD2B805-351F-4720-9B6A-DD87484BA767}"/>
+              </a:ext>
+            </a:extLst>
+          </p:cNvPr>
+          <p:cNvSpPr>
+            <a:spLocks noGrp="1"/>
+          </p:cNvSpPr>
+          <p:nvPr>
+            <p:ph type="subTitle" idx="1"/>
+          </p:nvPr>
+        </p:nvSpPr>
+        <p:spPr/>
+        <p:txBody>
+          <a:bodyPr/>
+          <a:lstStyle/>
+          <a:p>
+            <a:endParaRPr lang="en-US" dirty="0"/>
+          </a:p>
+        </p:txBody>
+      </p:sp>
+    </p:spTree>
+    <p:extLst>
+      <p:ext uri="{BB962C8B-B14F-4D97-AF65-F5344CB8AC3E}">
+        <p14:creationId xmlns:p14="http://schemas.microsoft.com/office/powerpoint/2010/main" val="713425510"/>
+      </p:ext>
+    </p:extLst>
+  </p:cSld>
+  <p:clrMapOvr>
+    <a:masterClrMapping/>
+  </p:clrMapOvr>
+</p:sld>
+</file>
+
+<file path=ppt/slides/slide22.xml><?xml version="1.0" encoding="utf-8"?>
+<p:sld xmlns:a="http://schemas.openxmlformats.org/drawingml/2006/main" xmlns:r="http://schemas.openxmlformats.org/officeDocument/2006/relationships" xmlns:p="http://schemas.openxmlformats.org/presentationml/2006/main">
+  <p:cSld>
+    <p:spTree>
+      <p:nvGrpSpPr>
+        <p:cNvPr id="1" name=""/>
+        <p:cNvGrpSpPr/>
+        <p:nvPr/>
+      </p:nvGrpSpPr>
+      <p:grpSpPr>
+        <a:xfrm>
+          <a:off x="0" y="0"/>
+          <a:ext cx="0" cy="0"/>
+          <a:chOff x="0" y="0"/>
+          <a:chExt cx="0" cy="0"/>
+        </a:xfrm>
+      </p:grpSpPr>
+      <p:sp>
+        <p:nvSpPr>
+          <p:cNvPr id="2" name="Title 1">
+            <a:extLst>
+              <a:ext uri="{FF2B5EF4-FFF2-40B4-BE49-F238E27FC236}">
+                <a16:creationId xmlns:a16="http://schemas.microsoft.com/office/drawing/2014/main" id="{6902BBD3-1236-4D52-B9A1-AD4DF8D0B35C}"/>
+              </a:ext>
+            </a:extLst>
+          </p:cNvPr>
+          <p:cNvSpPr>
+            <a:spLocks noGrp="1"/>
+          </p:cNvSpPr>
+          <p:nvPr>
+            <p:ph type="ctrTitle"/>
+          </p:nvPr>
+        </p:nvSpPr>
+        <p:spPr/>
+        <p:txBody>
+          <a:bodyPr/>
+          <a:lstStyle/>
+          <a:p>
+            <a:r>
+              <a:rPr lang="en-US" dirty="0"/>
+              <a:t>Stretch Goals #2</a:t>
+            </a:r>
+          </a:p>
+        </p:txBody>
+      </p:sp>
+      <p:sp>
+        <p:nvSpPr>
+          <p:cNvPr id="3" name="Subtitle 2">
+            <a:extLst>
+              <a:ext uri="{FF2B5EF4-FFF2-40B4-BE49-F238E27FC236}">
+                <a16:creationId xmlns:a16="http://schemas.microsoft.com/office/drawing/2014/main" id="{0CD2B805-351F-4720-9B6A-DD87484BA767}"/>
+              </a:ext>
+            </a:extLst>
+          </p:cNvPr>
+          <p:cNvSpPr>
+            <a:spLocks noGrp="1"/>
+          </p:cNvSpPr>
+          <p:nvPr>
+            <p:ph type="subTitle" idx="1"/>
+          </p:nvPr>
+        </p:nvSpPr>
+        <p:spPr/>
+        <p:txBody>
+          <a:bodyPr/>
+          <a:lstStyle/>
+          <a:p>
+            <a:endParaRPr lang="en-US" dirty="0"/>
+          </a:p>
+        </p:txBody>
+      </p:sp>
+    </p:spTree>
+    <p:extLst>
+      <p:ext uri="{BB962C8B-B14F-4D97-AF65-F5344CB8AC3E}">
+        <p14:creationId xmlns:p14="http://schemas.microsoft.com/office/powerpoint/2010/main" val="3022076354"/>
+      </p:ext>
+    </p:extLst>
+  </p:cSld>
+  <p:clrMapOvr>
+    <a:masterClrMapping/>
+  </p:clrMapOvr>
+</p:sld>
+</file>
+
+<file path=ppt/slides/slide23.xml><?xml version="1.0" encoding="utf-8"?>
+<p:sld xmlns:a="http://schemas.openxmlformats.org/drawingml/2006/main" xmlns:r="http://schemas.openxmlformats.org/officeDocument/2006/relationships" xmlns:p="http://schemas.openxmlformats.org/presentationml/2006/main">
+  <p:cSld>
+    <p:spTree>
+      <p:nvGrpSpPr>
+        <p:cNvPr id="1" name=""/>
+        <p:cNvGrpSpPr/>
+        <p:nvPr/>
+      </p:nvGrpSpPr>
+      <p:grpSpPr>
+        <a:xfrm>
+          <a:off x="0" y="0"/>
+          <a:ext cx="0" cy="0"/>
+          <a:chOff x="0" y="0"/>
+          <a:chExt cx="0" cy="0"/>
+        </a:xfrm>
+      </p:grpSpPr>
+      <p:sp>
+        <p:nvSpPr>
+          <p:cNvPr id="2" name="Title 1">
+            <a:extLst>
+              <a:ext uri="{FF2B5EF4-FFF2-40B4-BE49-F238E27FC236}">
+                <a16:creationId xmlns:a16="http://schemas.microsoft.com/office/drawing/2014/main" id="{6902BBD3-1236-4D52-B9A1-AD4DF8D0B35C}"/>
+              </a:ext>
+            </a:extLst>
+          </p:cNvPr>
+          <p:cNvSpPr>
+            <a:spLocks noGrp="1"/>
+          </p:cNvSpPr>
+          <p:nvPr>
+            <p:ph type="ctrTitle"/>
+          </p:nvPr>
+        </p:nvSpPr>
+        <p:spPr/>
+        <p:txBody>
+          <a:bodyPr/>
+          <a:lstStyle/>
+          <a:p>
+            <a:r>
+              <a:rPr lang="en-US" dirty="0"/>
+              <a:t>Stretch Goals #3</a:t>
+            </a:r>
+          </a:p>
+        </p:txBody>
+      </p:sp>
+      <p:sp>
+        <p:nvSpPr>
+          <p:cNvPr id="3" name="Subtitle 2">
+            <a:extLst>
+              <a:ext uri="{FF2B5EF4-FFF2-40B4-BE49-F238E27FC236}">
+                <a16:creationId xmlns:a16="http://schemas.microsoft.com/office/drawing/2014/main" id="{0CD2B805-351F-4720-9B6A-DD87484BA767}"/>
+              </a:ext>
+            </a:extLst>
+          </p:cNvPr>
+          <p:cNvSpPr>
+            <a:spLocks noGrp="1"/>
+          </p:cNvSpPr>
+          <p:nvPr>
+            <p:ph type="subTitle" idx="1"/>
+          </p:nvPr>
+        </p:nvSpPr>
+        <p:spPr/>
+        <p:txBody>
+          <a:bodyPr/>
+          <a:lstStyle/>
+          <a:p>
+            <a:endParaRPr lang="en-US" dirty="0"/>
+          </a:p>
+        </p:txBody>
+      </p:sp>
+    </p:spTree>
+    <p:extLst>
+      <p:ext uri="{BB962C8B-B14F-4D97-AF65-F5344CB8AC3E}">
+        <p14:creationId xmlns:p14="http://schemas.microsoft.com/office/powerpoint/2010/main" val="3331967532"/>
+      </p:ext>
+    </p:extLst>
+  </p:cSld>
+  <p:clrMapOvr>
+    <a:masterClrMapping/>
+  </p:clrMapOvr>
+</p:sld>
+</file>
+
+<file path=ppt/slides/slide24.xml><?xml version="1.0" encoding="utf-8"?>
+<p:sld xmlns:a="http://schemas.openxmlformats.org/drawingml/2006/main" xmlns:r="http://schemas.openxmlformats.org/officeDocument/2006/relationships" xmlns:p="http://schemas.openxmlformats.org/presentationml/2006/main">
+  <p:cSld>
+    <p:spTree>
+      <p:nvGrpSpPr>
+        <p:cNvPr id="1" name=""/>
+        <p:cNvGrpSpPr/>
+        <p:nvPr/>
+      </p:nvGrpSpPr>
+      <p:grpSpPr>
+        <a:xfrm>
+          <a:off x="0" y="0"/>
+          <a:ext cx="0" cy="0"/>
+          <a:chOff x="0" y="0"/>
+          <a:chExt cx="0" cy="0"/>
+        </a:xfrm>
+      </p:grpSpPr>
+      <p:sp>
+        <p:nvSpPr>
+          <p:cNvPr id="2" name="Title 1">
+            <a:extLst>
+              <a:ext uri="{FF2B5EF4-FFF2-40B4-BE49-F238E27FC236}">
+                <a16:creationId xmlns:a16="http://schemas.microsoft.com/office/drawing/2014/main" id="{6902BBD3-1236-4D52-B9A1-AD4DF8D0B35C}"/>
+              </a:ext>
+            </a:extLst>
+          </p:cNvPr>
+          <p:cNvSpPr>
+            <a:spLocks noGrp="1"/>
+          </p:cNvSpPr>
+          <p:nvPr>
+            <p:ph type="ctrTitle"/>
+          </p:nvPr>
+        </p:nvSpPr>
+        <p:spPr/>
+        <p:txBody>
+          <a:bodyPr/>
+          <a:lstStyle/>
+          <a:p>
+            <a:r>
+              <a:rPr lang="en-US" dirty="0"/>
+              <a:t>Stretch Goals #4</a:t>
+            </a:r>
+          </a:p>
+        </p:txBody>
+      </p:sp>
+      <p:sp>
+        <p:nvSpPr>
+          <p:cNvPr id="3" name="Subtitle 2">
+            <a:extLst>
+              <a:ext uri="{FF2B5EF4-FFF2-40B4-BE49-F238E27FC236}">
+                <a16:creationId xmlns:a16="http://schemas.microsoft.com/office/drawing/2014/main" id="{0CD2B805-351F-4720-9B6A-DD87484BA767}"/>
+              </a:ext>
+            </a:extLst>
+          </p:cNvPr>
+          <p:cNvSpPr>
+            <a:spLocks noGrp="1"/>
+          </p:cNvSpPr>
+          <p:nvPr>
+            <p:ph type="subTitle" idx="1"/>
+          </p:nvPr>
+        </p:nvSpPr>
+        <p:spPr/>
+        <p:txBody>
+          <a:bodyPr/>
+          <a:lstStyle/>
+          <a:p>
+            <a:endParaRPr lang="en-US" dirty="0"/>
+          </a:p>
+        </p:txBody>
+      </p:sp>
+    </p:spTree>
+    <p:extLst>
+      <p:ext uri="{BB962C8B-B14F-4D97-AF65-F5344CB8AC3E}">
+        <p14:creationId xmlns:p14="http://schemas.microsoft.com/office/powerpoint/2010/main" val="3669755408"/>
+      </p:ext>
+    </p:extLst>
+  </p:cSld>
+  <p:clrMapOvr>
+    <a:masterClrMapping/>
+  </p:clrMapOvr>
+</p:sld>
+</file>
+
+<file path=ppt/slides/slide25.xml><?xml version="1.0" encoding="utf-8"?>
+<p:sld xmlns:a="http://schemas.openxmlformats.org/drawingml/2006/main" xmlns:r="http://schemas.openxmlformats.org/officeDocument/2006/relationships" xmlns:p="http://schemas.openxmlformats.org/presentationml/2006/main">
+  <p:cSld>
+    <p:spTree>
+      <p:nvGrpSpPr>
+        <p:cNvPr id="1" name=""/>
+        <p:cNvGrpSpPr/>
+        <p:nvPr/>
+      </p:nvGrpSpPr>
+      <p:grpSpPr>
+        <a:xfrm>
+          <a:off x="0" y="0"/>
+          <a:ext cx="0" cy="0"/>
+          <a:chOff x="0" y="0"/>
+          <a:chExt cx="0" cy="0"/>
+        </a:xfrm>
+      </p:grpSpPr>
+      <p:sp>
+        <p:nvSpPr>
+          <p:cNvPr id="2" name="Title 1">
+            <a:extLst>
+              <a:ext uri="{FF2B5EF4-FFF2-40B4-BE49-F238E27FC236}">
+                <a16:creationId xmlns:a16="http://schemas.microsoft.com/office/drawing/2014/main" id="{6902BBD3-1236-4D52-B9A1-AD4DF8D0B35C}"/>
+              </a:ext>
+            </a:extLst>
+          </p:cNvPr>
+          <p:cNvSpPr>
+            <a:spLocks noGrp="1"/>
+          </p:cNvSpPr>
+          <p:nvPr>
+            <p:ph type="ctrTitle"/>
+          </p:nvPr>
+        </p:nvSpPr>
+        <p:spPr/>
+        <p:txBody>
+          <a:bodyPr/>
+          <a:lstStyle/>
+          <a:p>
+            <a:r>
+              <a:rPr lang="en-US" dirty="0"/>
+              <a:t>With more time…</a:t>
+            </a:r>
+          </a:p>
+        </p:txBody>
+      </p:sp>
+      <p:sp>
+        <p:nvSpPr>
+          <p:cNvPr id="3" name="Subtitle 2">
+            <a:extLst>
+              <a:ext uri="{FF2B5EF4-FFF2-40B4-BE49-F238E27FC236}">
+                <a16:creationId xmlns:a16="http://schemas.microsoft.com/office/drawing/2014/main" id="{0CD2B805-351F-4720-9B6A-DD87484BA767}"/>
+              </a:ext>
+            </a:extLst>
+          </p:cNvPr>
+          <p:cNvSpPr>
+            <a:spLocks noGrp="1"/>
+          </p:cNvSpPr>
+          <p:nvPr>
+            <p:ph type="subTitle" idx="1"/>
+          </p:nvPr>
+        </p:nvSpPr>
+        <p:spPr/>
+        <p:txBody>
+          <a:bodyPr/>
+          <a:lstStyle/>
+          <a:p>
+            <a:endParaRPr lang="en-US" dirty="0"/>
+          </a:p>
+        </p:txBody>
+      </p:sp>
+    </p:spTree>
+    <p:extLst>
+      <p:ext uri="{BB962C8B-B14F-4D97-AF65-F5344CB8AC3E}">
+        <p14:creationId xmlns:p14="http://schemas.microsoft.com/office/powerpoint/2010/main" val="1501152112"/>
+      </p:ext>
+    </p:extLst>
+  </p:cSld>
+  <p:clrMapOvr>
+    <a:masterClrMapping/>
+  </p:clrMapOvr>
+</p:sld>
+</file>
+
+<file path=ppt/slides/slide26.xml><?xml version="1.0" encoding="utf-8"?>
+<p:sld xmlns:a="http://schemas.openxmlformats.org/drawingml/2006/main" xmlns:r="http://schemas.openxmlformats.org/officeDocument/2006/relationships" xmlns:p="http://schemas.openxmlformats.org/presentationml/2006/main">
+  <p:cSld>
+    <p:spTree>
+      <p:nvGrpSpPr>
+        <p:cNvPr id="1" name=""/>
+        <p:cNvGrpSpPr/>
+        <p:nvPr/>
+      </p:nvGrpSpPr>
+      <p:grpSpPr>
+        <a:xfrm>
+          <a:off x="0" y="0"/>
+          <a:ext cx="0" cy="0"/>
+          <a:chOff x="0" y="0"/>
+          <a:chExt cx="0" cy="0"/>
+        </a:xfrm>
+      </p:grpSpPr>
+      <p:sp>
+        <p:nvSpPr>
+          <p:cNvPr id="2" name="Title 1">
+            <a:extLst>
+              <a:ext uri="{FF2B5EF4-FFF2-40B4-BE49-F238E27FC236}">
+                <a16:creationId xmlns:a16="http://schemas.microsoft.com/office/drawing/2014/main" id="{6902BBD3-1236-4D52-B9A1-AD4DF8D0B35C}"/>
+              </a:ext>
+            </a:extLst>
+          </p:cNvPr>
+          <p:cNvSpPr>
+            <a:spLocks noGrp="1"/>
+          </p:cNvSpPr>
+          <p:nvPr>
+            <p:ph type="ctrTitle"/>
+          </p:nvPr>
+        </p:nvSpPr>
+        <p:spPr/>
+        <p:txBody>
+          <a:bodyPr/>
+          <a:lstStyle/>
+          <a:p>
+            <a:r>
+              <a:rPr lang="en-US" dirty="0"/>
+              <a:t>Challenges / Learnings</a:t>
+            </a:r>
+          </a:p>
+        </p:txBody>
+      </p:sp>
+      <p:sp>
+        <p:nvSpPr>
+          <p:cNvPr id="3" name="Subtitle 2">
+            <a:extLst>
+              <a:ext uri="{FF2B5EF4-FFF2-40B4-BE49-F238E27FC236}">
+                <a16:creationId xmlns:a16="http://schemas.microsoft.com/office/drawing/2014/main" id="{0CD2B805-351F-4720-9B6A-DD87484BA767}"/>
+              </a:ext>
+            </a:extLst>
+          </p:cNvPr>
+          <p:cNvSpPr>
+            <a:spLocks noGrp="1"/>
+          </p:cNvSpPr>
+          <p:nvPr>
+            <p:ph type="subTitle" idx="1"/>
+          </p:nvPr>
+        </p:nvSpPr>
+        <p:spPr/>
+        <p:txBody>
+          <a:bodyPr/>
+          <a:lstStyle/>
+          <a:p>
+            <a:endParaRPr lang="en-US" dirty="0"/>
+          </a:p>
+        </p:txBody>
+      </p:sp>
+    </p:spTree>
+    <p:extLst>
+      <p:ext uri="{BB962C8B-B14F-4D97-AF65-F5344CB8AC3E}">
+        <p14:creationId xmlns:p14="http://schemas.microsoft.com/office/powerpoint/2010/main" val="3907197743"/>
+      </p:ext>
+    </p:extLst>
+  </p:cSld>
+  <p:clrMapOvr>
+    <a:masterClrMapping/>
+  </p:clrMapOvr>
+</p:sld>
+</file>
+
+<file path=ppt/slides/slide27.xml><?xml version="1.0" encoding="utf-8"?>
+<p:sld xmlns:a="http://schemas.openxmlformats.org/drawingml/2006/main" xmlns:r="http://schemas.openxmlformats.org/officeDocument/2006/relationships" xmlns:p="http://schemas.openxmlformats.org/presentationml/2006/main">
+  <p:cSld>
+    <p:spTree>
+      <p:nvGrpSpPr>
+        <p:cNvPr id="1" name=""/>
+        <p:cNvGrpSpPr/>
+        <p:nvPr/>
+      </p:nvGrpSpPr>
+      <p:grpSpPr>
+        <a:xfrm>
+          <a:off x="0" y="0"/>
+          <a:ext cx="0" cy="0"/>
+          <a:chOff x="0" y="0"/>
+          <a:chExt cx="0" cy="0"/>
+        </a:xfrm>
+      </p:grpSpPr>
+      <p:sp>
+        <p:nvSpPr>
+          <p:cNvPr id="2" name="Title 1">
+            <a:extLst>
+              <a:ext uri="{FF2B5EF4-FFF2-40B4-BE49-F238E27FC236}">
+                <a16:creationId xmlns:a16="http://schemas.microsoft.com/office/drawing/2014/main" id="{6902BBD3-1236-4D52-B9A1-AD4DF8D0B35C}"/>
+              </a:ext>
+            </a:extLst>
+          </p:cNvPr>
+          <p:cNvSpPr>
+            <a:spLocks noGrp="1"/>
+          </p:cNvSpPr>
+          <p:nvPr>
+            <p:ph type="ctrTitle"/>
+          </p:nvPr>
+        </p:nvSpPr>
+        <p:spPr/>
+        <p:txBody>
+          <a:bodyPr/>
+          <a:lstStyle/>
+          <a:p>
+            <a:r>
+              <a:rPr lang="en-US" dirty="0"/>
               <a:t>Applications for this concept/research/work</a:t>
             </a:r>
           </a:p>
@@ -4692,7 +6431,7 @@
 </p:sld>
 </file>
 
-<file path=ppt/slides/slide22.xml><?xml version="1.0" encoding="utf-8"?>
+<file path=ppt/slides/slide28.xml><?xml version="1.0" encoding="utf-8"?>
 <p:sld xmlns:a="http://schemas.openxmlformats.org/drawingml/2006/main" xmlns:r="http://schemas.openxmlformats.org/officeDocument/2006/relationships" xmlns:p="http://schemas.openxmlformats.org/presentationml/2006/main">
   <p:cSld>
     <p:spTree>
@@ -4811,47 +6550,225 @@
             <p:ph type="ctrTitle"/>
           </p:nvPr>
         </p:nvSpPr>
-        <p:spPr/>
-        <p:txBody>
-          <a:bodyPr/>
+        <p:spPr>
+          <a:xfrm>
+            <a:off x="0" y="0"/>
+            <a:ext cx="4064000" cy="1016145"/>
+          </a:xfrm>
+        </p:spPr>
+        <p:txBody>
+          <a:bodyPr>
+            <a:normAutofit/>
+          </a:bodyPr>
           <a:lstStyle/>
           <a:p>
             <a:r>
-              <a:rPr lang="en-US" dirty="0"/>
-              <a:t>Why we chose this project?</a:t>
-            </a:r>
-          </a:p>
-        </p:txBody>
-      </p:sp>
-      <p:sp>
-        <p:nvSpPr>
-          <p:cNvPr id="3" name="Subtitle 2">
-            <a:extLst>
-              <a:ext uri="{FF2B5EF4-FFF2-40B4-BE49-F238E27FC236}">
-                <a16:creationId xmlns:a16="http://schemas.microsoft.com/office/drawing/2014/main" id="{0CD2B805-351F-4720-9B6A-DD87484BA767}"/>
-              </a:ext>
-            </a:extLst>
-          </p:cNvPr>
-          <p:cNvSpPr>
-            <a:spLocks noGrp="1"/>
-          </p:cNvSpPr>
-          <p:nvPr>
-            <p:ph type="subTitle" idx="1"/>
-          </p:nvPr>
-        </p:nvSpPr>
-        <p:spPr/>
-        <p:txBody>
-          <a:bodyPr/>
+              <a:rPr lang="en-US" sz="4800" dirty="0"/>
+              <a:t>Introduction</a:t>
+            </a:r>
+          </a:p>
+        </p:txBody>
+      </p:sp>
+      <p:sp>
+        <p:nvSpPr>
+          <p:cNvPr id="4" name="Rectangle 3">
+            <a:extLst>
+              <a:ext uri="{FF2B5EF4-FFF2-40B4-BE49-F238E27FC236}">
+                <a16:creationId xmlns:a16="http://schemas.microsoft.com/office/drawing/2014/main" id="{E047EE89-079E-4738-A25D-4F331F85E4DD}"/>
+              </a:ext>
+            </a:extLst>
+          </p:cNvPr>
+          <p:cNvSpPr/>
+          <p:nvPr/>
+        </p:nvSpPr>
+        <p:spPr>
+          <a:xfrm>
+            <a:off x="914398" y="1390978"/>
+            <a:ext cx="8886549" cy="2723823"/>
+          </a:xfrm>
+          <a:prstGeom prst="rect">
+            <a:avLst/>
+          </a:prstGeom>
+        </p:spPr>
+        <p:txBody>
+          <a:bodyPr wrap="square" anchor="b">
+            <a:spAutoFit/>
+          </a:bodyPr>
           <a:lstStyle/>
           <a:p>
-            <a:endParaRPr lang="en-US"/>
+            <a:pPr marL="285750" indent="-285750" algn="just">
+              <a:lnSpc>
+                <a:spcPct val="150000"/>
+              </a:lnSpc>
+              <a:buFont typeface="Arial" panose="020B0604020202020204" pitchFamily="34" charset="0"/>
+              <a:buChar char="•"/>
+            </a:pPr>
+            <a:r>
+              <a:rPr lang="en-US" altLang="zh-CN" dirty="0">
+                <a:solidFill>
+                  <a:srgbClr val="000000"/>
+                </a:solidFill>
+                <a:ea typeface="Yu Mincho" panose="02020400000000000000" pitchFamily="18" charset="-128"/>
+                <a:cs typeface="Times New Roman" panose="02020603050405020304" pitchFamily="18" charset="0"/>
+              </a:rPr>
+              <a:t>Object detection and image classification are at the forefront of computer vision technologies found throughout society today. Recent advancements in facial-detection-based surveillance in the security industry, pedestrian and sign detection in self-driving cars, and automated valuation of properties are all applications of this cutting-edge technology.</a:t>
+            </a:r>
+          </a:p>
+          <a:p>
+            <a:pPr marL="285750" indent="-285750" algn="just">
+              <a:buFont typeface="Arial" panose="020B0604020202020204" pitchFamily="34" charset="0"/>
+              <a:buChar char="•"/>
+            </a:pPr>
+            <a:endParaRPr lang="en-US" altLang="zh-CN" dirty="0">
+              <a:solidFill>
+                <a:srgbClr val="000000"/>
+              </a:solidFill>
+              <a:ea typeface="Yu Mincho" panose="02020400000000000000" pitchFamily="18" charset="-128"/>
+              <a:cs typeface="Times New Roman" panose="02020603050405020304" pitchFamily="18" charset="0"/>
+            </a:endParaRPr>
+          </a:p>
+          <a:p>
+            <a:pPr marL="285750" indent="-285750" algn="just">
+              <a:buFont typeface="Arial" panose="020B0604020202020204" pitchFamily="34" charset="0"/>
+              <a:buChar char="•"/>
+            </a:pPr>
+            <a:r>
+              <a:rPr lang="en-US" altLang="zh-CN" dirty="0"/>
+              <a:t>We want to:</a:t>
+            </a:r>
+          </a:p>
+        </p:txBody>
+      </p:sp>
+      <p:pic>
+        <p:nvPicPr>
+          <p:cNvPr id="5" name="Picture 4">
+            <a:extLst>
+              <a:ext uri="{FF2B5EF4-FFF2-40B4-BE49-F238E27FC236}">
+                <a16:creationId xmlns:a16="http://schemas.microsoft.com/office/drawing/2014/main" id="{2137997F-7705-4089-9B3D-02E6D43B4F7A}"/>
+              </a:ext>
+            </a:extLst>
+          </p:cNvPr>
+          <p:cNvPicPr>
+            <a:picLocks noChangeAspect="1"/>
+          </p:cNvPicPr>
+          <p:nvPr/>
+        </p:nvPicPr>
+        <p:blipFill>
+          <a:blip r:embed="rId2"/>
+          <a:stretch>
+            <a:fillRect/>
+          </a:stretch>
+        </p:blipFill>
+        <p:spPr>
+          <a:xfrm>
+            <a:off x="10280073" y="0"/>
+            <a:ext cx="2019300" cy="1714500"/>
+          </a:xfrm>
+          <a:prstGeom prst="ellipse">
+            <a:avLst/>
+          </a:prstGeom>
+          <a:ln>
+            <a:noFill/>
+          </a:ln>
+          <a:effectLst>
+            <a:softEdge rad="112500"/>
+          </a:effectLst>
+        </p:spPr>
+      </p:pic>
+      <p:sp>
+        <p:nvSpPr>
+          <p:cNvPr id="8" name="Rectangle 7">
+            <a:extLst>
+              <a:ext uri="{FF2B5EF4-FFF2-40B4-BE49-F238E27FC236}">
+                <a16:creationId xmlns:a16="http://schemas.microsoft.com/office/drawing/2014/main" id="{C357B3FE-5657-4CF2-AF8A-C0C43FD6EA00}"/>
+              </a:ext>
+            </a:extLst>
+          </p:cNvPr>
+          <p:cNvSpPr/>
+          <p:nvPr/>
+        </p:nvSpPr>
+        <p:spPr>
+          <a:xfrm>
+            <a:off x="2432481" y="4323121"/>
+            <a:ext cx="10289220" cy="1846659"/>
+          </a:xfrm>
+          <a:prstGeom prst="rect">
+            <a:avLst/>
+          </a:prstGeom>
+        </p:spPr>
+        <p:txBody>
+          <a:bodyPr wrap="square">
+            <a:spAutoFit/>
+          </a:bodyPr>
+          <a:lstStyle/>
+          <a:p>
+            <a:pPr marL="285750" indent="-285750" algn="just">
+              <a:lnSpc>
+                <a:spcPct val="150000"/>
+              </a:lnSpc>
+              <a:buFont typeface="Arial" panose="020B0604020202020204" pitchFamily="34" charset="0"/>
+              <a:buChar char="•"/>
+            </a:pPr>
+            <a:r>
+              <a:rPr lang="en-US" altLang="zh-CN" sz="1600" dirty="0"/>
+              <a:t>Classify Simpson characters from images and from videos</a:t>
+            </a:r>
+          </a:p>
+          <a:p>
+            <a:pPr marL="285750" indent="-285750" algn="just">
+              <a:lnSpc>
+                <a:spcPct val="150000"/>
+              </a:lnSpc>
+              <a:buFont typeface="Arial" panose="020B0604020202020204" pitchFamily="34" charset="0"/>
+              <a:buChar char="•"/>
+            </a:pPr>
+            <a:r>
+              <a:rPr lang="en-US" altLang="zh-CN" sz="1600" dirty="0"/>
+              <a:t>Extend this functionality when we have multiple characters in an image. </a:t>
+            </a:r>
+          </a:p>
+          <a:p>
+            <a:pPr marL="285750" indent="-285750" algn="just">
+              <a:lnSpc>
+                <a:spcPct val="150000"/>
+              </a:lnSpc>
+              <a:buFont typeface="Arial" panose="020B0604020202020204" pitchFamily="34" charset="0"/>
+              <a:buChar char="•"/>
+            </a:pPr>
+            <a:r>
+              <a:rPr lang="en-US" altLang="zh-CN" sz="1600" dirty="0"/>
+              <a:t>Be able to recognize each individual character and draw bounding box around each</a:t>
+            </a:r>
+          </a:p>
+          <a:p>
+            <a:pPr marL="285750" indent="-285750" algn="just">
+              <a:lnSpc>
+                <a:spcPct val="150000"/>
+              </a:lnSpc>
+              <a:buFont typeface="Arial" panose="020B0604020202020204" pitchFamily="34" charset="0"/>
+              <a:buChar char="•"/>
+            </a:pPr>
+            <a:r>
+              <a:rPr lang="en-US" altLang="zh-CN" sz="1600" dirty="0"/>
+              <a:t>Have good interface to perform the classification</a:t>
+            </a:r>
+          </a:p>
+          <a:p>
+            <a:pPr algn="just"/>
+            <a:endParaRPr lang="en-US" altLang="zh-CN" dirty="0">
+              <a:solidFill>
+                <a:srgbClr val="000000"/>
+              </a:solidFill>
+              <a:ea typeface="Yu Mincho" panose="02020400000000000000" pitchFamily="18" charset="-128"/>
+              <a:cs typeface="Times New Roman" panose="02020603050405020304" pitchFamily="18" charset="0"/>
+            </a:endParaRPr>
           </a:p>
         </p:txBody>
       </p:sp>
     </p:spTree>
     <p:extLst>
       <p:ext uri="{BB962C8B-B14F-4D97-AF65-F5344CB8AC3E}">
-        <p14:creationId xmlns:p14="http://schemas.microsoft.com/office/powerpoint/2010/main" val="477054121"/>
+        <p14:creationId xmlns:p14="http://schemas.microsoft.com/office/powerpoint/2010/main" val="824143865"/>
       </p:ext>
     </p:extLst>
   </p:cSld>
@@ -4894,14 +6811,25 @@
             <p:ph type="ctrTitle"/>
           </p:nvPr>
         </p:nvSpPr>
-        <p:spPr/>
-        <p:txBody>
-          <a:bodyPr/>
+        <p:spPr>
+          <a:xfrm>
+            <a:off x="-812711" y="0"/>
+            <a:ext cx="6601311" cy="702199"/>
+          </a:xfrm>
+        </p:spPr>
+        <p:txBody>
+          <a:bodyPr>
+            <a:noAutofit/>
+          </a:bodyPr>
           <a:lstStyle/>
           <a:p>
             <a:r>
-              <a:rPr lang="en-US" dirty="0"/>
-              <a:t>What roles team members played?</a:t>
+              <a:rPr lang="en-US" altLang="zh-CN" sz="4800" dirty="0"/>
+              <a:t>Project </a:t>
+            </a:r>
+            <a:r>
+              <a:rPr lang="en-US" sz="4800" dirty="0"/>
+              <a:t>Description </a:t>
             </a:r>
           </a:p>
         </p:txBody>
@@ -4922,19 +6850,140 @@
             <p:ph type="subTitle" idx="1"/>
           </p:nvPr>
         </p:nvSpPr>
-        <p:spPr/>
-        <p:txBody>
-          <a:bodyPr/>
+        <p:spPr>
+          <a:xfrm>
+            <a:off x="782490" y="1339273"/>
+            <a:ext cx="8795619" cy="4608945"/>
+          </a:xfrm>
+        </p:spPr>
+        <p:txBody>
+          <a:bodyPr>
+            <a:normAutofit/>
+          </a:bodyPr>
           <a:lstStyle/>
           <a:p>
-            <a:endParaRPr lang="en-US"/>
-          </a:p>
-        </p:txBody>
-      </p:sp>
+            <a:pPr marL="342900" indent="-342900" algn="just">
+              <a:lnSpc>
+                <a:spcPct val="160000"/>
+              </a:lnSpc>
+              <a:buFont typeface="Arial" panose="020B0604020202020204" pitchFamily="34" charset="0"/>
+              <a:buChar char="•"/>
+            </a:pPr>
+            <a:r>
+              <a:rPr lang="en-US" altLang="zh-CN" sz="1800" dirty="0"/>
+              <a:t>Utilizing the popular 30-season show The Simpsons, this project implements object detection and image classification for primary characters from the Simpsons series. </a:t>
+            </a:r>
+          </a:p>
+          <a:p>
+            <a:pPr algn="just">
+              <a:lnSpc>
+                <a:spcPct val="160000"/>
+              </a:lnSpc>
+            </a:pPr>
+            <a:endParaRPr lang="en-US" altLang="zh-CN" sz="1800" dirty="0"/>
+          </a:p>
+          <a:p>
+            <a:pPr marL="342900" indent="-342900" algn="just">
+              <a:lnSpc>
+                <a:spcPct val="160000"/>
+              </a:lnSpc>
+              <a:buFont typeface="Arial" panose="020B0604020202020204" pitchFamily="34" charset="0"/>
+              <a:buChar char="•"/>
+            </a:pPr>
+            <a:r>
+              <a:rPr lang="en-US" altLang="zh-CN" sz="1800" dirty="0"/>
+              <a:t>Various deep learning architectures:</a:t>
+            </a:r>
+          </a:p>
+          <a:p>
+            <a:pPr>
+              <a:lnSpc>
+                <a:spcPct val="160000"/>
+              </a:lnSpc>
+            </a:pPr>
+            <a:r>
+              <a:rPr lang="en-US" altLang="zh-CN" sz="1800" dirty="0"/>
+              <a:t>Convolutional Neural Network (CNN)</a:t>
+            </a:r>
+          </a:p>
+          <a:p>
+            <a:pPr>
+              <a:lnSpc>
+                <a:spcPct val="160000"/>
+              </a:lnSpc>
+            </a:pPr>
+            <a:r>
+              <a:rPr lang="en-US" altLang="zh-CN" sz="1800" dirty="0"/>
+              <a:t>Faster Region-based Convolutional Neural Network (R-CNN)</a:t>
+            </a:r>
+          </a:p>
+          <a:p>
+            <a:pPr>
+              <a:lnSpc>
+                <a:spcPct val="160000"/>
+              </a:lnSpc>
+            </a:pPr>
+            <a:r>
+              <a:rPr lang="en-US" altLang="zh-CN" sz="1800" dirty="0"/>
+              <a:t>You Only Look Once (YOLO)</a:t>
+            </a:r>
+          </a:p>
+          <a:p>
+            <a:pPr>
+              <a:lnSpc>
+                <a:spcPct val="160000"/>
+              </a:lnSpc>
+            </a:pPr>
+            <a:r>
+              <a:rPr lang="en-US" altLang="zh-CN" sz="1800" dirty="0"/>
+              <a:t>Single Shot Multi-box Detection (SSD) </a:t>
+            </a:r>
+          </a:p>
+          <a:p>
+            <a:endParaRPr lang="en-US" sz="1600" dirty="0"/>
+          </a:p>
+        </p:txBody>
+      </p:sp>
+      <p:pic>
+        <p:nvPicPr>
+          <p:cNvPr id="4" name="Picture 3">
+            <a:extLst>
+              <a:ext uri="{FF2B5EF4-FFF2-40B4-BE49-F238E27FC236}">
+                <a16:creationId xmlns:a16="http://schemas.microsoft.com/office/drawing/2014/main" id="{B2F650D3-C0B0-4126-824E-F5AF6694D2A7}"/>
+              </a:ext>
+            </a:extLst>
+          </p:cNvPr>
+          <p:cNvPicPr>
+            <a:picLocks noChangeAspect="1"/>
+          </p:cNvPicPr>
+          <p:nvPr/>
+        </p:nvPicPr>
+        <p:blipFill>
+          <a:blip r:embed="rId2"/>
+          <a:stretch>
+            <a:fillRect/>
+          </a:stretch>
+        </p:blipFill>
+        <p:spPr>
+          <a:xfrm>
+            <a:off x="10280073" y="0"/>
+            <a:ext cx="2019300" cy="1714500"/>
+          </a:xfrm>
+          <a:prstGeom prst="ellipse">
+            <a:avLst/>
+          </a:prstGeom>
+          <a:ln>
+            <a:noFill/>
+          </a:ln>
+          <a:effectLst>
+            <a:softEdge rad="112500"/>
+          </a:effectLst>
+        </p:spPr>
+      </p:pic>
     </p:spTree>
     <p:extLst>
       <p:ext uri="{BB962C8B-B14F-4D97-AF65-F5344CB8AC3E}">
-        <p14:creationId xmlns:p14="http://schemas.microsoft.com/office/powerpoint/2010/main" val="4234010038"/>
+        <p14:creationId xmlns:p14="http://schemas.microsoft.com/office/powerpoint/2010/main" val="1970273947"/>
       </p:ext>
     </p:extLst>
   </p:cSld>
@@ -4961,63 +7010,123 @@
           <a:chExt cx="0" cy="0"/>
         </a:xfrm>
       </p:grpSpPr>
-      <p:sp>
-        <p:nvSpPr>
-          <p:cNvPr id="2" name="Title 1">
-            <a:extLst>
-              <a:ext uri="{FF2B5EF4-FFF2-40B4-BE49-F238E27FC236}">
-                <a16:creationId xmlns:a16="http://schemas.microsoft.com/office/drawing/2014/main" id="{6902BBD3-1236-4D52-B9A1-AD4DF8D0B35C}"/>
-              </a:ext>
-            </a:extLst>
-          </p:cNvPr>
-          <p:cNvSpPr>
-            <a:spLocks noGrp="1"/>
-          </p:cNvSpPr>
-          <p:nvPr>
-            <p:ph type="ctrTitle"/>
-          </p:nvPr>
-        </p:nvSpPr>
-        <p:spPr/>
-        <p:txBody>
-          <a:bodyPr/>
+      <p:pic>
+        <p:nvPicPr>
+          <p:cNvPr id="2" name="Picture 1">
+            <a:extLst>
+              <a:ext uri="{FF2B5EF4-FFF2-40B4-BE49-F238E27FC236}">
+                <a16:creationId xmlns:a16="http://schemas.microsoft.com/office/drawing/2014/main" id="{8F70D62A-0477-4EF5-93EE-210DA470199C}"/>
+              </a:ext>
+            </a:extLst>
+          </p:cNvPr>
+          <p:cNvPicPr>
+            <a:picLocks noChangeAspect="1"/>
+          </p:cNvPicPr>
+          <p:nvPr/>
+        </p:nvPicPr>
+        <p:blipFill>
+          <a:blip r:embed="rId2"/>
+          <a:stretch>
+            <a:fillRect/>
+          </a:stretch>
+        </p:blipFill>
+        <p:spPr>
+          <a:xfrm>
+            <a:off x="10280073" y="0"/>
+            <a:ext cx="2019300" cy="1714500"/>
+          </a:xfrm>
+          <a:prstGeom prst="ellipse">
+            <a:avLst/>
+          </a:prstGeom>
+          <a:ln>
+            <a:noFill/>
+          </a:ln>
+          <a:effectLst>
+            <a:softEdge rad="112500"/>
+          </a:effectLst>
+        </p:spPr>
+      </p:pic>
+      <p:sp>
+        <p:nvSpPr>
+          <p:cNvPr id="4" name="Rectangle 3">
+            <a:extLst>
+              <a:ext uri="{FF2B5EF4-FFF2-40B4-BE49-F238E27FC236}">
+                <a16:creationId xmlns:a16="http://schemas.microsoft.com/office/drawing/2014/main" id="{948663E3-B18C-4B5C-B17A-0407B8463680}"/>
+              </a:ext>
+            </a:extLst>
+          </p:cNvPr>
+          <p:cNvSpPr/>
+          <p:nvPr/>
+        </p:nvSpPr>
+        <p:spPr>
+          <a:xfrm>
+            <a:off x="104035" y="131680"/>
+            <a:ext cx="5341527" cy="830997"/>
+          </a:xfrm>
+          <a:prstGeom prst="rect">
+            <a:avLst/>
+          </a:prstGeom>
+        </p:spPr>
+        <p:txBody>
+          <a:bodyPr wrap="none">
+            <a:spAutoFit/>
+          </a:bodyPr>
           <a:lstStyle/>
           <a:p>
             <a:r>
-              <a:rPr lang="en-US" dirty="0"/>
-              <a:t>About our data</a:t>
-            </a:r>
-          </a:p>
-        </p:txBody>
-      </p:sp>
-      <p:sp>
-        <p:nvSpPr>
-          <p:cNvPr id="3" name="Subtitle 2">
-            <a:extLst>
-              <a:ext uri="{FF2B5EF4-FFF2-40B4-BE49-F238E27FC236}">
-                <a16:creationId xmlns:a16="http://schemas.microsoft.com/office/drawing/2014/main" id="{0CD2B805-351F-4720-9B6A-DD87484BA767}"/>
-              </a:ext>
-            </a:extLst>
-          </p:cNvPr>
-          <p:cNvSpPr>
-            <a:spLocks noGrp="1"/>
-          </p:cNvSpPr>
-          <p:nvPr>
-            <p:ph type="subTitle" idx="1"/>
-          </p:nvPr>
-        </p:nvSpPr>
-        <p:spPr/>
-        <p:txBody>
-          <a:bodyPr/>
+              <a:rPr lang="en-US" altLang="zh-CN" sz="4800" dirty="0"/>
+              <a:t>Project Description </a:t>
+            </a:r>
+            <a:endParaRPr lang="zh-CN" altLang="en-US" sz="4800" dirty="0"/>
+          </a:p>
+        </p:txBody>
+      </p:sp>
+      <p:sp>
+        <p:nvSpPr>
+          <p:cNvPr id="5" name="Rectangle 4">
+            <a:extLst>
+              <a:ext uri="{FF2B5EF4-FFF2-40B4-BE49-F238E27FC236}">
+                <a16:creationId xmlns:a16="http://schemas.microsoft.com/office/drawing/2014/main" id="{752B6627-6F49-4DFB-A8EA-DE03DC11DBF4}"/>
+              </a:ext>
+            </a:extLst>
+          </p:cNvPr>
+          <p:cNvSpPr/>
+          <p:nvPr/>
+        </p:nvSpPr>
+        <p:spPr>
+          <a:xfrm>
+            <a:off x="775855" y="1634451"/>
+            <a:ext cx="8432800" cy="1816010"/>
+          </a:xfrm>
+          <a:prstGeom prst="rect">
+            <a:avLst/>
+          </a:prstGeom>
+        </p:spPr>
+        <p:txBody>
+          <a:bodyPr wrap="square">
+            <a:spAutoFit/>
+          </a:bodyPr>
           <a:lstStyle/>
           <a:p>
-            <a:endParaRPr lang="en-US"/>
+            <a:pPr marL="342900" indent="-342900" algn="just">
+              <a:lnSpc>
+                <a:spcPct val="160000"/>
+              </a:lnSpc>
+              <a:buFont typeface="Arial" panose="020B0604020202020204" pitchFamily="34" charset="0"/>
+              <a:buChar char="•"/>
+            </a:pPr>
+            <a:r>
+              <a:rPr lang="en-US" altLang="zh-CN" dirty="0"/>
+              <a:t>As a secondary focus, this project implements YOLO to videos and explores the use of cloud computing to train and execute models. Visualizations and a User Interface (UI) that enable a real-time data feed to model execution are also implemented to encourage further use of our findings.</a:t>
+            </a:r>
+            <a:endParaRPr lang="zh-CN" altLang="zh-CN" dirty="0"/>
           </a:p>
         </p:txBody>
       </p:sp>
     </p:spTree>
     <p:extLst>
       <p:ext uri="{BB962C8B-B14F-4D97-AF65-F5344CB8AC3E}">
-        <p14:creationId xmlns:p14="http://schemas.microsoft.com/office/powerpoint/2010/main" val="2213946378"/>
+        <p14:creationId xmlns:p14="http://schemas.microsoft.com/office/powerpoint/2010/main" val="1673448915"/>
       </p:ext>
     </p:extLst>
   </p:cSld>
@@ -5060,14 +7169,21 @@
             <p:ph type="ctrTitle"/>
           </p:nvPr>
         </p:nvSpPr>
-        <p:spPr/>
-        <p:txBody>
-          <a:bodyPr/>
+        <p:spPr>
+          <a:xfrm>
+            <a:off x="-846338" y="0"/>
+            <a:ext cx="9144000" cy="864417"/>
+          </a:xfrm>
+        </p:spPr>
+        <p:txBody>
+          <a:bodyPr>
+            <a:normAutofit/>
+          </a:bodyPr>
           <a:lstStyle/>
           <a:p>
             <a:r>
-              <a:rPr lang="en-US" dirty="0"/>
-              <a:t>Core Goals &amp; Stretch Goals</a:t>
+              <a:rPr lang="en-US" sz="4800" dirty="0"/>
+              <a:t>Why We Chose This Project?</a:t>
             </a:r>
           </a:p>
         </p:txBody>
@@ -5088,19 +7204,86 @@
             <p:ph type="subTitle" idx="1"/>
           </p:nvPr>
         </p:nvSpPr>
-        <p:spPr/>
-        <p:txBody>
-          <a:bodyPr/>
+        <p:spPr>
+          <a:xfrm>
+            <a:off x="1524000" y="1500327"/>
+            <a:ext cx="9144000" cy="4722920"/>
+          </a:xfrm>
+        </p:spPr>
+        <p:txBody>
+          <a:bodyPr>
+            <a:normAutofit/>
+          </a:bodyPr>
           <a:lstStyle/>
           <a:p>
-            <a:endParaRPr lang="en-US"/>
-          </a:p>
-        </p:txBody>
-      </p:sp>
+            <a:pPr marL="285750" indent="-285750" algn="just">
+              <a:lnSpc>
+                <a:spcPct val="150000"/>
+              </a:lnSpc>
+              <a:buFont typeface="Arial" panose="020B0604020202020204" pitchFamily="34" charset="0"/>
+              <a:buChar char="•"/>
+            </a:pPr>
+            <a:r>
+              <a:rPr lang="en-US" altLang="zh-CN" sz="1800" dirty="0"/>
+              <a:t>We want to classify Simpson characters from images and from videos. We also want to extend this functionality when we have multiple characters in an image. We should be able to recognize each individual character and draw bounding box around each. We need to have good interface to perform the classification.</a:t>
+            </a:r>
+          </a:p>
+          <a:p>
+            <a:pPr marL="285750" indent="-285750" algn="just">
+              <a:lnSpc>
+                <a:spcPct val="150000"/>
+              </a:lnSpc>
+              <a:buFont typeface="Arial" panose="020B0604020202020204" pitchFamily="34" charset="0"/>
+              <a:buChar char="•"/>
+            </a:pPr>
+            <a:r>
+              <a:rPr lang="en-US" altLang="zh-CN" sz="1800" dirty="0"/>
+              <a:t>Simpson is a very popular cartoon and our team was interested in working on an image analytics related project.  On seeing the Kaggle dataset related to image detection of Simpson’s characters (as proposed in the Suggested Projects by our Professor), our team decided to work on this.</a:t>
+            </a:r>
+            <a:endParaRPr lang="en-US" sz="1800" dirty="0"/>
+          </a:p>
+        </p:txBody>
+      </p:sp>
+      <p:pic>
+        <p:nvPicPr>
+          <p:cNvPr id="4" name="Picture 3">
+            <a:extLst>
+              <a:ext uri="{FF2B5EF4-FFF2-40B4-BE49-F238E27FC236}">
+                <a16:creationId xmlns:a16="http://schemas.microsoft.com/office/drawing/2014/main" id="{607C721F-5CE8-4939-86A6-5A272BDC6EF7}"/>
+              </a:ext>
+            </a:extLst>
+          </p:cNvPr>
+          <p:cNvPicPr>
+            <a:picLocks noChangeAspect="1"/>
+          </p:cNvPicPr>
+          <p:nvPr/>
+        </p:nvPicPr>
+        <p:blipFill>
+          <a:blip r:embed="rId2"/>
+          <a:stretch>
+            <a:fillRect/>
+          </a:stretch>
+        </p:blipFill>
+        <p:spPr>
+          <a:xfrm>
+            <a:off x="10280073" y="0"/>
+            <a:ext cx="2019300" cy="1714500"/>
+          </a:xfrm>
+          <a:prstGeom prst="ellipse">
+            <a:avLst/>
+          </a:prstGeom>
+          <a:ln>
+            <a:noFill/>
+          </a:ln>
+          <a:effectLst>
+            <a:softEdge rad="112500"/>
+          </a:effectLst>
+        </p:spPr>
+      </p:pic>
     </p:spTree>
     <p:extLst>
       <p:ext uri="{BB962C8B-B14F-4D97-AF65-F5344CB8AC3E}">
-        <p14:creationId xmlns:p14="http://schemas.microsoft.com/office/powerpoint/2010/main" val="2297394912"/>
+        <p14:creationId xmlns:p14="http://schemas.microsoft.com/office/powerpoint/2010/main" val="477054121"/>
       </p:ext>
     </p:extLst>
   </p:cSld>
@@ -5129,65 +7312,2824 @@
       </p:grpSpPr>
       <p:sp>
         <p:nvSpPr>
-          <p:cNvPr id="2" name="Title 1">
-            <a:extLst>
-              <a:ext uri="{FF2B5EF4-FFF2-40B4-BE49-F238E27FC236}">
-                <a16:creationId xmlns:a16="http://schemas.microsoft.com/office/drawing/2014/main" id="{6902BBD3-1236-4D52-B9A1-AD4DF8D0B35C}"/>
-              </a:ext>
-            </a:extLst>
-          </p:cNvPr>
-          <p:cNvSpPr>
-            <a:spLocks noGrp="1"/>
-          </p:cNvSpPr>
-          <p:nvPr>
-            <p:ph type="ctrTitle"/>
-          </p:nvPr>
-        </p:nvSpPr>
-        <p:spPr/>
-        <p:txBody>
-          <a:bodyPr/>
-          <a:lstStyle/>
-          <a:p>
-            <a:r>
-              <a:rPr lang="en-US" dirty="0" err="1"/>
-              <a:t>SafE</a:t>
-            </a:r>
-            <a:r>
-              <a:rPr lang="en-US" dirty="0"/>
-              <a:t> Agile – Sprint breakdown</a:t>
-            </a:r>
-          </a:p>
-        </p:txBody>
-      </p:sp>
-      <p:sp>
-        <p:nvSpPr>
-          <p:cNvPr id="3" name="Subtitle 2">
-            <a:extLst>
-              <a:ext uri="{FF2B5EF4-FFF2-40B4-BE49-F238E27FC236}">
-                <a16:creationId xmlns:a16="http://schemas.microsoft.com/office/drawing/2014/main" id="{0CD2B805-351F-4720-9B6A-DD87484BA767}"/>
-              </a:ext>
-            </a:extLst>
-          </p:cNvPr>
-          <p:cNvSpPr>
-            <a:spLocks noGrp="1"/>
-          </p:cNvSpPr>
-          <p:nvPr>
-            <p:ph type="subTitle" idx="1"/>
-          </p:nvPr>
-        </p:nvSpPr>
-        <p:spPr/>
-        <p:txBody>
-          <a:bodyPr/>
-          <a:lstStyle/>
-          <a:p>
-            <a:endParaRPr lang="en-US" dirty="0"/>
-          </a:p>
-        </p:txBody>
-      </p:sp>
+          <p:cNvPr id="2" name="Google Shape;196;p21">
+            <a:extLst>
+              <a:ext uri="{FF2B5EF4-FFF2-40B4-BE49-F238E27FC236}">
+                <a16:creationId xmlns:a16="http://schemas.microsoft.com/office/drawing/2014/main" id="{486FE3C2-844C-4D48-A5A7-96E8A31A03A4}"/>
+              </a:ext>
+            </a:extLst>
+          </p:cNvPr>
+          <p:cNvSpPr>
+            <a:spLocks noChangeArrowheads="1"/>
+          </p:cNvSpPr>
+          <p:nvPr/>
+        </p:nvSpPr>
+        <p:spPr bwMode="auto">
+          <a:xfrm>
+            <a:off x="1380292" y="3072784"/>
+            <a:ext cx="1462088" cy="952500"/>
+          </a:xfrm>
+          <a:prstGeom prst="rect">
+            <a:avLst/>
+          </a:prstGeom>
+          <a:solidFill>
+            <a:schemeClr val="accent1"/>
+          </a:solidFill>
+          <a:ln w="12700">
+            <a:solidFill>
+              <a:srgbClr val="31538F"/>
+            </a:solidFill>
+            <a:miter lim="800000"/>
+            <a:headEnd type="none" w="sm" len="sm"/>
+            <a:tailEnd type="none" w="sm" len="sm"/>
+          </a:ln>
+        </p:spPr>
+        <p:txBody>
+          <a:bodyPr lIns="91425" tIns="45700" rIns="91425" bIns="45700" anchor="ctr"/>
+          <a:lstStyle>
+            <a:lvl1pPr>
+              <a:buClr>
+                <a:srgbClr val="000000"/>
+              </a:buClr>
+              <a:buFont typeface="Arial" panose="020B0604020202020204" pitchFamily="34" charset="0"/>
+              <a:defRPr sz="1400">
+                <a:solidFill>
+                  <a:srgbClr val="000000"/>
+                </a:solidFill>
+                <a:latin typeface="Arial" panose="020B0604020202020204" pitchFamily="34" charset="0"/>
+                <a:cs typeface="Arial" panose="020B0604020202020204" pitchFamily="34" charset="0"/>
+                <a:sym typeface="Arial" panose="020B0604020202020204" pitchFamily="34" charset="0"/>
+              </a:defRPr>
+            </a:lvl1pPr>
+            <a:lvl2pPr marL="742950" indent="-285750">
+              <a:buClr>
+                <a:srgbClr val="000000"/>
+              </a:buClr>
+              <a:buFont typeface="Arial" panose="020B0604020202020204" pitchFamily="34" charset="0"/>
+              <a:defRPr sz="1400">
+                <a:solidFill>
+                  <a:srgbClr val="000000"/>
+                </a:solidFill>
+                <a:latin typeface="Arial" panose="020B0604020202020204" pitchFamily="34" charset="0"/>
+                <a:cs typeface="Arial" panose="020B0604020202020204" pitchFamily="34" charset="0"/>
+                <a:sym typeface="Arial" panose="020B0604020202020204" pitchFamily="34" charset="0"/>
+              </a:defRPr>
+            </a:lvl2pPr>
+            <a:lvl3pPr marL="1143000" indent="-228600">
+              <a:buClr>
+                <a:srgbClr val="000000"/>
+              </a:buClr>
+              <a:buFont typeface="Arial" panose="020B0604020202020204" pitchFamily="34" charset="0"/>
+              <a:defRPr sz="1400">
+                <a:solidFill>
+                  <a:srgbClr val="000000"/>
+                </a:solidFill>
+                <a:latin typeface="Arial" panose="020B0604020202020204" pitchFamily="34" charset="0"/>
+                <a:cs typeface="Arial" panose="020B0604020202020204" pitchFamily="34" charset="0"/>
+                <a:sym typeface="Arial" panose="020B0604020202020204" pitchFamily="34" charset="0"/>
+              </a:defRPr>
+            </a:lvl3pPr>
+            <a:lvl4pPr marL="1600200" indent="-228600">
+              <a:buClr>
+                <a:srgbClr val="000000"/>
+              </a:buClr>
+              <a:buFont typeface="Arial" panose="020B0604020202020204" pitchFamily="34" charset="0"/>
+              <a:defRPr sz="1400">
+                <a:solidFill>
+                  <a:srgbClr val="000000"/>
+                </a:solidFill>
+                <a:latin typeface="Arial" panose="020B0604020202020204" pitchFamily="34" charset="0"/>
+                <a:cs typeface="Arial" panose="020B0604020202020204" pitchFamily="34" charset="0"/>
+                <a:sym typeface="Arial" panose="020B0604020202020204" pitchFamily="34" charset="0"/>
+              </a:defRPr>
+            </a:lvl4pPr>
+            <a:lvl5pPr marL="2057400" indent="-228600">
+              <a:buClr>
+                <a:srgbClr val="000000"/>
+              </a:buClr>
+              <a:buFont typeface="Arial" panose="020B0604020202020204" pitchFamily="34" charset="0"/>
+              <a:defRPr sz="1400">
+                <a:solidFill>
+                  <a:srgbClr val="000000"/>
+                </a:solidFill>
+                <a:latin typeface="Arial" panose="020B0604020202020204" pitchFamily="34" charset="0"/>
+                <a:cs typeface="Arial" panose="020B0604020202020204" pitchFamily="34" charset="0"/>
+                <a:sym typeface="Arial" panose="020B0604020202020204" pitchFamily="34" charset="0"/>
+              </a:defRPr>
+            </a:lvl5pPr>
+            <a:lvl6pPr marL="2514600" indent="-228600" eaLnBrk="0" fontAlgn="base" hangingPunct="0">
+              <a:spcBef>
+                <a:spcPct val="0"/>
+              </a:spcBef>
+              <a:spcAft>
+                <a:spcPct val="0"/>
+              </a:spcAft>
+              <a:buClr>
+                <a:srgbClr val="000000"/>
+              </a:buClr>
+              <a:buFont typeface="Arial" panose="020B0604020202020204" pitchFamily="34" charset="0"/>
+              <a:defRPr sz="1400">
+                <a:solidFill>
+                  <a:srgbClr val="000000"/>
+                </a:solidFill>
+                <a:latin typeface="Arial" panose="020B0604020202020204" pitchFamily="34" charset="0"/>
+                <a:cs typeface="Arial" panose="020B0604020202020204" pitchFamily="34" charset="0"/>
+                <a:sym typeface="Arial" panose="020B0604020202020204" pitchFamily="34" charset="0"/>
+              </a:defRPr>
+            </a:lvl6pPr>
+            <a:lvl7pPr marL="2971800" indent="-228600" eaLnBrk="0" fontAlgn="base" hangingPunct="0">
+              <a:spcBef>
+                <a:spcPct val="0"/>
+              </a:spcBef>
+              <a:spcAft>
+                <a:spcPct val="0"/>
+              </a:spcAft>
+              <a:buClr>
+                <a:srgbClr val="000000"/>
+              </a:buClr>
+              <a:buFont typeface="Arial" panose="020B0604020202020204" pitchFamily="34" charset="0"/>
+              <a:defRPr sz="1400">
+                <a:solidFill>
+                  <a:srgbClr val="000000"/>
+                </a:solidFill>
+                <a:latin typeface="Arial" panose="020B0604020202020204" pitchFamily="34" charset="0"/>
+                <a:cs typeface="Arial" panose="020B0604020202020204" pitchFamily="34" charset="0"/>
+                <a:sym typeface="Arial" panose="020B0604020202020204" pitchFamily="34" charset="0"/>
+              </a:defRPr>
+            </a:lvl7pPr>
+            <a:lvl8pPr marL="3429000" indent="-228600" eaLnBrk="0" fontAlgn="base" hangingPunct="0">
+              <a:spcBef>
+                <a:spcPct val="0"/>
+              </a:spcBef>
+              <a:spcAft>
+                <a:spcPct val="0"/>
+              </a:spcAft>
+              <a:buClr>
+                <a:srgbClr val="000000"/>
+              </a:buClr>
+              <a:buFont typeface="Arial" panose="020B0604020202020204" pitchFamily="34" charset="0"/>
+              <a:defRPr sz="1400">
+                <a:solidFill>
+                  <a:srgbClr val="000000"/>
+                </a:solidFill>
+                <a:latin typeface="Arial" panose="020B0604020202020204" pitchFamily="34" charset="0"/>
+                <a:cs typeface="Arial" panose="020B0604020202020204" pitchFamily="34" charset="0"/>
+                <a:sym typeface="Arial" panose="020B0604020202020204" pitchFamily="34" charset="0"/>
+              </a:defRPr>
+            </a:lvl8pPr>
+            <a:lvl9pPr marL="3886200" indent="-228600" eaLnBrk="0" fontAlgn="base" hangingPunct="0">
+              <a:spcBef>
+                <a:spcPct val="0"/>
+              </a:spcBef>
+              <a:spcAft>
+                <a:spcPct val="0"/>
+              </a:spcAft>
+              <a:buClr>
+                <a:srgbClr val="000000"/>
+              </a:buClr>
+              <a:buFont typeface="Arial" panose="020B0604020202020204" pitchFamily="34" charset="0"/>
+              <a:defRPr sz="1400">
+                <a:solidFill>
+                  <a:srgbClr val="000000"/>
+                </a:solidFill>
+                <a:latin typeface="Arial" panose="020B0604020202020204" pitchFamily="34" charset="0"/>
+                <a:cs typeface="Arial" panose="020B0604020202020204" pitchFamily="34" charset="0"/>
+                <a:sym typeface="Arial" panose="020B0604020202020204" pitchFamily="34" charset="0"/>
+              </a:defRPr>
+            </a:lvl9pPr>
+          </a:lstStyle>
+          <a:p>
+            <a:pPr algn="ctr" eaLnBrk="1" hangingPunct="1"/>
+            <a:r>
+              <a:rPr lang="en-US" altLang="en-US" sz="1200" dirty="0">
+                <a:solidFill>
+                  <a:srgbClr val="FFFFFF"/>
+                </a:solidFill>
+              </a:rPr>
+              <a:t>Data set was downloaded from Kaggle.com</a:t>
+            </a:r>
+            <a:endParaRPr lang="en-US" altLang="en-US" dirty="0"/>
+          </a:p>
+          <a:p>
+            <a:pPr algn="ctr" eaLnBrk="1" hangingPunct="1"/>
+            <a:r>
+              <a:rPr lang="en-US" altLang="en-US" sz="1200" dirty="0">
+                <a:solidFill>
+                  <a:srgbClr val="FFFFFF"/>
+                </a:solidFill>
+              </a:rPr>
+              <a:t>(How)</a:t>
+            </a:r>
+            <a:endParaRPr lang="en-US" altLang="en-US" dirty="0"/>
+          </a:p>
+        </p:txBody>
+      </p:sp>
+      <p:sp>
+        <p:nvSpPr>
+          <p:cNvPr id="3" name="Google Shape;197;p21">
+            <a:extLst>
+              <a:ext uri="{FF2B5EF4-FFF2-40B4-BE49-F238E27FC236}">
+                <a16:creationId xmlns:a16="http://schemas.microsoft.com/office/drawing/2014/main" id="{BB424D9F-D5EB-4651-AD19-8049F6BBB961}"/>
+              </a:ext>
+            </a:extLst>
+          </p:cNvPr>
+          <p:cNvSpPr>
+            <a:spLocks noChangeArrowheads="1"/>
+          </p:cNvSpPr>
+          <p:nvPr/>
+        </p:nvSpPr>
+        <p:spPr bwMode="auto">
+          <a:xfrm>
+            <a:off x="3318630" y="3256934"/>
+            <a:ext cx="1282700" cy="571500"/>
+          </a:xfrm>
+          <a:prstGeom prst="roundRect">
+            <a:avLst>
+              <a:gd name="adj" fmla="val 16667"/>
+            </a:avLst>
+          </a:prstGeom>
+          <a:solidFill>
+            <a:schemeClr val="accent1">
+              <a:lumMod val="40000"/>
+              <a:lumOff val="60000"/>
+            </a:schemeClr>
+          </a:solidFill>
+          <a:ln w="12700">
+            <a:solidFill>
+              <a:srgbClr val="31538F"/>
+            </a:solidFill>
+            <a:miter lim="800000"/>
+            <a:headEnd type="none" w="sm" len="sm"/>
+            <a:tailEnd type="none" w="sm" len="sm"/>
+          </a:ln>
+        </p:spPr>
+        <p:txBody>
+          <a:bodyPr lIns="91425" tIns="45700" rIns="91425" bIns="45700" anchor="ctr"/>
+          <a:lstStyle>
+            <a:lvl1pPr>
+              <a:buClr>
+                <a:srgbClr val="000000"/>
+              </a:buClr>
+              <a:buFont typeface="Arial" panose="020B0604020202020204" pitchFamily="34" charset="0"/>
+              <a:defRPr sz="1400">
+                <a:solidFill>
+                  <a:srgbClr val="000000"/>
+                </a:solidFill>
+                <a:latin typeface="Arial" panose="020B0604020202020204" pitchFamily="34" charset="0"/>
+                <a:cs typeface="Arial" panose="020B0604020202020204" pitchFamily="34" charset="0"/>
+                <a:sym typeface="Arial" panose="020B0604020202020204" pitchFamily="34" charset="0"/>
+              </a:defRPr>
+            </a:lvl1pPr>
+            <a:lvl2pPr marL="742950" indent="-285750">
+              <a:buClr>
+                <a:srgbClr val="000000"/>
+              </a:buClr>
+              <a:buFont typeface="Arial" panose="020B0604020202020204" pitchFamily="34" charset="0"/>
+              <a:defRPr sz="1400">
+                <a:solidFill>
+                  <a:srgbClr val="000000"/>
+                </a:solidFill>
+                <a:latin typeface="Arial" panose="020B0604020202020204" pitchFamily="34" charset="0"/>
+                <a:cs typeface="Arial" panose="020B0604020202020204" pitchFamily="34" charset="0"/>
+                <a:sym typeface="Arial" panose="020B0604020202020204" pitchFamily="34" charset="0"/>
+              </a:defRPr>
+            </a:lvl2pPr>
+            <a:lvl3pPr marL="1143000" indent="-228600">
+              <a:buClr>
+                <a:srgbClr val="000000"/>
+              </a:buClr>
+              <a:buFont typeface="Arial" panose="020B0604020202020204" pitchFamily="34" charset="0"/>
+              <a:defRPr sz="1400">
+                <a:solidFill>
+                  <a:srgbClr val="000000"/>
+                </a:solidFill>
+                <a:latin typeface="Arial" panose="020B0604020202020204" pitchFamily="34" charset="0"/>
+                <a:cs typeface="Arial" panose="020B0604020202020204" pitchFamily="34" charset="0"/>
+                <a:sym typeface="Arial" panose="020B0604020202020204" pitchFamily="34" charset="0"/>
+              </a:defRPr>
+            </a:lvl3pPr>
+            <a:lvl4pPr marL="1600200" indent="-228600">
+              <a:buClr>
+                <a:srgbClr val="000000"/>
+              </a:buClr>
+              <a:buFont typeface="Arial" panose="020B0604020202020204" pitchFamily="34" charset="0"/>
+              <a:defRPr sz="1400">
+                <a:solidFill>
+                  <a:srgbClr val="000000"/>
+                </a:solidFill>
+                <a:latin typeface="Arial" panose="020B0604020202020204" pitchFamily="34" charset="0"/>
+                <a:cs typeface="Arial" panose="020B0604020202020204" pitchFamily="34" charset="0"/>
+                <a:sym typeface="Arial" panose="020B0604020202020204" pitchFamily="34" charset="0"/>
+              </a:defRPr>
+            </a:lvl4pPr>
+            <a:lvl5pPr marL="2057400" indent="-228600">
+              <a:buClr>
+                <a:srgbClr val="000000"/>
+              </a:buClr>
+              <a:buFont typeface="Arial" panose="020B0604020202020204" pitchFamily="34" charset="0"/>
+              <a:defRPr sz="1400">
+                <a:solidFill>
+                  <a:srgbClr val="000000"/>
+                </a:solidFill>
+                <a:latin typeface="Arial" panose="020B0604020202020204" pitchFamily="34" charset="0"/>
+                <a:cs typeface="Arial" panose="020B0604020202020204" pitchFamily="34" charset="0"/>
+                <a:sym typeface="Arial" panose="020B0604020202020204" pitchFamily="34" charset="0"/>
+              </a:defRPr>
+            </a:lvl5pPr>
+            <a:lvl6pPr marL="2514600" indent="-228600" eaLnBrk="0" fontAlgn="base" hangingPunct="0">
+              <a:spcBef>
+                <a:spcPct val="0"/>
+              </a:spcBef>
+              <a:spcAft>
+                <a:spcPct val="0"/>
+              </a:spcAft>
+              <a:buClr>
+                <a:srgbClr val="000000"/>
+              </a:buClr>
+              <a:buFont typeface="Arial" panose="020B0604020202020204" pitchFamily="34" charset="0"/>
+              <a:defRPr sz="1400">
+                <a:solidFill>
+                  <a:srgbClr val="000000"/>
+                </a:solidFill>
+                <a:latin typeface="Arial" panose="020B0604020202020204" pitchFamily="34" charset="0"/>
+                <a:cs typeface="Arial" panose="020B0604020202020204" pitchFamily="34" charset="0"/>
+                <a:sym typeface="Arial" panose="020B0604020202020204" pitchFamily="34" charset="0"/>
+              </a:defRPr>
+            </a:lvl6pPr>
+            <a:lvl7pPr marL="2971800" indent="-228600" eaLnBrk="0" fontAlgn="base" hangingPunct="0">
+              <a:spcBef>
+                <a:spcPct val="0"/>
+              </a:spcBef>
+              <a:spcAft>
+                <a:spcPct val="0"/>
+              </a:spcAft>
+              <a:buClr>
+                <a:srgbClr val="000000"/>
+              </a:buClr>
+              <a:buFont typeface="Arial" panose="020B0604020202020204" pitchFamily="34" charset="0"/>
+              <a:defRPr sz="1400">
+                <a:solidFill>
+                  <a:srgbClr val="000000"/>
+                </a:solidFill>
+                <a:latin typeface="Arial" panose="020B0604020202020204" pitchFamily="34" charset="0"/>
+                <a:cs typeface="Arial" panose="020B0604020202020204" pitchFamily="34" charset="0"/>
+                <a:sym typeface="Arial" panose="020B0604020202020204" pitchFamily="34" charset="0"/>
+              </a:defRPr>
+            </a:lvl7pPr>
+            <a:lvl8pPr marL="3429000" indent="-228600" eaLnBrk="0" fontAlgn="base" hangingPunct="0">
+              <a:spcBef>
+                <a:spcPct val="0"/>
+              </a:spcBef>
+              <a:spcAft>
+                <a:spcPct val="0"/>
+              </a:spcAft>
+              <a:buClr>
+                <a:srgbClr val="000000"/>
+              </a:buClr>
+              <a:buFont typeface="Arial" panose="020B0604020202020204" pitchFamily="34" charset="0"/>
+              <a:defRPr sz="1400">
+                <a:solidFill>
+                  <a:srgbClr val="000000"/>
+                </a:solidFill>
+                <a:latin typeface="Arial" panose="020B0604020202020204" pitchFamily="34" charset="0"/>
+                <a:cs typeface="Arial" panose="020B0604020202020204" pitchFamily="34" charset="0"/>
+                <a:sym typeface="Arial" panose="020B0604020202020204" pitchFamily="34" charset="0"/>
+              </a:defRPr>
+            </a:lvl8pPr>
+            <a:lvl9pPr marL="3886200" indent="-228600" eaLnBrk="0" fontAlgn="base" hangingPunct="0">
+              <a:spcBef>
+                <a:spcPct val="0"/>
+              </a:spcBef>
+              <a:spcAft>
+                <a:spcPct val="0"/>
+              </a:spcAft>
+              <a:buClr>
+                <a:srgbClr val="000000"/>
+              </a:buClr>
+              <a:buFont typeface="Arial" panose="020B0604020202020204" pitchFamily="34" charset="0"/>
+              <a:defRPr sz="1400">
+                <a:solidFill>
+                  <a:srgbClr val="000000"/>
+                </a:solidFill>
+                <a:latin typeface="Arial" panose="020B0604020202020204" pitchFamily="34" charset="0"/>
+                <a:cs typeface="Arial" panose="020B0604020202020204" pitchFamily="34" charset="0"/>
+                <a:sym typeface="Arial" panose="020B0604020202020204" pitchFamily="34" charset="0"/>
+              </a:defRPr>
+            </a:lvl9pPr>
+          </a:lstStyle>
+          <a:p>
+            <a:pPr algn="ctr"/>
+            <a:r>
+              <a:rPr lang="en-US" altLang="en-US" dirty="0"/>
+              <a:t>Cause</a:t>
+            </a:r>
+          </a:p>
+        </p:txBody>
+      </p:sp>
+      <p:cxnSp>
+        <p:nvCxnSpPr>
+          <p:cNvPr id="4" name="Google Shape;198;p21">
+            <a:extLst>
+              <a:ext uri="{FF2B5EF4-FFF2-40B4-BE49-F238E27FC236}">
+                <a16:creationId xmlns:a16="http://schemas.microsoft.com/office/drawing/2014/main" id="{F3BE10D1-799A-4F40-AD0C-513715536C45}"/>
+              </a:ext>
+            </a:extLst>
+          </p:cNvPr>
+          <p:cNvCxnSpPr>
+            <a:cxnSpLocks noChangeShapeType="1"/>
+            <a:stCxn id="2" idx="3"/>
+            <a:endCxn id="3" idx="1"/>
+          </p:cNvCxnSpPr>
+          <p:nvPr/>
+        </p:nvCxnSpPr>
+        <p:spPr bwMode="auto">
+          <a:xfrm flipV="1">
+            <a:off x="2842380" y="3542684"/>
+            <a:ext cx="476250" cy="6350"/>
+          </a:xfrm>
+          <a:prstGeom prst="straightConnector1">
+            <a:avLst/>
+          </a:prstGeom>
+          <a:noFill/>
+          <a:ln w="9525">
+            <a:solidFill>
+              <a:schemeClr val="accent1"/>
+            </a:solidFill>
+            <a:miter lim="800000"/>
+            <a:headEnd type="none" w="sm" len="sm"/>
+            <a:tailEnd type="triangle" w="med" len="med"/>
+          </a:ln>
+          <a:extLst>
+            <a:ext uri="{909E8E84-426E-40DD-AFC4-6F175D3DCCD1}">
+              <a14:hiddenFill xmlns:a14="http://schemas.microsoft.com/office/drawing/2010/main">
+                <a:noFill/>
+              </a14:hiddenFill>
+            </a:ext>
+          </a:extLst>
+        </p:spPr>
+      </p:cxnSp>
+      <p:sp>
+        <p:nvSpPr>
+          <p:cNvPr id="5" name="Google Shape;199;p21">
+            <a:extLst>
+              <a:ext uri="{FF2B5EF4-FFF2-40B4-BE49-F238E27FC236}">
+                <a16:creationId xmlns:a16="http://schemas.microsoft.com/office/drawing/2014/main" id="{EA3071FD-41C5-4D63-833B-BF393676FEA2}"/>
+              </a:ext>
+            </a:extLst>
+          </p:cNvPr>
+          <p:cNvSpPr>
+            <a:spLocks noChangeArrowheads="1"/>
+          </p:cNvSpPr>
+          <p:nvPr/>
+        </p:nvSpPr>
+        <p:spPr bwMode="auto">
+          <a:xfrm>
+            <a:off x="5329992" y="2937847"/>
+            <a:ext cx="1841499" cy="1197770"/>
+          </a:xfrm>
+          <a:prstGeom prst="rect">
+            <a:avLst/>
+          </a:prstGeom>
+          <a:solidFill>
+            <a:schemeClr val="accent1"/>
+          </a:solidFill>
+          <a:ln w="12700">
+            <a:solidFill>
+              <a:srgbClr val="31538F"/>
+            </a:solidFill>
+            <a:miter lim="800000"/>
+            <a:headEnd type="none" w="sm" len="sm"/>
+            <a:tailEnd type="none" w="sm" len="sm"/>
+          </a:ln>
+        </p:spPr>
+        <p:txBody>
+          <a:bodyPr lIns="91425" tIns="45700" rIns="91425" bIns="45700" anchor="ctr"/>
+          <a:lstStyle>
+            <a:lvl1pPr>
+              <a:buClr>
+                <a:srgbClr val="000000"/>
+              </a:buClr>
+              <a:buFont typeface="Arial" panose="020B0604020202020204" pitchFamily="34" charset="0"/>
+              <a:defRPr sz="1400">
+                <a:solidFill>
+                  <a:srgbClr val="000000"/>
+                </a:solidFill>
+                <a:latin typeface="Arial" panose="020B0604020202020204" pitchFamily="34" charset="0"/>
+                <a:cs typeface="Arial" panose="020B0604020202020204" pitchFamily="34" charset="0"/>
+                <a:sym typeface="Arial" panose="020B0604020202020204" pitchFamily="34" charset="0"/>
+              </a:defRPr>
+            </a:lvl1pPr>
+            <a:lvl2pPr marL="742950" indent="-285750">
+              <a:buClr>
+                <a:srgbClr val="000000"/>
+              </a:buClr>
+              <a:buFont typeface="Arial" panose="020B0604020202020204" pitchFamily="34" charset="0"/>
+              <a:defRPr sz="1400">
+                <a:solidFill>
+                  <a:srgbClr val="000000"/>
+                </a:solidFill>
+                <a:latin typeface="Arial" panose="020B0604020202020204" pitchFamily="34" charset="0"/>
+                <a:cs typeface="Arial" panose="020B0604020202020204" pitchFamily="34" charset="0"/>
+                <a:sym typeface="Arial" panose="020B0604020202020204" pitchFamily="34" charset="0"/>
+              </a:defRPr>
+            </a:lvl2pPr>
+            <a:lvl3pPr marL="1143000" indent="-228600">
+              <a:buClr>
+                <a:srgbClr val="000000"/>
+              </a:buClr>
+              <a:buFont typeface="Arial" panose="020B0604020202020204" pitchFamily="34" charset="0"/>
+              <a:defRPr sz="1400">
+                <a:solidFill>
+                  <a:srgbClr val="000000"/>
+                </a:solidFill>
+                <a:latin typeface="Arial" panose="020B0604020202020204" pitchFamily="34" charset="0"/>
+                <a:cs typeface="Arial" panose="020B0604020202020204" pitchFamily="34" charset="0"/>
+                <a:sym typeface="Arial" panose="020B0604020202020204" pitchFamily="34" charset="0"/>
+              </a:defRPr>
+            </a:lvl3pPr>
+            <a:lvl4pPr marL="1600200" indent="-228600">
+              <a:buClr>
+                <a:srgbClr val="000000"/>
+              </a:buClr>
+              <a:buFont typeface="Arial" panose="020B0604020202020204" pitchFamily="34" charset="0"/>
+              <a:defRPr sz="1400">
+                <a:solidFill>
+                  <a:srgbClr val="000000"/>
+                </a:solidFill>
+                <a:latin typeface="Arial" panose="020B0604020202020204" pitchFamily="34" charset="0"/>
+                <a:cs typeface="Arial" panose="020B0604020202020204" pitchFamily="34" charset="0"/>
+                <a:sym typeface="Arial" panose="020B0604020202020204" pitchFamily="34" charset="0"/>
+              </a:defRPr>
+            </a:lvl4pPr>
+            <a:lvl5pPr marL="2057400" indent="-228600">
+              <a:buClr>
+                <a:srgbClr val="000000"/>
+              </a:buClr>
+              <a:buFont typeface="Arial" panose="020B0604020202020204" pitchFamily="34" charset="0"/>
+              <a:defRPr sz="1400">
+                <a:solidFill>
+                  <a:srgbClr val="000000"/>
+                </a:solidFill>
+                <a:latin typeface="Arial" panose="020B0604020202020204" pitchFamily="34" charset="0"/>
+                <a:cs typeface="Arial" panose="020B0604020202020204" pitchFamily="34" charset="0"/>
+                <a:sym typeface="Arial" panose="020B0604020202020204" pitchFamily="34" charset="0"/>
+              </a:defRPr>
+            </a:lvl5pPr>
+            <a:lvl6pPr marL="2514600" indent="-228600" eaLnBrk="0" fontAlgn="base" hangingPunct="0">
+              <a:spcBef>
+                <a:spcPct val="0"/>
+              </a:spcBef>
+              <a:spcAft>
+                <a:spcPct val="0"/>
+              </a:spcAft>
+              <a:buClr>
+                <a:srgbClr val="000000"/>
+              </a:buClr>
+              <a:buFont typeface="Arial" panose="020B0604020202020204" pitchFamily="34" charset="0"/>
+              <a:defRPr sz="1400">
+                <a:solidFill>
+                  <a:srgbClr val="000000"/>
+                </a:solidFill>
+                <a:latin typeface="Arial" panose="020B0604020202020204" pitchFamily="34" charset="0"/>
+                <a:cs typeface="Arial" panose="020B0604020202020204" pitchFamily="34" charset="0"/>
+                <a:sym typeface="Arial" panose="020B0604020202020204" pitchFamily="34" charset="0"/>
+              </a:defRPr>
+            </a:lvl6pPr>
+            <a:lvl7pPr marL="2971800" indent="-228600" eaLnBrk="0" fontAlgn="base" hangingPunct="0">
+              <a:spcBef>
+                <a:spcPct val="0"/>
+              </a:spcBef>
+              <a:spcAft>
+                <a:spcPct val="0"/>
+              </a:spcAft>
+              <a:buClr>
+                <a:srgbClr val="000000"/>
+              </a:buClr>
+              <a:buFont typeface="Arial" panose="020B0604020202020204" pitchFamily="34" charset="0"/>
+              <a:defRPr sz="1400">
+                <a:solidFill>
+                  <a:srgbClr val="000000"/>
+                </a:solidFill>
+                <a:latin typeface="Arial" panose="020B0604020202020204" pitchFamily="34" charset="0"/>
+                <a:cs typeface="Arial" panose="020B0604020202020204" pitchFamily="34" charset="0"/>
+                <a:sym typeface="Arial" panose="020B0604020202020204" pitchFamily="34" charset="0"/>
+              </a:defRPr>
+            </a:lvl7pPr>
+            <a:lvl8pPr marL="3429000" indent="-228600" eaLnBrk="0" fontAlgn="base" hangingPunct="0">
+              <a:spcBef>
+                <a:spcPct val="0"/>
+              </a:spcBef>
+              <a:spcAft>
+                <a:spcPct val="0"/>
+              </a:spcAft>
+              <a:buClr>
+                <a:srgbClr val="000000"/>
+              </a:buClr>
+              <a:buFont typeface="Arial" panose="020B0604020202020204" pitchFamily="34" charset="0"/>
+              <a:defRPr sz="1400">
+                <a:solidFill>
+                  <a:srgbClr val="000000"/>
+                </a:solidFill>
+                <a:latin typeface="Arial" panose="020B0604020202020204" pitchFamily="34" charset="0"/>
+                <a:cs typeface="Arial" panose="020B0604020202020204" pitchFamily="34" charset="0"/>
+                <a:sym typeface="Arial" panose="020B0604020202020204" pitchFamily="34" charset="0"/>
+              </a:defRPr>
+            </a:lvl8pPr>
+            <a:lvl9pPr marL="3886200" indent="-228600" eaLnBrk="0" fontAlgn="base" hangingPunct="0">
+              <a:spcBef>
+                <a:spcPct val="0"/>
+              </a:spcBef>
+              <a:spcAft>
+                <a:spcPct val="0"/>
+              </a:spcAft>
+              <a:buClr>
+                <a:srgbClr val="000000"/>
+              </a:buClr>
+              <a:buFont typeface="Arial" panose="020B0604020202020204" pitchFamily="34" charset="0"/>
+              <a:defRPr sz="1400">
+                <a:solidFill>
+                  <a:srgbClr val="000000"/>
+                </a:solidFill>
+                <a:latin typeface="Arial" panose="020B0604020202020204" pitchFamily="34" charset="0"/>
+                <a:cs typeface="Arial" panose="020B0604020202020204" pitchFamily="34" charset="0"/>
+                <a:sym typeface="Arial" panose="020B0604020202020204" pitchFamily="34" charset="0"/>
+              </a:defRPr>
+            </a:lvl9pPr>
+          </a:lstStyle>
+          <a:p>
+            <a:pPr algn="ctr" eaLnBrk="1" hangingPunct="1"/>
+            <a:r>
+              <a:rPr lang="en-US" altLang="en-US" sz="1200" dirty="0">
+                <a:solidFill>
+                  <a:srgbClr val="FFFFFF"/>
+                </a:solidFill>
+              </a:rPr>
+              <a:t>Dataset has grown since it was initiated because author has added new images over a period of time.</a:t>
+            </a:r>
+            <a:endParaRPr lang="en-US" altLang="en-US" dirty="0"/>
+          </a:p>
+          <a:p>
+            <a:pPr algn="ctr" eaLnBrk="1" hangingPunct="1"/>
+            <a:r>
+              <a:rPr lang="en-US" altLang="en-US" sz="1200" dirty="0">
+                <a:solidFill>
+                  <a:srgbClr val="FFFFFF"/>
+                </a:solidFill>
+              </a:rPr>
+              <a:t>(What)</a:t>
+            </a:r>
+            <a:endParaRPr lang="en-US" altLang="en-US" dirty="0"/>
+          </a:p>
+        </p:txBody>
+      </p:sp>
+      <p:sp>
+        <p:nvSpPr>
+          <p:cNvPr id="6" name="Google Shape;200;p21">
+            <a:extLst>
+              <a:ext uri="{FF2B5EF4-FFF2-40B4-BE49-F238E27FC236}">
+                <a16:creationId xmlns:a16="http://schemas.microsoft.com/office/drawing/2014/main" id="{529F9F28-3771-4ACE-842B-D0FBE1E5DEDB}"/>
+              </a:ext>
+            </a:extLst>
+          </p:cNvPr>
+          <p:cNvSpPr>
+            <a:spLocks noChangeArrowheads="1"/>
+          </p:cNvSpPr>
+          <p:nvPr/>
+        </p:nvSpPr>
+        <p:spPr bwMode="auto">
+          <a:xfrm>
+            <a:off x="7601705" y="3248996"/>
+            <a:ext cx="1282700" cy="571500"/>
+          </a:xfrm>
+          <a:prstGeom prst="roundRect">
+            <a:avLst>
+              <a:gd name="adj" fmla="val 16667"/>
+            </a:avLst>
+          </a:prstGeom>
+          <a:solidFill>
+            <a:schemeClr val="accent1">
+              <a:lumMod val="40000"/>
+              <a:lumOff val="60000"/>
+            </a:schemeClr>
+          </a:solidFill>
+          <a:ln w="12700">
+            <a:solidFill>
+              <a:srgbClr val="31538F"/>
+            </a:solidFill>
+            <a:miter lim="800000"/>
+            <a:headEnd type="none" w="sm" len="sm"/>
+            <a:tailEnd type="none" w="sm" len="sm"/>
+          </a:ln>
+        </p:spPr>
+        <p:txBody>
+          <a:bodyPr lIns="91425" tIns="45700" rIns="91425" bIns="45700" anchor="ctr"/>
+          <a:lstStyle>
+            <a:lvl1pPr>
+              <a:buClr>
+                <a:srgbClr val="000000"/>
+              </a:buClr>
+              <a:buFont typeface="Arial" panose="020B0604020202020204" pitchFamily="34" charset="0"/>
+              <a:defRPr sz="1400">
+                <a:solidFill>
+                  <a:srgbClr val="000000"/>
+                </a:solidFill>
+                <a:latin typeface="Arial" panose="020B0604020202020204" pitchFamily="34" charset="0"/>
+                <a:cs typeface="Arial" panose="020B0604020202020204" pitchFamily="34" charset="0"/>
+                <a:sym typeface="Arial" panose="020B0604020202020204" pitchFamily="34" charset="0"/>
+              </a:defRPr>
+            </a:lvl1pPr>
+            <a:lvl2pPr marL="742950" indent="-285750">
+              <a:buClr>
+                <a:srgbClr val="000000"/>
+              </a:buClr>
+              <a:buFont typeface="Arial" panose="020B0604020202020204" pitchFamily="34" charset="0"/>
+              <a:defRPr sz="1400">
+                <a:solidFill>
+                  <a:srgbClr val="000000"/>
+                </a:solidFill>
+                <a:latin typeface="Arial" panose="020B0604020202020204" pitchFamily="34" charset="0"/>
+                <a:cs typeface="Arial" panose="020B0604020202020204" pitchFamily="34" charset="0"/>
+                <a:sym typeface="Arial" panose="020B0604020202020204" pitchFamily="34" charset="0"/>
+              </a:defRPr>
+            </a:lvl2pPr>
+            <a:lvl3pPr marL="1143000" indent="-228600">
+              <a:buClr>
+                <a:srgbClr val="000000"/>
+              </a:buClr>
+              <a:buFont typeface="Arial" panose="020B0604020202020204" pitchFamily="34" charset="0"/>
+              <a:defRPr sz="1400">
+                <a:solidFill>
+                  <a:srgbClr val="000000"/>
+                </a:solidFill>
+                <a:latin typeface="Arial" panose="020B0604020202020204" pitchFamily="34" charset="0"/>
+                <a:cs typeface="Arial" panose="020B0604020202020204" pitchFamily="34" charset="0"/>
+                <a:sym typeface="Arial" panose="020B0604020202020204" pitchFamily="34" charset="0"/>
+              </a:defRPr>
+            </a:lvl3pPr>
+            <a:lvl4pPr marL="1600200" indent="-228600">
+              <a:buClr>
+                <a:srgbClr val="000000"/>
+              </a:buClr>
+              <a:buFont typeface="Arial" panose="020B0604020202020204" pitchFamily="34" charset="0"/>
+              <a:defRPr sz="1400">
+                <a:solidFill>
+                  <a:srgbClr val="000000"/>
+                </a:solidFill>
+                <a:latin typeface="Arial" panose="020B0604020202020204" pitchFamily="34" charset="0"/>
+                <a:cs typeface="Arial" panose="020B0604020202020204" pitchFamily="34" charset="0"/>
+                <a:sym typeface="Arial" panose="020B0604020202020204" pitchFamily="34" charset="0"/>
+              </a:defRPr>
+            </a:lvl4pPr>
+            <a:lvl5pPr marL="2057400" indent="-228600">
+              <a:buClr>
+                <a:srgbClr val="000000"/>
+              </a:buClr>
+              <a:buFont typeface="Arial" panose="020B0604020202020204" pitchFamily="34" charset="0"/>
+              <a:defRPr sz="1400">
+                <a:solidFill>
+                  <a:srgbClr val="000000"/>
+                </a:solidFill>
+                <a:latin typeface="Arial" panose="020B0604020202020204" pitchFamily="34" charset="0"/>
+                <a:cs typeface="Arial" panose="020B0604020202020204" pitchFamily="34" charset="0"/>
+                <a:sym typeface="Arial" panose="020B0604020202020204" pitchFamily="34" charset="0"/>
+              </a:defRPr>
+            </a:lvl5pPr>
+            <a:lvl6pPr marL="2514600" indent="-228600" eaLnBrk="0" fontAlgn="base" hangingPunct="0">
+              <a:spcBef>
+                <a:spcPct val="0"/>
+              </a:spcBef>
+              <a:spcAft>
+                <a:spcPct val="0"/>
+              </a:spcAft>
+              <a:buClr>
+                <a:srgbClr val="000000"/>
+              </a:buClr>
+              <a:buFont typeface="Arial" panose="020B0604020202020204" pitchFamily="34" charset="0"/>
+              <a:defRPr sz="1400">
+                <a:solidFill>
+                  <a:srgbClr val="000000"/>
+                </a:solidFill>
+                <a:latin typeface="Arial" panose="020B0604020202020204" pitchFamily="34" charset="0"/>
+                <a:cs typeface="Arial" panose="020B0604020202020204" pitchFamily="34" charset="0"/>
+                <a:sym typeface="Arial" panose="020B0604020202020204" pitchFamily="34" charset="0"/>
+              </a:defRPr>
+            </a:lvl6pPr>
+            <a:lvl7pPr marL="2971800" indent="-228600" eaLnBrk="0" fontAlgn="base" hangingPunct="0">
+              <a:spcBef>
+                <a:spcPct val="0"/>
+              </a:spcBef>
+              <a:spcAft>
+                <a:spcPct val="0"/>
+              </a:spcAft>
+              <a:buClr>
+                <a:srgbClr val="000000"/>
+              </a:buClr>
+              <a:buFont typeface="Arial" panose="020B0604020202020204" pitchFamily="34" charset="0"/>
+              <a:defRPr sz="1400">
+                <a:solidFill>
+                  <a:srgbClr val="000000"/>
+                </a:solidFill>
+                <a:latin typeface="Arial" panose="020B0604020202020204" pitchFamily="34" charset="0"/>
+                <a:cs typeface="Arial" panose="020B0604020202020204" pitchFamily="34" charset="0"/>
+                <a:sym typeface="Arial" panose="020B0604020202020204" pitchFamily="34" charset="0"/>
+              </a:defRPr>
+            </a:lvl7pPr>
+            <a:lvl8pPr marL="3429000" indent="-228600" eaLnBrk="0" fontAlgn="base" hangingPunct="0">
+              <a:spcBef>
+                <a:spcPct val="0"/>
+              </a:spcBef>
+              <a:spcAft>
+                <a:spcPct val="0"/>
+              </a:spcAft>
+              <a:buClr>
+                <a:srgbClr val="000000"/>
+              </a:buClr>
+              <a:buFont typeface="Arial" panose="020B0604020202020204" pitchFamily="34" charset="0"/>
+              <a:defRPr sz="1400">
+                <a:solidFill>
+                  <a:srgbClr val="000000"/>
+                </a:solidFill>
+                <a:latin typeface="Arial" panose="020B0604020202020204" pitchFamily="34" charset="0"/>
+                <a:cs typeface="Arial" panose="020B0604020202020204" pitchFamily="34" charset="0"/>
+                <a:sym typeface="Arial" panose="020B0604020202020204" pitchFamily="34" charset="0"/>
+              </a:defRPr>
+            </a:lvl8pPr>
+            <a:lvl9pPr marL="3886200" indent="-228600" eaLnBrk="0" fontAlgn="base" hangingPunct="0">
+              <a:spcBef>
+                <a:spcPct val="0"/>
+              </a:spcBef>
+              <a:spcAft>
+                <a:spcPct val="0"/>
+              </a:spcAft>
+              <a:buClr>
+                <a:srgbClr val="000000"/>
+              </a:buClr>
+              <a:buFont typeface="Arial" panose="020B0604020202020204" pitchFamily="34" charset="0"/>
+              <a:defRPr sz="1400">
+                <a:solidFill>
+                  <a:srgbClr val="000000"/>
+                </a:solidFill>
+                <a:latin typeface="Arial" panose="020B0604020202020204" pitchFamily="34" charset="0"/>
+                <a:cs typeface="Arial" panose="020B0604020202020204" pitchFamily="34" charset="0"/>
+                <a:sym typeface="Arial" panose="020B0604020202020204" pitchFamily="34" charset="0"/>
+              </a:defRPr>
+            </a:lvl9pPr>
+          </a:lstStyle>
+          <a:p>
+            <a:pPr algn="ctr" eaLnBrk="1" hangingPunct="1"/>
+            <a:r>
+              <a:rPr lang="en-US" altLang="en-US" sz="1800" dirty="0">
+                <a:solidFill>
+                  <a:schemeClr val="tx1"/>
+                </a:solidFill>
+              </a:rPr>
+              <a:t>Reason</a:t>
+            </a:r>
+            <a:endParaRPr lang="en-US" altLang="en-US" dirty="0">
+              <a:solidFill>
+                <a:schemeClr val="tx1"/>
+              </a:solidFill>
+            </a:endParaRPr>
+          </a:p>
+        </p:txBody>
+      </p:sp>
+      <p:sp>
+        <p:nvSpPr>
+          <p:cNvPr id="7" name="Google Shape;201;p21">
+            <a:extLst>
+              <a:ext uri="{FF2B5EF4-FFF2-40B4-BE49-F238E27FC236}">
+                <a16:creationId xmlns:a16="http://schemas.microsoft.com/office/drawing/2014/main" id="{C152F5B8-AC21-4769-A6B0-7B83943ED4DA}"/>
+              </a:ext>
+            </a:extLst>
+          </p:cNvPr>
+          <p:cNvSpPr>
+            <a:spLocks noChangeArrowheads="1"/>
+          </p:cNvSpPr>
+          <p:nvPr/>
+        </p:nvSpPr>
+        <p:spPr bwMode="auto">
+          <a:xfrm>
+            <a:off x="9443204" y="3051352"/>
+            <a:ext cx="1460500" cy="966788"/>
+          </a:xfrm>
+          <a:prstGeom prst="rect">
+            <a:avLst/>
+          </a:prstGeom>
+          <a:solidFill>
+            <a:schemeClr val="accent1"/>
+          </a:solidFill>
+          <a:ln w="12700">
+            <a:solidFill>
+              <a:srgbClr val="31538F"/>
+            </a:solidFill>
+            <a:miter lim="800000"/>
+            <a:headEnd type="none" w="sm" len="sm"/>
+            <a:tailEnd type="none" w="sm" len="sm"/>
+          </a:ln>
+        </p:spPr>
+        <p:txBody>
+          <a:bodyPr lIns="91425" tIns="45700" rIns="91425" bIns="45700" anchor="ctr"/>
+          <a:lstStyle>
+            <a:lvl1pPr>
+              <a:buClr>
+                <a:srgbClr val="000000"/>
+              </a:buClr>
+              <a:buFont typeface="Arial" panose="020B0604020202020204" pitchFamily="34" charset="0"/>
+              <a:defRPr sz="1400">
+                <a:solidFill>
+                  <a:srgbClr val="000000"/>
+                </a:solidFill>
+                <a:latin typeface="Arial" panose="020B0604020202020204" pitchFamily="34" charset="0"/>
+                <a:cs typeface="Arial" panose="020B0604020202020204" pitchFamily="34" charset="0"/>
+                <a:sym typeface="Arial" panose="020B0604020202020204" pitchFamily="34" charset="0"/>
+              </a:defRPr>
+            </a:lvl1pPr>
+            <a:lvl2pPr marL="742950" indent="-285750">
+              <a:buClr>
+                <a:srgbClr val="000000"/>
+              </a:buClr>
+              <a:buFont typeface="Arial" panose="020B0604020202020204" pitchFamily="34" charset="0"/>
+              <a:defRPr sz="1400">
+                <a:solidFill>
+                  <a:srgbClr val="000000"/>
+                </a:solidFill>
+                <a:latin typeface="Arial" panose="020B0604020202020204" pitchFamily="34" charset="0"/>
+                <a:cs typeface="Arial" panose="020B0604020202020204" pitchFamily="34" charset="0"/>
+                <a:sym typeface="Arial" panose="020B0604020202020204" pitchFamily="34" charset="0"/>
+              </a:defRPr>
+            </a:lvl2pPr>
+            <a:lvl3pPr marL="1143000" indent="-228600">
+              <a:buClr>
+                <a:srgbClr val="000000"/>
+              </a:buClr>
+              <a:buFont typeface="Arial" panose="020B0604020202020204" pitchFamily="34" charset="0"/>
+              <a:defRPr sz="1400">
+                <a:solidFill>
+                  <a:srgbClr val="000000"/>
+                </a:solidFill>
+                <a:latin typeface="Arial" panose="020B0604020202020204" pitchFamily="34" charset="0"/>
+                <a:cs typeface="Arial" panose="020B0604020202020204" pitchFamily="34" charset="0"/>
+                <a:sym typeface="Arial" panose="020B0604020202020204" pitchFamily="34" charset="0"/>
+              </a:defRPr>
+            </a:lvl3pPr>
+            <a:lvl4pPr marL="1600200" indent="-228600">
+              <a:buClr>
+                <a:srgbClr val="000000"/>
+              </a:buClr>
+              <a:buFont typeface="Arial" panose="020B0604020202020204" pitchFamily="34" charset="0"/>
+              <a:defRPr sz="1400">
+                <a:solidFill>
+                  <a:srgbClr val="000000"/>
+                </a:solidFill>
+                <a:latin typeface="Arial" panose="020B0604020202020204" pitchFamily="34" charset="0"/>
+                <a:cs typeface="Arial" panose="020B0604020202020204" pitchFamily="34" charset="0"/>
+                <a:sym typeface="Arial" panose="020B0604020202020204" pitchFamily="34" charset="0"/>
+              </a:defRPr>
+            </a:lvl4pPr>
+            <a:lvl5pPr marL="2057400" indent="-228600">
+              <a:buClr>
+                <a:srgbClr val="000000"/>
+              </a:buClr>
+              <a:buFont typeface="Arial" panose="020B0604020202020204" pitchFamily="34" charset="0"/>
+              <a:defRPr sz="1400">
+                <a:solidFill>
+                  <a:srgbClr val="000000"/>
+                </a:solidFill>
+                <a:latin typeface="Arial" panose="020B0604020202020204" pitchFamily="34" charset="0"/>
+                <a:cs typeface="Arial" panose="020B0604020202020204" pitchFamily="34" charset="0"/>
+                <a:sym typeface="Arial" panose="020B0604020202020204" pitchFamily="34" charset="0"/>
+              </a:defRPr>
+            </a:lvl5pPr>
+            <a:lvl6pPr marL="2514600" indent="-228600" eaLnBrk="0" fontAlgn="base" hangingPunct="0">
+              <a:spcBef>
+                <a:spcPct val="0"/>
+              </a:spcBef>
+              <a:spcAft>
+                <a:spcPct val="0"/>
+              </a:spcAft>
+              <a:buClr>
+                <a:srgbClr val="000000"/>
+              </a:buClr>
+              <a:buFont typeface="Arial" panose="020B0604020202020204" pitchFamily="34" charset="0"/>
+              <a:defRPr sz="1400">
+                <a:solidFill>
+                  <a:srgbClr val="000000"/>
+                </a:solidFill>
+                <a:latin typeface="Arial" panose="020B0604020202020204" pitchFamily="34" charset="0"/>
+                <a:cs typeface="Arial" panose="020B0604020202020204" pitchFamily="34" charset="0"/>
+                <a:sym typeface="Arial" panose="020B0604020202020204" pitchFamily="34" charset="0"/>
+              </a:defRPr>
+            </a:lvl6pPr>
+            <a:lvl7pPr marL="2971800" indent="-228600" eaLnBrk="0" fontAlgn="base" hangingPunct="0">
+              <a:spcBef>
+                <a:spcPct val="0"/>
+              </a:spcBef>
+              <a:spcAft>
+                <a:spcPct val="0"/>
+              </a:spcAft>
+              <a:buClr>
+                <a:srgbClr val="000000"/>
+              </a:buClr>
+              <a:buFont typeface="Arial" panose="020B0604020202020204" pitchFamily="34" charset="0"/>
+              <a:defRPr sz="1400">
+                <a:solidFill>
+                  <a:srgbClr val="000000"/>
+                </a:solidFill>
+                <a:latin typeface="Arial" panose="020B0604020202020204" pitchFamily="34" charset="0"/>
+                <a:cs typeface="Arial" panose="020B0604020202020204" pitchFamily="34" charset="0"/>
+                <a:sym typeface="Arial" panose="020B0604020202020204" pitchFamily="34" charset="0"/>
+              </a:defRPr>
+            </a:lvl7pPr>
+            <a:lvl8pPr marL="3429000" indent="-228600" eaLnBrk="0" fontAlgn="base" hangingPunct="0">
+              <a:spcBef>
+                <a:spcPct val="0"/>
+              </a:spcBef>
+              <a:spcAft>
+                <a:spcPct val="0"/>
+              </a:spcAft>
+              <a:buClr>
+                <a:srgbClr val="000000"/>
+              </a:buClr>
+              <a:buFont typeface="Arial" panose="020B0604020202020204" pitchFamily="34" charset="0"/>
+              <a:defRPr sz="1400">
+                <a:solidFill>
+                  <a:srgbClr val="000000"/>
+                </a:solidFill>
+                <a:latin typeface="Arial" panose="020B0604020202020204" pitchFamily="34" charset="0"/>
+                <a:cs typeface="Arial" panose="020B0604020202020204" pitchFamily="34" charset="0"/>
+                <a:sym typeface="Arial" panose="020B0604020202020204" pitchFamily="34" charset="0"/>
+              </a:defRPr>
+            </a:lvl8pPr>
+            <a:lvl9pPr marL="3886200" indent="-228600" eaLnBrk="0" fontAlgn="base" hangingPunct="0">
+              <a:spcBef>
+                <a:spcPct val="0"/>
+              </a:spcBef>
+              <a:spcAft>
+                <a:spcPct val="0"/>
+              </a:spcAft>
+              <a:buClr>
+                <a:srgbClr val="000000"/>
+              </a:buClr>
+              <a:buFont typeface="Arial" panose="020B0604020202020204" pitchFamily="34" charset="0"/>
+              <a:defRPr sz="1400">
+                <a:solidFill>
+                  <a:srgbClr val="000000"/>
+                </a:solidFill>
+                <a:latin typeface="Arial" panose="020B0604020202020204" pitchFamily="34" charset="0"/>
+                <a:cs typeface="Arial" panose="020B0604020202020204" pitchFamily="34" charset="0"/>
+                <a:sym typeface="Arial" panose="020B0604020202020204" pitchFamily="34" charset="0"/>
+              </a:defRPr>
+            </a:lvl9pPr>
+          </a:lstStyle>
+          <a:p>
+            <a:pPr algn="ctr" eaLnBrk="1" hangingPunct="1"/>
+            <a:r>
+              <a:rPr lang="en-US" altLang="en-US" sz="1200" dirty="0">
+                <a:solidFill>
+                  <a:srgbClr val="FFFFFF"/>
+                </a:solidFill>
+              </a:rPr>
+              <a:t>Interest in image analytics, deep learning.</a:t>
+            </a:r>
+            <a:endParaRPr lang="en-US" altLang="en-US" dirty="0"/>
+          </a:p>
+          <a:p>
+            <a:pPr algn="ctr" eaLnBrk="1" hangingPunct="1"/>
+            <a:r>
+              <a:rPr lang="en-US" altLang="en-US" sz="1200" dirty="0">
+                <a:solidFill>
+                  <a:srgbClr val="FFFFFF"/>
+                </a:solidFill>
+              </a:rPr>
+              <a:t>(Why)</a:t>
+            </a:r>
+            <a:endParaRPr lang="en-US" altLang="en-US" dirty="0"/>
+          </a:p>
+        </p:txBody>
+      </p:sp>
+      <p:cxnSp>
+        <p:nvCxnSpPr>
+          <p:cNvPr id="8" name="Google Shape;202;p21">
+            <a:extLst>
+              <a:ext uri="{FF2B5EF4-FFF2-40B4-BE49-F238E27FC236}">
+                <a16:creationId xmlns:a16="http://schemas.microsoft.com/office/drawing/2014/main" id="{548602C9-03D5-41CA-8D20-2E3D349FED89}"/>
+              </a:ext>
+            </a:extLst>
+          </p:cNvPr>
+          <p:cNvCxnSpPr>
+            <a:cxnSpLocks noChangeShapeType="1"/>
+            <a:stCxn id="3" idx="3"/>
+            <a:endCxn id="5" idx="1"/>
+          </p:cNvCxnSpPr>
+          <p:nvPr/>
+        </p:nvCxnSpPr>
+        <p:spPr bwMode="auto">
+          <a:xfrm flipV="1">
+            <a:off x="4601330" y="3536732"/>
+            <a:ext cx="728662" cy="5952"/>
+          </a:xfrm>
+          <a:prstGeom prst="straightConnector1">
+            <a:avLst/>
+          </a:prstGeom>
+          <a:noFill/>
+          <a:ln w="9525">
+            <a:solidFill>
+              <a:schemeClr val="accent1"/>
+            </a:solidFill>
+            <a:miter lim="800000"/>
+            <a:headEnd type="none" w="sm" len="sm"/>
+            <a:tailEnd type="triangle" w="med" len="med"/>
+          </a:ln>
+          <a:extLst>
+            <a:ext uri="{909E8E84-426E-40DD-AFC4-6F175D3DCCD1}">
+              <a14:hiddenFill xmlns:a14="http://schemas.microsoft.com/office/drawing/2010/main">
+                <a:noFill/>
+              </a14:hiddenFill>
+            </a:ext>
+          </a:extLst>
+        </p:spPr>
+      </p:cxnSp>
+      <p:cxnSp>
+        <p:nvCxnSpPr>
+          <p:cNvPr id="9" name="Google Shape;203;p21">
+            <a:extLst>
+              <a:ext uri="{FF2B5EF4-FFF2-40B4-BE49-F238E27FC236}">
+                <a16:creationId xmlns:a16="http://schemas.microsoft.com/office/drawing/2014/main" id="{B609D8F9-B76F-49BB-B243-609D4026E6CE}"/>
+              </a:ext>
+            </a:extLst>
+          </p:cNvPr>
+          <p:cNvCxnSpPr>
+            <a:cxnSpLocks noChangeShapeType="1"/>
+            <a:stCxn id="6" idx="3"/>
+            <a:endCxn id="7" idx="1"/>
+          </p:cNvCxnSpPr>
+          <p:nvPr/>
+        </p:nvCxnSpPr>
+        <p:spPr bwMode="auto">
+          <a:xfrm>
+            <a:off x="8884405" y="3534746"/>
+            <a:ext cx="558799" cy="0"/>
+          </a:xfrm>
+          <a:prstGeom prst="straightConnector1">
+            <a:avLst/>
+          </a:prstGeom>
+          <a:noFill/>
+          <a:ln w="9525">
+            <a:solidFill>
+              <a:schemeClr val="accent1"/>
+            </a:solidFill>
+            <a:miter lim="800000"/>
+            <a:headEnd type="none" w="sm" len="sm"/>
+            <a:tailEnd type="triangle" w="med" len="med"/>
+          </a:ln>
+          <a:extLst>
+            <a:ext uri="{909E8E84-426E-40DD-AFC4-6F175D3DCCD1}">
+              <a14:hiddenFill xmlns:a14="http://schemas.microsoft.com/office/drawing/2010/main">
+                <a:noFill/>
+              </a14:hiddenFill>
+            </a:ext>
+          </a:extLst>
+        </p:spPr>
+      </p:cxnSp>
+      <p:cxnSp>
+        <p:nvCxnSpPr>
+          <p:cNvPr id="10" name="Google Shape;204;p21">
+            <a:extLst>
+              <a:ext uri="{FF2B5EF4-FFF2-40B4-BE49-F238E27FC236}">
+                <a16:creationId xmlns:a16="http://schemas.microsoft.com/office/drawing/2014/main" id="{6390E62F-4D43-4FD4-901F-180C40F48271}"/>
+              </a:ext>
+            </a:extLst>
+          </p:cNvPr>
+          <p:cNvCxnSpPr>
+            <a:cxnSpLocks noChangeShapeType="1"/>
+            <a:stCxn id="5" idx="3"/>
+            <a:endCxn id="6" idx="1"/>
+          </p:cNvCxnSpPr>
+          <p:nvPr/>
+        </p:nvCxnSpPr>
+        <p:spPr bwMode="auto">
+          <a:xfrm flipV="1">
+            <a:off x="7171491" y="3534746"/>
+            <a:ext cx="430214" cy="1986"/>
+          </a:xfrm>
+          <a:prstGeom prst="straightConnector1">
+            <a:avLst/>
+          </a:prstGeom>
+          <a:noFill/>
+          <a:ln w="9525">
+            <a:solidFill>
+              <a:schemeClr val="accent1"/>
+            </a:solidFill>
+            <a:miter lim="800000"/>
+            <a:headEnd type="none" w="sm" len="sm"/>
+            <a:tailEnd type="triangle" w="med" len="med"/>
+          </a:ln>
+          <a:extLst>
+            <a:ext uri="{909E8E84-426E-40DD-AFC4-6F175D3DCCD1}">
+              <a14:hiddenFill xmlns:a14="http://schemas.microsoft.com/office/drawing/2010/main">
+                <a:noFill/>
+              </a14:hiddenFill>
+            </a:ext>
+          </a:extLst>
+        </p:spPr>
+      </p:cxnSp>
+      <p:sp>
+        <p:nvSpPr>
+          <p:cNvPr id="11" name="Google Shape;205;p21">
+            <a:extLst>
+              <a:ext uri="{FF2B5EF4-FFF2-40B4-BE49-F238E27FC236}">
+                <a16:creationId xmlns:a16="http://schemas.microsoft.com/office/drawing/2014/main" id="{BE607FF2-4D42-424A-9D6F-A010028226BA}"/>
+              </a:ext>
+            </a:extLst>
+          </p:cNvPr>
+          <p:cNvSpPr>
+            <a:spLocks noChangeArrowheads="1"/>
+          </p:cNvSpPr>
+          <p:nvPr/>
+        </p:nvSpPr>
+        <p:spPr bwMode="auto">
+          <a:xfrm>
+            <a:off x="5596692" y="2017097"/>
+            <a:ext cx="1282700" cy="571500"/>
+          </a:xfrm>
+          <a:prstGeom prst="roundRect">
+            <a:avLst>
+              <a:gd name="adj" fmla="val 16667"/>
+            </a:avLst>
+          </a:prstGeom>
+          <a:solidFill>
+            <a:schemeClr val="accent1">
+              <a:lumMod val="40000"/>
+              <a:lumOff val="60000"/>
+            </a:schemeClr>
+          </a:solidFill>
+          <a:ln w="12700">
+            <a:solidFill>
+              <a:srgbClr val="31538F"/>
+            </a:solidFill>
+            <a:miter lim="800000"/>
+            <a:headEnd type="none" w="sm" len="sm"/>
+            <a:tailEnd type="none" w="sm" len="sm"/>
+          </a:ln>
+        </p:spPr>
+        <p:txBody>
+          <a:bodyPr lIns="91425" tIns="45700" rIns="91425" bIns="45700" anchor="ctr"/>
+          <a:lstStyle>
+            <a:lvl1pPr>
+              <a:buClr>
+                <a:srgbClr val="000000"/>
+              </a:buClr>
+              <a:buFont typeface="Arial" panose="020B0604020202020204" pitchFamily="34" charset="0"/>
+              <a:defRPr sz="1400">
+                <a:solidFill>
+                  <a:srgbClr val="000000"/>
+                </a:solidFill>
+                <a:latin typeface="Arial" panose="020B0604020202020204" pitchFamily="34" charset="0"/>
+                <a:cs typeface="Arial" panose="020B0604020202020204" pitchFamily="34" charset="0"/>
+                <a:sym typeface="Arial" panose="020B0604020202020204" pitchFamily="34" charset="0"/>
+              </a:defRPr>
+            </a:lvl1pPr>
+            <a:lvl2pPr marL="742950" indent="-285750">
+              <a:buClr>
+                <a:srgbClr val="000000"/>
+              </a:buClr>
+              <a:buFont typeface="Arial" panose="020B0604020202020204" pitchFamily="34" charset="0"/>
+              <a:defRPr sz="1400">
+                <a:solidFill>
+                  <a:srgbClr val="000000"/>
+                </a:solidFill>
+                <a:latin typeface="Arial" panose="020B0604020202020204" pitchFamily="34" charset="0"/>
+                <a:cs typeface="Arial" panose="020B0604020202020204" pitchFamily="34" charset="0"/>
+                <a:sym typeface="Arial" panose="020B0604020202020204" pitchFamily="34" charset="0"/>
+              </a:defRPr>
+            </a:lvl2pPr>
+            <a:lvl3pPr marL="1143000" indent="-228600">
+              <a:buClr>
+                <a:srgbClr val="000000"/>
+              </a:buClr>
+              <a:buFont typeface="Arial" panose="020B0604020202020204" pitchFamily="34" charset="0"/>
+              <a:defRPr sz="1400">
+                <a:solidFill>
+                  <a:srgbClr val="000000"/>
+                </a:solidFill>
+                <a:latin typeface="Arial" panose="020B0604020202020204" pitchFamily="34" charset="0"/>
+                <a:cs typeface="Arial" panose="020B0604020202020204" pitchFamily="34" charset="0"/>
+                <a:sym typeface="Arial" panose="020B0604020202020204" pitchFamily="34" charset="0"/>
+              </a:defRPr>
+            </a:lvl3pPr>
+            <a:lvl4pPr marL="1600200" indent="-228600">
+              <a:buClr>
+                <a:srgbClr val="000000"/>
+              </a:buClr>
+              <a:buFont typeface="Arial" panose="020B0604020202020204" pitchFamily="34" charset="0"/>
+              <a:defRPr sz="1400">
+                <a:solidFill>
+                  <a:srgbClr val="000000"/>
+                </a:solidFill>
+                <a:latin typeface="Arial" panose="020B0604020202020204" pitchFamily="34" charset="0"/>
+                <a:cs typeface="Arial" panose="020B0604020202020204" pitchFamily="34" charset="0"/>
+                <a:sym typeface="Arial" panose="020B0604020202020204" pitchFamily="34" charset="0"/>
+              </a:defRPr>
+            </a:lvl4pPr>
+            <a:lvl5pPr marL="2057400" indent="-228600">
+              <a:buClr>
+                <a:srgbClr val="000000"/>
+              </a:buClr>
+              <a:buFont typeface="Arial" panose="020B0604020202020204" pitchFamily="34" charset="0"/>
+              <a:defRPr sz="1400">
+                <a:solidFill>
+                  <a:srgbClr val="000000"/>
+                </a:solidFill>
+                <a:latin typeface="Arial" panose="020B0604020202020204" pitchFamily="34" charset="0"/>
+                <a:cs typeface="Arial" panose="020B0604020202020204" pitchFamily="34" charset="0"/>
+                <a:sym typeface="Arial" panose="020B0604020202020204" pitchFamily="34" charset="0"/>
+              </a:defRPr>
+            </a:lvl5pPr>
+            <a:lvl6pPr marL="2514600" indent="-228600" eaLnBrk="0" fontAlgn="base" hangingPunct="0">
+              <a:spcBef>
+                <a:spcPct val="0"/>
+              </a:spcBef>
+              <a:spcAft>
+                <a:spcPct val="0"/>
+              </a:spcAft>
+              <a:buClr>
+                <a:srgbClr val="000000"/>
+              </a:buClr>
+              <a:buFont typeface="Arial" panose="020B0604020202020204" pitchFamily="34" charset="0"/>
+              <a:defRPr sz="1400">
+                <a:solidFill>
+                  <a:srgbClr val="000000"/>
+                </a:solidFill>
+                <a:latin typeface="Arial" panose="020B0604020202020204" pitchFamily="34" charset="0"/>
+                <a:cs typeface="Arial" panose="020B0604020202020204" pitchFamily="34" charset="0"/>
+                <a:sym typeface="Arial" panose="020B0604020202020204" pitchFamily="34" charset="0"/>
+              </a:defRPr>
+            </a:lvl6pPr>
+            <a:lvl7pPr marL="2971800" indent="-228600" eaLnBrk="0" fontAlgn="base" hangingPunct="0">
+              <a:spcBef>
+                <a:spcPct val="0"/>
+              </a:spcBef>
+              <a:spcAft>
+                <a:spcPct val="0"/>
+              </a:spcAft>
+              <a:buClr>
+                <a:srgbClr val="000000"/>
+              </a:buClr>
+              <a:buFont typeface="Arial" panose="020B0604020202020204" pitchFamily="34" charset="0"/>
+              <a:defRPr sz="1400">
+                <a:solidFill>
+                  <a:srgbClr val="000000"/>
+                </a:solidFill>
+                <a:latin typeface="Arial" panose="020B0604020202020204" pitchFamily="34" charset="0"/>
+                <a:cs typeface="Arial" panose="020B0604020202020204" pitchFamily="34" charset="0"/>
+                <a:sym typeface="Arial" panose="020B0604020202020204" pitchFamily="34" charset="0"/>
+              </a:defRPr>
+            </a:lvl7pPr>
+            <a:lvl8pPr marL="3429000" indent="-228600" eaLnBrk="0" fontAlgn="base" hangingPunct="0">
+              <a:spcBef>
+                <a:spcPct val="0"/>
+              </a:spcBef>
+              <a:spcAft>
+                <a:spcPct val="0"/>
+              </a:spcAft>
+              <a:buClr>
+                <a:srgbClr val="000000"/>
+              </a:buClr>
+              <a:buFont typeface="Arial" panose="020B0604020202020204" pitchFamily="34" charset="0"/>
+              <a:defRPr sz="1400">
+                <a:solidFill>
+                  <a:srgbClr val="000000"/>
+                </a:solidFill>
+                <a:latin typeface="Arial" panose="020B0604020202020204" pitchFamily="34" charset="0"/>
+                <a:cs typeface="Arial" panose="020B0604020202020204" pitchFamily="34" charset="0"/>
+                <a:sym typeface="Arial" panose="020B0604020202020204" pitchFamily="34" charset="0"/>
+              </a:defRPr>
+            </a:lvl8pPr>
+            <a:lvl9pPr marL="3886200" indent="-228600" eaLnBrk="0" fontAlgn="base" hangingPunct="0">
+              <a:spcBef>
+                <a:spcPct val="0"/>
+              </a:spcBef>
+              <a:spcAft>
+                <a:spcPct val="0"/>
+              </a:spcAft>
+              <a:buClr>
+                <a:srgbClr val="000000"/>
+              </a:buClr>
+              <a:buFont typeface="Arial" panose="020B0604020202020204" pitchFamily="34" charset="0"/>
+              <a:defRPr sz="1400">
+                <a:solidFill>
+                  <a:srgbClr val="000000"/>
+                </a:solidFill>
+                <a:latin typeface="Arial" panose="020B0604020202020204" pitchFamily="34" charset="0"/>
+                <a:cs typeface="Arial" panose="020B0604020202020204" pitchFamily="34" charset="0"/>
+                <a:sym typeface="Arial" panose="020B0604020202020204" pitchFamily="34" charset="0"/>
+              </a:defRPr>
+            </a:lvl9pPr>
+          </a:lstStyle>
+          <a:p>
+            <a:pPr algn="ctr"/>
+            <a:r>
+              <a:rPr lang="en-US" altLang="en-US"/>
+              <a:t>Agent</a:t>
+            </a:r>
+          </a:p>
+        </p:txBody>
+      </p:sp>
+      <p:sp>
+        <p:nvSpPr>
+          <p:cNvPr id="12" name="Google Shape;206;p21">
+            <a:extLst>
+              <a:ext uri="{FF2B5EF4-FFF2-40B4-BE49-F238E27FC236}">
+                <a16:creationId xmlns:a16="http://schemas.microsoft.com/office/drawing/2014/main" id="{725CBE7C-0574-403E-A9FB-00A044B02AFA}"/>
+              </a:ext>
+            </a:extLst>
+          </p:cNvPr>
+          <p:cNvSpPr>
+            <a:spLocks noChangeArrowheads="1"/>
+          </p:cNvSpPr>
+          <p:nvPr/>
+        </p:nvSpPr>
+        <p:spPr bwMode="auto">
+          <a:xfrm>
+            <a:off x="5329992" y="951885"/>
+            <a:ext cx="1816100" cy="809625"/>
+          </a:xfrm>
+          <a:prstGeom prst="rect">
+            <a:avLst/>
+          </a:prstGeom>
+          <a:solidFill>
+            <a:schemeClr val="accent1"/>
+          </a:solidFill>
+          <a:ln w="12700">
+            <a:solidFill>
+              <a:srgbClr val="31538F"/>
+            </a:solidFill>
+            <a:miter lim="800000"/>
+            <a:headEnd type="none" w="sm" len="sm"/>
+            <a:tailEnd type="none" w="sm" len="sm"/>
+          </a:ln>
+        </p:spPr>
+        <p:txBody>
+          <a:bodyPr lIns="91425" tIns="45700" rIns="91425" bIns="45700" anchor="ctr"/>
+          <a:lstStyle>
+            <a:lvl1pPr>
+              <a:buClr>
+                <a:srgbClr val="000000"/>
+              </a:buClr>
+              <a:buFont typeface="Arial" panose="020B0604020202020204" pitchFamily="34" charset="0"/>
+              <a:defRPr sz="1400">
+                <a:solidFill>
+                  <a:srgbClr val="000000"/>
+                </a:solidFill>
+                <a:latin typeface="Arial" panose="020B0604020202020204" pitchFamily="34" charset="0"/>
+                <a:cs typeface="Arial" panose="020B0604020202020204" pitchFamily="34" charset="0"/>
+                <a:sym typeface="Arial" panose="020B0604020202020204" pitchFamily="34" charset="0"/>
+              </a:defRPr>
+            </a:lvl1pPr>
+            <a:lvl2pPr marL="742950" indent="-285750">
+              <a:buClr>
+                <a:srgbClr val="000000"/>
+              </a:buClr>
+              <a:buFont typeface="Arial" panose="020B0604020202020204" pitchFamily="34" charset="0"/>
+              <a:defRPr sz="1400">
+                <a:solidFill>
+                  <a:srgbClr val="000000"/>
+                </a:solidFill>
+                <a:latin typeface="Arial" panose="020B0604020202020204" pitchFamily="34" charset="0"/>
+                <a:cs typeface="Arial" panose="020B0604020202020204" pitchFamily="34" charset="0"/>
+                <a:sym typeface="Arial" panose="020B0604020202020204" pitchFamily="34" charset="0"/>
+              </a:defRPr>
+            </a:lvl2pPr>
+            <a:lvl3pPr marL="1143000" indent="-228600">
+              <a:buClr>
+                <a:srgbClr val="000000"/>
+              </a:buClr>
+              <a:buFont typeface="Arial" panose="020B0604020202020204" pitchFamily="34" charset="0"/>
+              <a:defRPr sz="1400">
+                <a:solidFill>
+                  <a:srgbClr val="000000"/>
+                </a:solidFill>
+                <a:latin typeface="Arial" panose="020B0604020202020204" pitchFamily="34" charset="0"/>
+                <a:cs typeface="Arial" panose="020B0604020202020204" pitchFamily="34" charset="0"/>
+                <a:sym typeface="Arial" panose="020B0604020202020204" pitchFamily="34" charset="0"/>
+              </a:defRPr>
+            </a:lvl3pPr>
+            <a:lvl4pPr marL="1600200" indent="-228600">
+              <a:buClr>
+                <a:srgbClr val="000000"/>
+              </a:buClr>
+              <a:buFont typeface="Arial" panose="020B0604020202020204" pitchFamily="34" charset="0"/>
+              <a:defRPr sz="1400">
+                <a:solidFill>
+                  <a:srgbClr val="000000"/>
+                </a:solidFill>
+                <a:latin typeface="Arial" panose="020B0604020202020204" pitchFamily="34" charset="0"/>
+                <a:cs typeface="Arial" panose="020B0604020202020204" pitchFamily="34" charset="0"/>
+                <a:sym typeface="Arial" panose="020B0604020202020204" pitchFamily="34" charset="0"/>
+              </a:defRPr>
+            </a:lvl4pPr>
+            <a:lvl5pPr marL="2057400" indent="-228600">
+              <a:buClr>
+                <a:srgbClr val="000000"/>
+              </a:buClr>
+              <a:buFont typeface="Arial" panose="020B0604020202020204" pitchFamily="34" charset="0"/>
+              <a:defRPr sz="1400">
+                <a:solidFill>
+                  <a:srgbClr val="000000"/>
+                </a:solidFill>
+                <a:latin typeface="Arial" panose="020B0604020202020204" pitchFamily="34" charset="0"/>
+                <a:cs typeface="Arial" panose="020B0604020202020204" pitchFamily="34" charset="0"/>
+                <a:sym typeface="Arial" panose="020B0604020202020204" pitchFamily="34" charset="0"/>
+              </a:defRPr>
+            </a:lvl5pPr>
+            <a:lvl6pPr marL="2514600" indent="-228600" eaLnBrk="0" fontAlgn="base" hangingPunct="0">
+              <a:spcBef>
+                <a:spcPct val="0"/>
+              </a:spcBef>
+              <a:spcAft>
+                <a:spcPct val="0"/>
+              </a:spcAft>
+              <a:buClr>
+                <a:srgbClr val="000000"/>
+              </a:buClr>
+              <a:buFont typeface="Arial" panose="020B0604020202020204" pitchFamily="34" charset="0"/>
+              <a:defRPr sz="1400">
+                <a:solidFill>
+                  <a:srgbClr val="000000"/>
+                </a:solidFill>
+                <a:latin typeface="Arial" panose="020B0604020202020204" pitchFamily="34" charset="0"/>
+                <a:cs typeface="Arial" panose="020B0604020202020204" pitchFamily="34" charset="0"/>
+                <a:sym typeface="Arial" panose="020B0604020202020204" pitchFamily="34" charset="0"/>
+              </a:defRPr>
+            </a:lvl6pPr>
+            <a:lvl7pPr marL="2971800" indent="-228600" eaLnBrk="0" fontAlgn="base" hangingPunct="0">
+              <a:spcBef>
+                <a:spcPct val="0"/>
+              </a:spcBef>
+              <a:spcAft>
+                <a:spcPct val="0"/>
+              </a:spcAft>
+              <a:buClr>
+                <a:srgbClr val="000000"/>
+              </a:buClr>
+              <a:buFont typeface="Arial" panose="020B0604020202020204" pitchFamily="34" charset="0"/>
+              <a:defRPr sz="1400">
+                <a:solidFill>
+                  <a:srgbClr val="000000"/>
+                </a:solidFill>
+                <a:latin typeface="Arial" panose="020B0604020202020204" pitchFamily="34" charset="0"/>
+                <a:cs typeface="Arial" panose="020B0604020202020204" pitchFamily="34" charset="0"/>
+                <a:sym typeface="Arial" panose="020B0604020202020204" pitchFamily="34" charset="0"/>
+              </a:defRPr>
+            </a:lvl7pPr>
+            <a:lvl8pPr marL="3429000" indent="-228600" eaLnBrk="0" fontAlgn="base" hangingPunct="0">
+              <a:spcBef>
+                <a:spcPct val="0"/>
+              </a:spcBef>
+              <a:spcAft>
+                <a:spcPct val="0"/>
+              </a:spcAft>
+              <a:buClr>
+                <a:srgbClr val="000000"/>
+              </a:buClr>
+              <a:buFont typeface="Arial" panose="020B0604020202020204" pitchFamily="34" charset="0"/>
+              <a:defRPr sz="1400">
+                <a:solidFill>
+                  <a:srgbClr val="000000"/>
+                </a:solidFill>
+                <a:latin typeface="Arial" panose="020B0604020202020204" pitchFamily="34" charset="0"/>
+                <a:cs typeface="Arial" panose="020B0604020202020204" pitchFamily="34" charset="0"/>
+                <a:sym typeface="Arial" panose="020B0604020202020204" pitchFamily="34" charset="0"/>
+              </a:defRPr>
+            </a:lvl8pPr>
+            <a:lvl9pPr marL="3886200" indent="-228600" eaLnBrk="0" fontAlgn="base" hangingPunct="0">
+              <a:spcBef>
+                <a:spcPct val="0"/>
+              </a:spcBef>
+              <a:spcAft>
+                <a:spcPct val="0"/>
+              </a:spcAft>
+              <a:buClr>
+                <a:srgbClr val="000000"/>
+              </a:buClr>
+              <a:buFont typeface="Arial" panose="020B0604020202020204" pitchFamily="34" charset="0"/>
+              <a:defRPr sz="1400">
+                <a:solidFill>
+                  <a:srgbClr val="000000"/>
+                </a:solidFill>
+                <a:latin typeface="Arial" panose="020B0604020202020204" pitchFamily="34" charset="0"/>
+                <a:cs typeface="Arial" panose="020B0604020202020204" pitchFamily="34" charset="0"/>
+                <a:sym typeface="Arial" panose="020B0604020202020204" pitchFamily="34" charset="0"/>
+              </a:defRPr>
+            </a:lvl9pPr>
+          </a:lstStyle>
+          <a:p>
+            <a:pPr algn="ctr" eaLnBrk="1" hangingPunct="1"/>
+            <a:r>
+              <a:rPr lang="en-US" altLang="en-US" sz="1200">
+                <a:solidFill>
+                  <a:srgbClr val="FFFFFF"/>
+                </a:solidFill>
+              </a:rPr>
+              <a:t> License CC BY-NC-SA 4.0  (Creative Commons License)</a:t>
+            </a:r>
+            <a:endParaRPr lang="en-US" altLang="en-US"/>
+          </a:p>
+          <a:p>
+            <a:pPr algn="ctr" eaLnBrk="1" hangingPunct="1"/>
+            <a:r>
+              <a:rPr lang="en-US" altLang="en-US" sz="1200">
+                <a:solidFill>
+                  <a:srgbClr val="FFFFFF"/>
+                </a:solidFill>
+              </a:rPr>
+              <a:t>(Who)</a:t>
+            </a:r>
+            <a:endParaRPr lang="en-US" altLang="en-US"/>
+          </a:p>
+        </p:txBody>
+      </p:sp>
+      <p:sp>
+        <p:nvSpPr>
+          <p:cNvPr id="13" name="Google Shape;207;p21">
+            <a:extLst>
+              <a:ext uri="{FF2B5EF4-FFF2-40B4-BE49-F238E27FC236}">
+                <a16:creationId xmlns:a16="http://schemas.microsoft.com/office/drawing/2014/main" id="{0D9DEBDA-45B9-4DCD-8A88-F18C1A77F8A6}"/>
+              </a:ext>
+            </a:extLst>
+          </p:cNvPr>
+          <p:cNvSpPr>
+            <a:spLocks noChangeArrowheads="1"/>
+          </p:cNvSpPr>
+          <p:nvPr/>
+        </p:nvSpPr>
+        <p:spPr bwMode="auto">
+          <a:xfrm>
+            <a:off x="5507792" y="5515947"/>
+            <a:ext cx="1460500" cy="619124"/>
+          </a:xfrm>
+          <a:prstGeom prst="rect">
+            <a:avLst/>
+          </a:prstGeom>
+          <a:solidFill>
+            <a:schemeClr val="accent1"/>
+          </a:solidFill>
+          <a:ln w="12700">
+            <a:solidFill>
+              <a:srgbClr val="31538F"/>
+            </a:solidFill>
+            <a:miter lim="800000"/>
+            <a:headEnd type="none" w="sm" len="sm"/>
+            <a:tailEnd type="none" w="sm" len="sm"/>
+          </a:ln>
+        </p:spPr>
+        <p:txBody>
+          <a:bodyPr lIns="91425" tIns="45700" rIns="91425" bIns="45700" anchor="ctr"/>
+          <a:lstStyle>
+            <a:lvl1pPr>
+              <a:buClr>
+                <a:srgbClr val="000000"/>
+              </a:buClr>
+              <a:buFont typeface="Arial" panose="020B0604020202020204" pitchFamily="34" charset="0"/>
+              <a:defRPr sz="1400">
+                <a:solidFill>
+                  <a:srgbClr val="000000"/>
+                </a:solidFill>
+                <a:latin typeface="Arial" panose="020B0604020202020204" pitchFamily="34" charset="0"/>
+                <a:cs typeface="Arial" panose="020B0604020202020204" pitchFamily="34" charset="0"/>
+                <a:sym typeface="Arial" panose="020B0604020202020204" pitchFamily="34" charset="0"/>
+              </a:defRPr>
+            </a:lvl1pPr>
+            <a:lvl2pPr marL="742950" indent="-285750">
+              <a:buClr>
+                <a:srgbClr val="000000"/>
+              </a:buClr>
+              <a:buFont typeface="Arial" panose="020B0604020202020204" pitchFamily="34" charset="0"/>
+              <a:defRPr sz="1400">
+                <a:solidFill>
+                  <a:srgbClr val="000000"/>
+                </a:solidFill>
+                <a:latin typeface="Arial" panose="020B0604020202020204" pitchFamily="34" charset="0"/>
+                <a:cs typeface="Arial" panose="020B0604020202020204" pitchFamily="34" charset="0"/>
+                <a:sym typeface="Arial" panose="020B0604020202020204" pitchFamily="34" charset="0"/>
+              </a:defRPr>
+            </a:lvl2pPr>
+            <a:lvl3pPr marL="1143000" indent="-228600">
+              <a:buClr>
+                <a:srgbClr val="000000"/>
+              </a:buClr>
+              <a:buFont typeface="Arial" panose="020B0604020202020204" pitchFamily="34" charset="0"/>
+              <a:defRPr sz="1400">
+                <a:solidFill>
+                  <a:srgbClr val="000000"/>
+                </a:solidFill>
+                <a:latin typeface="Arial" panose="020B0604020202020204" pitchFamily="34" charset="0"/>
+                <a:cs typeface="Arial" panose="020B0604020202020204" pitchFamily="34" charset="0"/>
+                <a:sym typeface="Arial" panose="020B0604020202020204" pitchFamily="34" charset="0"/>
+              </a:defRPr>
+            </a:lvl3pPr>
+            <a:lvl4pPr marL="1600200" indent="-228600">
+              <a:buClr>
+                <a:srgbClr val="000000"/>
+              </a:buClr>
+              <a:buFont typeface="Arial" panose="020B0604020202020204" pitchFamily="34" charset="0"/>
+              <a:defRPr sz="1400">
+                <a:solidFill>
+                  <a:srgbClr val="000000"/>
+                </a:solidFill>
+                <a:latin typeface="Arial" panose="020B0604020202020204" pitchFamily="34" charset="0"/>
+                <a:cs typeface="Arial" panose="020B0604020202020204" pitchFamily="34" charset="0"/>
+                <a:sym typeface="Arial" panose="020B0604020202020204" pitchFamily="34" charset="0"/>
+              </a:defRPr>
+            </a:lvl4pPr>
+            <a:lvl5pPr marL="2057400" indent="-228600">
+              <a:buClr>
+                <a:srgbClr val="000000"/>
+              </a:buClr>
+              <a:buFont typeface="Arial" panose="020B0604020202020204" pitchFamily="34" charset="0"/>
+              <a:defRPr sz="1400">
+                <a:solidFill>
+                  <a:srgbClr val="000000"/>
+                </a:solidFill>
+                <a:latin typeface="Arial" panose="020B0604020202020204" pitchFamily="34" charset="0"/>
+                <a:cs typeface="Arial" panose="020B0604020202020204" pitchFamily="34" charset="0"/>
+                <a:sym typeface="Arial" panose="020B0604020202020204" pitchFamily="34" charset="0"/>
+              </a:defRPr>
+            </a:lvl5pPr>
+            <a:lvl6pPr marL="2514600" indent="-228600" eaLnBrk="0" fontAlgn="base" hangingPunct="0">
+              <a:spcBef>
+                <a:spcPct val="0"/>
+              </a:spcBef>
+              <a:spcAft>
+                <a:spcPct val="0"/>
+              </a:spcAft>
+              <a:buClr>
+                <a:srgbClr val="000000"/>
+              </a:buClr>
+              <a:buFont typeface="Arial" panose="020B0604020202020204" pitchFamily="34" charset="0"/>
+              <a:defRPr sz="1400">
+                <a:solidFill>
+                  <a:srgbClr val="000000"/>
+                </a:solidFill>
+                <a:latin typeface="Arial" panose="020B0604020202020204" pitchFamily="34" charset="0"/>
+                <a:cs typeface="Arial" panose="020B0604020202020204" pitchFamily="34" charset="0"/>
+                <a:sym typeface="Arial" panose="020B0604020202020204" pitchFamily="34" charset="0"/>
+              </a:defRPr>
+            </a:lvl6pPr>
+            <a:lvl7pPr marL="2971800" indent="-228600" eaLnBrk="0" fontAlgn="base" hangingPunct="0">
+              <a:spcBef>
+                <a:spcPct val="0"/>
+              </a:spcBef>
+              <a:spcAft>
+                <a:spcPct val="0"/>
+              </a:spcAft>
+              <a:buClr>
+                <a:srgbClr val="000000"/>
+              </a:buClr>
+              <a:buFont typeface="Arial" panose="020B0604020202020204" pitchFamily="34" charset="0"/>
+              <a:defRPr sz="1400">
+                <a:solidFill>
+                  <a:srgbClr val="000000"/>
+                </a:solidFill>
+                <a:latin typeface="Arial" panose="020B0604020202020204" pitchFamily="34" charset="0"/>
+                <a:cs typeface="Arial" panose="020B0604020202020204" pitchFamily="34" charset="0"/>
+                <a:sym typeface="Arial" panose="020B0604020202020204" pitchFamily="34" charset="0"/>
+              </a:defRPr>
+            </a:lvl7pPr>
+            <a:lvl8pPr marL="3429000" indent="-228600" eaLnBrk="0" fontAlgn="base" hangingPunct="0">
+              <a:spcBef>
+                <a:spcPct val="0"/>
+              </a:spcBef>
+              <a:spcAft>
+                <a:spcPct val="0"/>
+              </a:spcAft>
+              <a:buClr>
+                <a:srgbClr val="000000"/>
+              </a:buClr>
+              <a:buFont typeface="Arial" panose="020B0604020202020204" pitchFamily="34" charset="0"/>
+              <a:defRPr sz="1400">
+                <a:solidFill>
+                  <a:srgbClr val="000000"/>
+                </a:solidFill>
+                <a:latin typeface="Arial" panose="020B0604020202020204" pitchFamily="34" charset="0"/>
+                <a:cs typeface="Arial" panose="020B0604020202020204" pitchFamily="34" charset="0"/>
+                <a:sym typeface="Arial" panose="020B0604020202020204" pitchFamily="34" charset="0"/>
+              </a:defRPr>
+            </a:lvl8pPr>
+            <a:lvl9pPr marL="3886200" indent="-228600" eaLnBrk="0" fontAlgn="base" hangingPunct="0">
+              <a:spcBef>
+                <a:spcPct val="0"/>
+              </a:spcBef>
+              <a:spcAft>
+                <a:spcPct val="0"/>
+              </a:spcAft>
+              <a:buClr>
+                <a:srgbClr val="000000"/>
+              </a:buClr>
+              <a:buFont typeface="Arial" panose="020B0604020202020204" pitchFamily="34" charset="0"/>
+              <a:defRPr sz="1400">
+                <a:solidFill>
+                  <a:srgbClr val="000000"/>
+                </a:solidFill>
+                <a:latin typeface="Arial" panose="020B0604020202020204" pitchFamily="34" charset="0"/>
+                <a:cs typeface="Arial" panose="020B0604020202020204" pitchFamily="34" charset="0"/>
+                <a:sym typeface="Arial" panose="020B0604020202020204" pitchFamily="34" charset="0"/>
+              </a:defRPr>
+            </a:lvl9pPr>
+          </a:lstStyle>
+          <a:p>
+            <a:pPr algn="ctr" eaLnBrk="1" hangingPunct="1"/>
+            <a:r>
+              <a:rPr lang="en-US" altLang="en-US" sz="1200" dirty="0">
+                <a:solidFill>
+                  <a:srgbClr val="FFFFFF"/>
+                </a:solidFill>
+              </a:rPr>
+              <a:t>Simson’s seasons 4-24</a:t>
+            </a:r>
+            <a:endParaRPr lang="en-US" altLang="en-US" dirty="0"/>
+          </a:p>
+          <a:p>
+            <a:pPr algn="ctr" eaLnBrk="1" hangingPunct="1"/>
+            <a:r>
+              <a:rPr lang="en-US" altLang="en-US" sz="1200" dirty="0">
+                <a:solidFill>
+                  <a:srgbClr val="FFFFFF"/>
+                </a:solidFill>
+              </a:rPr>
+              <a:t>(When)</a:t>
+            </a:r>
+            <a:endParaRPr lang="en-US" altLang="en-US" dirty="0"/>
+          </a:p>
+        </p:txBody>
+      </p:sp>
+      <p:sp>
+        <p:nvSpPr>
+          <p:cNvPr id="14" name="Google Shape;208;p21">
+            <a:extLst>
+              <a:ext uri="{FF2B5EF4-FFF2-40B4-BE49-F238E27FC236}">
+                <a16:creationId xmlns:a16="http://schemas.microsoft.com/office/drawing/2014/main" id="{2672902D-E8C8-4010-8058-26AAB1F1F897}"/>
+              </a:ext>
+            </a:extLst>
+          </p:cNvPr>
+          <p:cNvSpPr>
+            <a:spLocks noChangeArrowheads="1"/>
+          </p:cNvSpPr>
+          <p:nvPr/>
+        </p:nvSpPr>
+        <p:spPr bwMode="auto">
+          <a:xfrm>
+            <a:off x="2958267" y="5446097"/>
+            <a:ext cx="1460500" cy="458786"/>
+          </a:xfrm>
+          <a:prstGeom prst="rect">
+            <a:avLst/>
+          </a:prstGeom>
+          <a:solidFill>
+            <a:schemeClr val="accent1"/>
+          </a:solidFill>
+          <a:ln w="12700">
+            <a:solidFill>
+              <a:srgbClr val="31538F"/>
+            </a:solidFill>
+            <a:miter lim="800000"/>
+            <a:headEnd type="none" w="sm" len="sm"/>
+            <a:tailEnd type="none" w="sm" len="sm"/>
+          </a:ln>
+        </p:spPr>
+        <p:txBody>
+          <a:bodyPr lIns="91425" tIns="45700" rIns="91425" bIns="45700" anchor="ctr"/>
+          <a:lstStyle>
+            <a:lvl1pPr>
+              <a:buClr>
+                <a:srgbClr val="000000"/>
+              </a:buClr>
+              <a:buFont typeface="Arial" panose="020B0604020202020204" pitchFamily="34" charset="0"/>
+              <a:defRPr sz="1400">
+                <a:solidFill>
+                  <a:srgbClr val="000000"/>
+                </a:solidFill>
+                <a:latin typeface="Arial" panose="020B0604020202020204" pitchFamily="34" charset="0"/>
+                <a:cs typeface="Arial" panose="020B0604020202020204" pitchFamily="34" charset="0"/>
+                <a:sym typeface="Arial" panose="020B0604020202020204" pitchFamily="34" charset="0"/>
+              </a:defRPr>
+            </a:lvl1pPr>
+            <a:lvl2pPr marL="742950" indent="-285750">
+              <a:buClr>
+                <a:srgbClr val="000000"/>
+              </a:buClr>
+              <a:buFont typeface="Arial" panose="020B0604020202020204" pitchFamily="34" charset="0"/>
+              <a:defRPr sz="1400">
+                <a:solidFill>
+                  <a:srgbClr val="000000"/>
+                </a:solidFill>
+                <a:latin typeface="Arial" panose="020B0604020202020204" pitchFamily="34" charset="0"/>
+                <a:cs typeface="Arial" panose="020B0604020202020204" pitchFamily="34" charset="0"/>
+                <a:sym typeface="Arial" panose="020B0604020202020204" pitchFamily="34" charset="0"/>
+              </a:defRPr>
+            </a:lvl2pPr>
+            <a:lvl3pPr marL="1143000" indent="-228600">
+              <a:buClr>
+                <a:srgbClr val="000000"/>
+              </a:buClr>
+              <a:buFont typeface="Arial" panose="020B0604020202020204" pitchFamily="34" charset="0"/>
+              <a:defRPr sz="1400">
+                <a:solidFill>
+                  <a:srgbClr val="000000"/>
+                </a:solidFill>
+                <a:latin typeface="Arial" panose="020B0604020202020204" pitchFamily="34" charset="0"/>
+                <a:cs typeface="Arial" panose="020B0604020202020204" pitchFamily="34" charset="0"/>
+                <a:sym typeface="Arial" panose="020B0604020202020204" pitchFamily="34" charset="0"/>
+              </a:defRPr>
+            </a:lvl3pPr>
+            <a:lvl4pPr marL="1600200" indent="-228600">
+              <a:buClr>
+                <a:srgbClr val="000000"/>
+              </a:buClr>
+              <a:buFont typeface="Arial" panose="020B0604020202020204" pitchFamily="34" charset="0"/>
+              <a:defRPr sz="1400">
+                <a:solidFill>
+                  <a:srgbClr val="000000"/>
+                </a:solidFill>
+                <a:latin typeface="Arial" panose="020B0604020202020204" pitchFamily="34" charset="0"/>
+                <a:cs typeface="Arial" panose="020B0604020202020204" pitchFamily="34" charset="0"/>
+                <a:sym typeface="Arial" panose="020B0604020202020204" pitchFamily="34" charset="0"/>
+              </a:defRPr>
+            </a:lvl4pPr>
+            <a:lvl5pPr marL="2057400" indent="-228600">
+              <a:buClr>
+                <a:srgbClr val="000000"/>
+              </a:buClr>
+              <a:buFont typeface="Arial" panose="020B0604020202020204" pitchFamily="34" charset="0"/>
+              <a:defRPr sz="1400">
+                <a:solidFill>
+                  <a:srgbClr val="000000"/>
+                </a:solidFill>
+                <a:latin typeface="Arial" panose="020B0604020202020204" pitchFamily="34" charset="0"/>
+                <a:cs typeface="Arial" panose="020B0604020202020204" pitchFamily="34" charset="0"/>
+                <a:sym typeface="Arial" panose="020B0604020202020204" pitchFamily="34" charset="0"/>
+              </a:defRPr>
+            </a:lvl5pPr>
+            <a:lvl6pPr marL="2514600" indent="-228600" eaLnBrk="0" fontAlgn="base" hangingPunct="0">
+              <a:spcBef>
+                <a:spcPct val="0"/>
+              </a:spcBef>
+              <a:spcAft>
+                <a:spcPct val="0"/>
+              </a:spcAft>
+              <a:buClr>
+                <a:srgbClr val="000000"/>
+              </a:buClr>
+              <a:buFont typeface="Arial" panose="020B0604020202020204" pitchFamily="34" charset="0"/>
+              <a:defRPr sz="1400">
+                <a:solidFill>
+                  <a:srgbClr val="000000"/>
+                </a:solidFill>
+                <a:latin typeface="Arial" panose="020B0604020202020204" pitchFamily="34" charset="0"/>
+                <a:cs typeface="Arial" panose="020B0604020202020204" pitchFamily="34" charset="0"/>
+                <a:sym typeface="Arial" panose="020B0604020202020204" pitchFamily="34" charset="0"/>
+              </a:defRPr>
+            </a:lvl6pPr>
+            <a:lvl7pPr marL="2971800" indent="-228600" eaLnBrk="0" fontAlgn="base" hangingPunct="0">
+              <a:spcBef>
+                <a:spcPct val="0"/>
+              </a:spcBef>
+              <a:spcAft>
+                <a:spcPct val="0"/>
+              </a:spcAft>
+              <a:buClr>
+                <a:srgbClr val="000000"/>
+              </a:buClr>
+              <a:buFont typeface="Arial" panose="020B0604020202020204" pitchFamily="34" charset="0"/>
+              <a:defRPr sz="1400">
+                <a:solidFill>
+                  <a:srgbClr val="000000"/>
+                </a:solidFill>
+                <a:latin typeface="Arial" panose="020B0604020202020204" pitchFamily="34" charset="0"/>
+                <a:cs typeface="Arial" panose="020B0604020202020204" pitchFamily="34" charset="0"/>
+                <a:sym typeface="Arial" panose="020B0604020202020204" pitchFamily="34" charset="0"/>
+              </a:defRPr>
+            </a:lvl7pPr>
+            <a:lvl8pPr marL="3429000" indent="-228600" eaLnBrk="0" fontAlgn="base" hangingPunct="0">
+              <a:spcBef>
+                <a:spcPct val="0"/>
+              </a:spcBef>
+              <a:spcAft>
+                <a:spcPct val="0"/>
+              </a:spcAft>
+              <a:buClr>
+                <a:srgbClr val="000000"/>
+              </a:buClr>
+              <a:buFont typeface="Arial" panose="020B0604020202020204" pitchFamily="34" charset="0"/>
+              <a:defRPr sz="1400">
+                <a:solidFill>
+                  <a:srgbClr val="000000"/>
+                </a:solidFill>
+                <a:latin typeface="Arial" panose="020B0604020202020204" pitchFamily="34" charset="0"/>
+                <a:cs typeface="Arial" panose="020B0604020202020204" pitchFamily="34" charset="0"/>
+                <a:sym typeface="Arial" panose="020B0604020202020204" pitchFamily="34" charset="0"/>
+              </a:defRPr>
+            </a:lvl8pPr>
+            <a:lvl9pPr marL="3886200" indent="-228600" eaLnBrk="0" fontAlgn="base" hangingPunct="0">
+              <a:spcBef>
+                <a:spcPct val="0"/>
+              </a:spcBef>
+              <a:spcAft>
+                <a:spcPct val="0"/>
+              </a:spcAft>
+              <a:buClr>
+                <a:srgbClr val="000000"/>
+              </a:buClr>
+              <a:buFont typeface="Arial" panose="020B0604020202020204" pitchFamily="34" charset="0"/>
+              <a:defRPr sz="1400">
+                <a:solidFill>
+                  <a:srgbClr val="000000"/>
+                </a:solidFill>
+                <a:latin typeface="Arial" panose="020B0604020202020204" pitchFamily="34" charset="0"/>
+                <a:cs typeface="Arial" panose="020B0604020202020204" pitchFamily="34" charset="0"/>
+                <a:sym typeface="Arial" panose="020B0604020202020204" pitchFamily="34" charset="0"/>
+              </a:defRPr>
+            </a:lvl9pPr>
+          </a:lstStyle>
+          <a:p>
+            <a:pPr algn="ctr" eaLnBrk="1" hangingPunct="1"/>
+            <a:r>
+              <a:rPr lang="en-US" altLang="en-US" sz="1200">
+                <a:solidFill>
+                  <a:srgbClr val="FFFFFF"/>
+                </a:solidFill>
+              </a:rPr>
+              <a:t>In Kaggle.com</a:t>
+            </a:r>
+            <a:endParaRPr lang="en-US" altLang="en-US"/>
+          </a:p>
+          <a:p>
+            <a:pPr algn="ctr" eaLnBrk="1" hangingPunct="1"/>
+            <a:r>
+              <a:rPr lang="en-US" altLang="en-US" sz="1200">
+                <a:solidFill>
+                  <a:srgbClr val="FFFFFF"/>
+                </a:solidFill>
+              </a:rPr>
+              <a:t>(Where)</a:t>
+            </a:r>
+            <a:endParaRPr lang="en-US" altLang="en-US"/>
+          </a:p>
+        </p:txBody>
+      </p:sp>
+      <p:sp>
+        <p:nvSpPr>
+          <p:cNvPr id="15" name="Google Shape;209;p21">
+            <a:extLst>
+              <a:ext uri="{FF2B5EF4-FFF2-40B4-BE49-F238E27FC236}">
+                <a16:creationId xmlns:a16="http://schemas.microsoft.com/office/drawing/2014/main" id="{DA78AD70-0897-4CE3-BF9E-18327C7D667B}"/>
+              </a:ext>
+            </a:extLst>
+          </p:cNvPr>
+          <p:cNvSpPr>
+            <a:spLocks noChangeArrowheads="1"/>
+          </p:cNvSpPr>
+          <p:nvPr/>
+        </p:nvSpPr>
+        <p:spPr bwMode="auto">
+          <a:xfrm>
+            <a:off x="3345618" y="4135616"/>
+            <a:ext cx="1282700" cy="571500"/>
+          </a:xfrm>
+          <a:prstGeom prst="roundRect">
+            <a:avLst>
+              <a:gd name="adj" fmla="val 16667"/>
+            </a:avLst>
+          </a:prstGeom>
+          <a:solidFill>
+            <a:schemeClr val="accent1">
+              <a:lumMod val="40000"/>
+              <a:lumOff val="60000"/>
+            </a:schemeClr>
+          </a:solidFill>
+          <a:ln w="12700">
+            <a:solidFill>
+              <a:srgbClr val="31538F"/>
+            </a:solidFill>
+            <a:miter lim="800000"/>
+            <a:headEnd type="none" w="sm" len="sm"/>
+            <a:tailEnd type="none" w="sm" len="sm"/>
+          </a:ln>
+        </p:spPr>
+        <p:txBody>
+          <a:bodyPr lIns="91425" tIns="45700" rIns="91425" bIns="45700" anchor="ctr"/>
+          <a:lstStyle>
+            <a:lvl1pPr>
+              <a:buClr>
+                <a:srgbClr val="000000"/>
+              </a:buClr>
+              <a:buFont typeface="Arial" panose="020B0604020202020204" pitchFamily="34" charset="0"/>
+              <a:defRPr sz="1400">
+                <a:solidFill>
+                  <a:srgbClr val="000000"/>
+                </a:solidFill>
+                <a:latin typeface="Arial" panose="020B0604020202020204" pitchFamily="34" charset="0"/>
+                <a:cs typeface="Arial" panose="020B0604020202020204" pitchFamily="34" charset="0"/>
+                <a:sym typeface="Arial" panose="020B0604020202020204" pitchFamily="34" charset="0"/>
+              </a:defRPr>
+            </a:lvl1pPr>
+            <a:lvl2pPr marL="742950" indent="-285750">
+              <a:buClr>
+                <a:srgbClr val="000000"/>
+              </a:buClr>
+              <a:buFont typeface="Arial" panose="020B0604020202020204" pitchFamily="34" charset="0"/>
+              <a:defRPr sz="1400">
+                <a:solidFill>
+                  <a:srgbClr val="000000"/>
+                </a:solidFill>
+                <a:latin typeface="Arial" panose="020B0604020202020204" pitchFamily="34" charset="0"/>
+                <a:cs typeface="Arial" panose="020B0604020202020204" pitchFamily="34" charset="0"/>
+                <a:sym typeface="Arial" panose="020B0604020202020204" pitchFamily="34" charset="0"/>
+              </a:defRPr>
+            </a:lvl2pPr>
+            <a:lvl3pPr marL="1143000" indent="-228600">
+              <a:buClr>
+                <a:srgbClr val="000000"/>
+              </a:buClr>
+              <a:buFont typeface="Arial" panose="020B0604020202020204" pitchFamily="34" charset="0"/>
+              <a:defRPr sz="1400">
+                <a:solidFill>
+                  <a:srgbClr val="000000"/>
+                </a:solidFill>
+                <a:latin typeface="Arial" panose="020B0604020202020204" pitchFamily="34" charset="0"/>
+                <a:cs typeface="Arial" panose="020B0604020202020204" pitchFamily="34" charset="0"/>
+                <a:sym typeface="Arial" panose="020B0604020202020204" pitchFamily="34" charset="0"/>
+              </a:defRPr>
+            </a:lvl3pPr>
+            <a:lvl4pPr marL="1600200" indent="-228600">
+              <a:buClr>
+                <a:srgbClr val="000000"/>
+              </a:buClr>
+              <a:buFont typeface="Arial" panose="020B0604020202020204" pitchFamily="34" charset="0"/>
+              <a:defRPr sz="1400">
+                <a:solidFill>
+                  <a:srgbClr val="000000"/>
+                </a:solidFill>
+                <a:latin typeface="Arial" panose="020B0604020202020204" pitchFamily="34" charset="0"/>
+                <a:cs typeface="Arial" panose="020B0604020202020204" pitchFamily="34" charset="0"/>
+                <a:sym typeface="Arial" panose="020B0604020202020204" pitchFamily="34" charset="0"/>
+              </a:defRPr>
+            </a:lvl4pPr>
+            <a:lvl5pPr marL="2057400" indent="-228600">
+              <a:buClr>
+                <a:srgbClr val="000000"/>
+              </a:buClr>
+              <a:buFont typeface="Arial" panose="020B0604020202020204" pitchFamily="34" charset="0"/>
+              <a:defRPr sz="1400">
+                <a:solidFill>
+                  <a:srgbClr val="000000"/>
+                </a:solidFill>
+                <a:latin typeface="Arial" panose="020B0604020202020204" pitchFamily="34" charset="0"/>
+                <a:cs typeface="Arial" panose="020B0604020202020204" pitchFamily="34" charset="0"/>
+                <a:sym typeface="Arial" panose="020B0604020202020204" pitchFamily="34" charset="0"/>
+              </a:defRPr>
+            </a:lvl5pPr>
+            <a:lvl6pPr marL="2514600" indent="-228600" eaLnBrk="0" fontAlgn="base" hangingPunct="0">
+              <a:spcBef>
+                <a:spcPct val="0"/>
+              </a:spcBef>
+              <a:spcAft>
+                <a:spcPct val="0"/>
+              </a:spcAft>
+              <a:buClr>
+                <a:srgbClr val="000000"/>
+              </a:buClr>
+              <a:buFont typeface="Arial" panose="020B0604020202020204" pitchFamily="34" charset="0"/>
+              <a:defRPr sz="1400">
+                <a:solidFill>
+                  <a:srgbClr val="000000"/>
+                </a:solidFill>
+                <a:latin typeface="Arial" panose="020B0604020202020204" pitchFamily="34" charset="0"/>
+                <a:cs typeface="Arial" panose="020B0604020202020204" pitchFamily="34" charset="0"/>
+                <a:sym typeface="Arial" panose="020B0604020202020204" pitchFamily="34" charset="0"/>
+              </a:defRPr>
+            </a:lvl6pPr>
+            <a:lvl7pPr marL="2971800" indent="-228600" eaLnBrk="0" fontAlgn="base" hangingPunct="0">
+              <a:spcBef>
+                <a:spcPct val="0"/>
+              </a:spcBef>
+              <a:spcAft>
+                <a:spcPct val="0"/>
+              </a:spcAft>
+              <a:buClr>
+                <a:srgbClr val="000000"/>
+              </a:buClr>
+              <a:buFont typeface="Arial" panose="020B0604020202020204" pitchFamily="34" charset="0"/>
+              <a:defRPr sz="1400">
+                <a:solidFill>
+                  <a:srgbClr val="000000"/>
+                </a:solidFill>
+                <a:latin typeface="Arial" panose="020B0604020202020204" pitchFamily="34" charset="0"/>
+                <a:cs typeface="Arial" panose="020B0604020202020204" pitchFamily="34" charset="0"/>
+                <a:sym typeface="Arial" panose="020B0604020202020204" pitchFamily="34" charset="0"/>
+              </a:defRPr>
+            </a:lvl7pPr>
+            <a:lvl8pPr marL="3429000" indent="-228600" eaLnBrk="0" fontAlgn="base" hangingPunct="0">
+              <a:spcBef>
+                <a:spcPct val="0"/>
+              </a:spcBef>
+              <a:spcAft>
+                <a:spcPct val="0"/>
+              </a:spcAft>
+              <a:buClr>
+                <a:srgbClr val="000000"/>
+              </a:buClr>
+              <a:buFont typeface="Arial" panose="020B0604020202020204" pitchFamily="34" charset="0"/>
+              <a:defRPr sz="1400">
+                <a:solidFill>
+                  <a:srgbClr val="000000"/>
+                </a:solidFill>
+                <a:latin typeface="Arial" panose="020B0604020202020204" pitchFamily="34" charset="0"/>
+                <a:cs typeface="Arial" panose="020B0604020202020204" pitchFamily="34" charset="0"/>
+                <a:sym typeface="Arial" panose="020B0604020202020204" pitchFamily="34" charset="0"/>
+              </a:defRPr>
+            </a:lvl8pPr>
+            <a:lvl9pPr marL="3886200" indent="-228600" eaLnBrk="0" fontAlgn="base" hangingPunct="0">
+              <a:spcBef>
+                <a:spcPct val="0"/>
+              </a:spcBef>
+              <a:spcAft>
+                <a:spcPct val="0"/>
+              </a:spcAft>
+              <a:buClr>
+                <a:srgbClr val="000000"/>
+              </a:buClr>
+              <a:buFont typeface="Arial" panose="020B0604020202020204" pitchFamily="34" charset="0"/>
+              <a:defRPr sz="1400">
+                <a:solidFill>
+                  <a:srgbClr val="000000"/>
+                </a:solidFill>
+                <a:latin typeface="Arial" panose="020B0604020202020204" pitchFamily="34" charset="0"/>
+                <a:cs typeface="Arial" panose="020B0604020202020204" pitchFamily="34" charset="0"/>
+                <a:sym typeface="Arial" panose="020B0604020202020204" pitchFamily="34" charset="0"/>
+              </a:defRPr>
+            </a:lvl9pPr>
+          </a:lstStyle>
+          <a:p>
+            <a:pPr algn="ctr"/>
+            <a:r>
+              <a:rPr lang="en-US" altLang="en-US" dirty="0"/>
+              <a:t>Location</a:t>
+            </a:r>
+          </a:p>
+        </p:txBody>
+      </p:sp>
+      <p:sp>
+        <p:nvSpPr>
+          <p:cNvPr id="16" name="Google Shape;210;p21">
+            <a:extLst>
+              <a:ext uri="{FF2B5EF4-FFF2-40B4-BE49-F238E27FC236}">
+                <a16:creationId xmlns:a16="http://schemas.microsoft.com/office/drawing/2014/main" id="{AB22049E-A442-41FA-A08B-3F2374CC24D0}"/>
+              </a:ext>
+            </a:extLst>
+          </p:cNvPr>
+          <p:cNvSpPr>
+            <a:spLocks noChangeArrowheads="1"/>
+          </p:cNvSpPr>
+          <p:nvPr/>
+        </p:nvSpPr>
+        <p:spPr bwMode="auto">
+          <a:xfrm>
+            <a:off x="5596692" y="4595197"/>
+            <a:ext cx="1282700" cy="571500"/>
+          </a:xfrm>
+          <a:prstGeom prst="roundRect">
+            <a:avLst>
+              <a:gd name="adj" fmla="val 16667"/>
+            </a:avLst>
+          </a:prstGeom>
+          <a:solidFill>
+            <a:schemeClr val="accent1">
+              <a:lumMod val="40000"/>
+              <a:lumOff val="60000"/>
+            </a:schemeClr>
+          </a:solidFill>
+          <a:ln w="12700">
+            <a:solidFill>
+              <a:srgbClr val="31538F"/>
+            </a:solidFill>
+            <a:miter lim="800000"/>
+            <a:headEnd type="none" w="sm" len="sm"/>
+            <a:tailEnd type="none" w="sm" len="sm"/>
+          </a:ln>
+        </p:spPr>
+        <p:txBody>
+          <a:bodyPr lIns="91425" tIns="45700" rIns="91425" bIns="45700" anchor="ctr"/>
+          <a:lstStyle>
+            <a:lvl1pPr>
+              <a:buClr>
+                <a:srgbClr val="000000"/>
+              </a:buClr>
+              <a:buFont typeface="Arial" panose="020B0604020202020204" pitchFamily="34" charset="0"/>
+              <a:defRPr sz="1400">
+                <a:solidFill>
+                  <a:srgbClr val="000000"/>
+                </a:solidFill>
+                <a:latin typeface="Arial" panose="020B0604020202020204" pitchFamily="34" charset="0"/>
+                <a:cs typeface="Arial" panose="020B0604020202020204" pitchFamily="34" charset="0"/>
+                <a:sym typeface="Arial" panose="020B0604020202020204" pitchFamily="34" charset="0"/>
+              </a:defRPr>
+            </a:lvl1pPr>
+            <a:lvl2pPr marL="742950" indent="-285750">
+              <a:buClr>
+                <a:srgbClr val="000000"/>
+              </a:buClr>
+              <a:buFont typeface="Arial" panose="020B0604020202020204" pitchFamily="34" charset="0"/>
+              <a:defRPr sz="1400">
+                <a:solidFill>
+                  <a:srgbClr val="000000"/>
+                </a:solidFill>
+                <a:latin typeface="Arial" panose="020B0604020202020204" pitchFamily="34" charset="0"/>
+                <a:cs typeface="Arial" panose="020B0604020202020204" pitchFamily="34" charset="0"/>
+                <a:sym typeface="Arial" panose="020B0604020202020204" pitchFamily="34" charset="0"/>
+              </a:defRPr>
+            </a:lvl2pPr>
+            <a:lvl3pPr marL="1143000" indent="-228600">
+              <a:buClr>
+                <a:srgbClr val="000000"/>
+              </a:buClr>
+              <a:buFont typeface="Arial" panose="020B0604020202020204" pitchFamily="34" charset="0"/>
+              <a:defRPr sz="1400">
+                <a:solidFill>
+                  <a:srgbClr val="000000"/>
+                </a:solidFill>
+                <a:latin typeface="Arial" panose="020B0604020202020204" pitchFamily="34" charset="0"/>
+                <a:cs typeface="Arial" panose="020B0604020202020204" pitchFamily="34" charset="0"/>
+                <a:sym typeface="Arial" panose="020B0604020202020204" pitchFamily="34" charset="0"/>
+              </a:defRPr>
+            </a:lvl3pPr>
+            <a:lvl4pPr marL="1600200" indent="-228600">
+              <a:buClr>
+                <a:srgbClr val="000000"/>
+              </a:buClr>
+              <a:buFont typeface="Arial" panose="020B0604020202020204" pitchFamily="34" charset="0"/>
+              <a:defRPr sz="1400">
+                <a:solidFill>
+                  <a:srgbClr val="000000"/>
+                </a:solidFill>
+                <a:latin typeface="Arial" panose="020B0604020202020204" pitchFamily="34" charset="0"/>
+                <a:cs typeface="Arial" panose="020B0604020202020204" pitchFamily="34" charset="0"/>
+                <a:sym typeface="Arial" panose="020B0604020202020204" pitchFamily="34" charset="0"/>
+              </a:defRPr>
+            </a:lvl4pPr>
+            <a:lvl5pPr marL="2057400" indent="-228600">
+              <a:buClr>
+                <a:srgbClr val="000000"/>
+              </a:buClr>
+              <a:buFont typeface="Arial" panose="020B0604020202020204" pitchFamily="34" charset="0"/>
+              <a:defRPr sz="1400">
+                <a:solidFill>
+                  <a:srgbClr val="000000"/>
+                </a:solidFill>
+                <a:latin typeface="Arial" panose="020B0604020202020204" pitchFamily="34" charset="0"/>
+                <a:cs typeface="Arial" panose="020B0604020202020204" pitchFamily="34" charset="0"/>
+                <a:sym typeface="Arial" panose="020B0604020202020204" pitchFamily="34" charset="0"/>
+              </a:defRPr>
+            </a:lvl5pPr>
+            <a:lvl6pPr marL="2514600" indent="-228600" eaLnBrk="0" fontAlgn="base" hangingPunct="0">
+              <a:spcBef>
+                <a:spcPct val="0"/>
+              </a:spcBef>
+              <a:spcAft>
+                <a:spcPct val="0"/>
+              </a:spcAft>
+              <a:buClr>
+                <a:srgbClr val="000000"/>
+              </a:buClr>
+              <a:buFont typeface="Arial" panose="020B0604020202020204" pitchFamily="34" charset="0"/>
+              <a:defRPr sz="1400">
+                <a:solidFill>
+                  <a:srgbClr val="000000"/>
+                </a:solidFill>
+                <a:latin typeface="Arial" panose="020B0604020202020204" pitchFamily="34" charset="0"/>
+                <a:cs typeface="Arial" panose="020B0604020202020204" pitchFamily="34" charset="0"/>
+                <a:sym typeface="Arial" panose="020B0604020202020204" pitchFamily="34" charset="0"/>
+              </a:defRPr>
+            </a:lvl6pPr>
+            <a:lvl7pPr marL="2971800" indent="-228600" eaLnBrk="0" fontAlgn="base" hangingPunct="0">
+              <a:spcBef>
+                <a:spcPct val="0"/>
+              </a:spcBef>
+              <a:spcAft>
+                <a:spcPct val="0"/>
+              </a:spcAft>
+              <a:buClr>
+                <a:srgbClr val="000000"/>
+              </a:buClr>
+              <a:buFont typeface="Arial" panose="020B0604020202020204" pitchFamily="34" charset="0"/>
+              <a:defRPr sz="1400">
+                <a:solidFill>
+                  <a:srgbClr val="000000"/>
+                </a:solidFill>
+                <a:latin typeface="Arial" panose="020B0604020202020204" pitchFamily="34" charset="0"/>
+                <a:cs typeface="Arial" panose="020B0604020202020204" pitchFamily="34" charset="0"/>
+                <a:sym typeface="Arial" panose="020B0604020202020204" pitchFamily="34" charset="0"/>
+              </a:defRPr>
+            </a:lvl7pPr>
+            <a:lvl8pPr marL="3429000" indent="-228600" eaLnBrk="0" fontAlgn="base" hangingPunct="0">
+              <a:spcBef>
+                <a:spcPct val="0"/>
+              </a:spcBef>
+              <a:spcAft>
+                <a:spcPct val="0"/>
+              </a:spcAft>
+              <a:buClr>
+                <a:srgbClr val="000000"/>
+              </a:buClr>
+              <a:buFont typeface="Arial" panose="020B0604020202020204" pitchFamily="34" charset="0"/>
+              <a:defRPr sz="1400">
+                <a:solidFill>
+                  <a:srgbClr val="000000"/>
+                </a:solidFill>
+                <a:latin typeface="Arial" panose="020B0604020202020204" pitchFamily="34" charset="0"/>
+                <a:cs typeface="Arial" panose="020B0604020202020204" pitchFamily="34" charset="0"/>
+                <a:sym typeface="Arial" panose="020B0604020202020204" pitchFamily="34" charset="0"/>
+              </a:defRPr>
+            </a:lvl8pPr>
+            <a:lvl9pPr marL="3886200" indent="-228600" eaLnBrk="0" fontAlgn="base" hangingPunct="0">
+              <a:spcBef>
+                <a:spcPct val="0"/>
+              </a:spcBef>
+              <a:spcAft>
+                <a:spcPct val="0"/>
+              </a:spcAft>
+              <a:buClr>
+                <a:srgbClr val="000000"/>
+              </a:buClr>
+              <a:buFont typeface="Arial" panose="020B0604020202020204" pitchFamily="34" charset="0"/>
+              <a:defRPr sz="1400">
+                <a:solidFill>
+                  <a:srgbClr val="000000"/>
+                </a:solidFill>
+                <a:latin typeface="Arial" panose="020B0604020202020204" pitchFamily="34" charset="0"/>
+                <a:cs typeface="Arial" panose="020B0604020202020204" pitchFamily="34" charset="0"/>
+                <a:sym typeface="Arial" panose="020B0604020202020204" pitchFamily="34" charset="0"/>
+              </a:defRPr>
+            </a:lvl9pPr>
+          </a:lstStyle>
+          <a:p>
+            <a:pPr algn="ctr"/>
+            <a:r>
+              <a:rPr lang="en-US" altLang="en-US"/>
+              <a:t>Time</a:t>
+            </a:r>
+          </a:p>
+        </p:txBody>
+      </p:sp>
+      <p:cxnSp>
+        <p:nvCxnSpPr>
+          <p:cNvPr id="17" name="Google Shape;211;p21">
+            <a:extLst>
+              <a:ext uri="{FF2B5EF4-FFF2-40B4-BE49-F238E27FC236}">
+                <a16:creationId xmlns:a16="http://schemas.microsoft.com/office/drawing/2014/main" id="{3F38FF0F-B608-40C0-99EA-271597F27C63}"/>
+              </a:ext>
+            </a:extLst>
+          </p:cNvPr>
+          <p:cNvCxnSpPr>
+            <a:cxnSpLocks noChangeShapeType="1"/>
+            <a:endCxn id="11" idx="2"/>
+          </p:cNvCxnSpPr>
+          <p:nvPr/>
+        </p:nvCxnSpPr>
+        <p:spPr bwMode="auto">
+          <a:xfrm flipV="1">
+            <a:off x="6238042" y="2588597"/>
+            <a:ext cx="0" cy="280988"/>
+          </a:xfrm>
+          <a:prstGeom prst="straightConnector1">
+            <a:avLst/>
+          </a:prstGeom>
+          <a:noFill/>
+          <a:ln w="9525">
+            <a:solidFill>
+              <a:schemeClr val="accent1"/>
+            </a:solidFill>
+            <a:miter lim="800000"/>
+            <a:headEnd type="none" w="sm" len="sm"/>
+            <a:tailEnd type="triangle" w="med" len="med"/>
+          </a:ln>
+          <a:extLst>
+            <a:ext uri="{909E8E84-426E-40DD-AFC4-6F175D3DCCD1}">
+              <a14:hiddenFill xmlns:a14="http://schemas.microsoft.com/office/drawing/2010/main">
+                <a:noFill/>
+              </a14:hiddenFill>
+            </a:ext>
+          </a:extLst>
+        </p:spPr>
+      </p:cxnSp>
+      <p:cxnSp>
+        <p:nvCxnSpPr>
+          <p:cNvPr id="18" name="Google Shape;212;p21">
+            <a:extLst>
+              <a:ext uri="{FF2B5EF4-FFF2-40B4-BE49-F238E27FC236}">
+                <a16:creationId xmlns:a16="http://schemas.microsoft.com/office/drawing/2014/main" id="{877875B7-B8BB-42D0-9F9E-676E37B4B00B}"/>
+              </a:ext>
+            </a:extLst>
+          </p:cNvPr>
+          <p:cNvCxnSpPr>
+            <a:cxnSpLocks noChangeShapeType="1"/>
+            <a:stCxn id="11" idx="0"/>
+            <a:endCxn id="12" idx="2"/>
+          </p:cNvCxnSpPr>
+          <p:nvPr/>
+        </p:nvCxnSpPr>
+        <p:spPr bwMode="auto">
+          <a:xfrm flipV="1">
+            <a:off x="6238042" y="1761510"/>
+            <a:ext cx="0" cy="255587"/>
+          </a:xfrm>
+          <a:prstGeom prst="straightConnector1">
+            <a:avLst/>
+          </a:prstGeom>
+          <a:noFill/>
+          <a:ln w="9525">
+            <a:solidFill>
+              <a:schemeClr val="accent1"/>
+            </a:solidFill>
+            <a:miter lim="800000"/>
+            <a:headEnd type="none" w="sm" len="sm"/>
+            <a:tailEnd type="triangle" w="med" len="med"/>
+          </a:ln>
+          <a:extLst>
+            <a:ext uri="{909E8E84-426E-40DD-AFC4-6F175D3DCCD1}">
+              <a14:hiddenFill xmlns:a14="http://schemas.microsoft.com/office/drawing/2010/main">
+                <a:noFill/>
+              </a14:hiddenFill>
+            </a:ext>
+          </a:extLst>
+        </p:spPr>
+      </p:cxnSp>
+      <p:cxnSp>
+        <p:nvCxnSpPr>
+          <p:cNvPr id="19" name="Google Shape;213;p21">
+            <a:extLst>
+              <a:ext uri="{FF2B5EF4-FFF2-40B4-BE49-F238E27FC236}">
+                <a16:creationId xmlns:a16="http://schemas.microsoft.com/office/drawing/2014/main" id="{5C356EA7-BCB0-483B-8D9C-1C6F51826A04}"/>
+              </a:ext>
+            </a:extLst>
+          </p:cNvPr>
+          <p:cNvCxnSpPr>
+            <a:cxnSpLocks noChangeShapeType="1"/>
+            <a:stCxn id="5" idx="2"/>
+            <a:endCxn id="16" idx="0"/>
+          </p:cNvCxnSpPr>
+          <p:nvPr/>
+        </p:nvCxnSpPr>
+        <p:spPr bwMode="auto">
+          <a:xfrm flipH="1">
+            <a:off x="6238042" y="4135617"/>
+            <a:ext cx="12700" cy="459580"/>
+          </a:xfrm>
+          <a:prstGeom prst="straightConnector1">
+            <a:avLst/>
+          </a:prstGeom>
+          <a:noFill/>
+          <a:ln w="9525">
+            <a:solidFill>
+              <a:schemeClr val="accent1"/>
+            </a:solidFill>
+            <a:miter lim="800000"/>
+            <a:headEnd type="none" w="sm" len="sm"/>
+            <a:tailEnd type="triangle" w="med" len="med"/>
+          </a:ln>
+          <a:extLst>
+            <a:ext uri="{909E8E84-426E-40DD-AFC4-6F175D3DCCD1}">
+              <a14:hiddenFill xmlns:a14="http://schemas.microsoft.com/office/drawing/2010/main">
+                <a:noFill/>
+              </a14:hiddenFill>
+            </a:ext>
+          </a:extLst>
+        </p:spPr>
+      </p:cxnSp>
+      <p:cxnSp>
+        <p:nvCxnSpPr>
+          <p:cNvPr id="20" name="Google Shape;214;p21">
+            <a:extLst>
+              <a:ext uri="{FF2B5EF4-FFF2-40B4-BE49-F238E27FC236}">
+                <a16:creationId xmlns:a16="http://schemas.microsoft.com/office/drawing/2014/main" id="{89FAE971-8781-4816-B64A-D704E56615EF}"/>
+              </a:ext>
+            </a:extLst>
+          </p:cNvPr>
+          <p:cNvCxnSpPr>
+            <a:cxnSpLocks noChangeShapeType="1"/>
+            <a:stCxn id="16" idx="2"/>
+            <a:endCxn id="13" idx="0"/>
+          </p:cNvCxnSpPr>
+          <p:nvPr/>
+        </p:nvCxnSpPr>
+        <p:spPr bwMode="auto">
+          <a:xfrm>
+            <a:off x="6238042" y="5166697"/>
+            <a:ext cx="0" cy="349250"/>
+          </a:xfrm>
+          <a:prstGeom prst="straightConnector1">
+            <a:avLst/>
+          </a:prstGeom>
+          <a:noFill/>
+          <a:ln w="9525">
+            <a:solidFill>
+              <a:schemeClr val="accent1"/>
+            </a:solidFill>
+            <a:miter lim="800000"/>
+            <a:headEnd type="none" w="sm" len="sm"/>
+            <a:tailEnd type="triangle" w="med" len="med"/>
+          </a:ln>
+          <a:extLst>
+            <a:ext uri="{909E8E84-426E-40DD-AFC4-6F175D3DCCD1}">
+              <a14:hiddenFill xmlns:a14="http://schemas.microsoft.com/office/drawing/2010/main">
+                <a:noFill/>
+              </a14:hiddenFill>
+            </a:ext>
+          </a:extLst>
+        </p:spPr>
+      </p:cxnSp>
+      <p:cxnSp>
+        <p:nvCxnSpPr>
+          <p:cNvPr id="21" name="Google Shape;215;p21">
+            <a:extLst>
+              <a:ext uri="{FF2B5EF4-FFF2-40B4-BE49-F238E27FC236}">
+                <a16:creationId xmlns:a16="http://schemas.microsoft.com/office/drawing/2014/main" id="{48AD32E8-16A8-4762-B703-846694E7F001}"/>
+              </a:ext>
+            </a:extLst>
+          </p:cNvPr>
+          <p:cNvCxnSpPr>
+            <a:cxnSpLocks noChangeShapeType="1"/>
+            <a:endCxn id="15" idx="3"/>
+          </p:cNvCxnSpPr>
+          <p:nvPr/>
+        </p:nvCxnSpPr>
+        <p:spPr bwMode="auto">
+          <a:xfrm rot="10800000" flipV="1">
+            <a:off x="4628318" y="3807796"/>
+            <a:ext cx="879474" cy="613569"/>
+          </a:xfrm>
+          <a:prstGeom prst="bentConnector3">
+            <a:avLst>
+              <a:gd name="adj1" fmla="val 50000"/>
+            </a:avLst>
+          </a:prstGeom>
+          <a:noFill/>
+          <a:ln w="9525">
+            <a:solidFill>
+              <a:schemeClr val="accent1"/>
+            </a:solidFill>
+            <a:miter lim="800000"/>
+            <a:headEnd type="none" w="sm" len="sm"/>
+            <a:tailEnd type="triangle" w="med" len="med"/>
+          </a:ln>
+          <a:extLst>
+            <a:ext uri="{909E8E84-426E-40DD-AFC4-6F175D3DCCD1}">
+              <a14:hiddenFill xmlns:a14="http://schemas.microsoft.com/office/drawing/2010/main">
+                <a:noFill/>
+              </a14:hiddenFill>
+            </a:ext>
+          </a:extLst>
+        </p:spPr>
+      </p:cxnSp>
+      <p:cxnSp>
+        <p:nvCxnSpPr>
+          <p:cNvPr id="22" name="Google Shape;216;p21">
+            <a:extLst>
+              <a:ext uri="{FF2B5EF4-FFF2-40B4-BE49-F238E27FC236}">
+                <a16:creationId xmlns:a16="http://schemas.microsoft.com/office/drawing/2014/main" id="{D3168F78-343B-4BB2-B0E0-D7258B9E3FEE}"/>
+              </a:ext>
+            </a:extLst>
+          </p:cNvPr>
+          <p:cNvCxnSpPr>
+            <a:cxnSpLocks noChangeShapeType="1"/>
+            <a:stCxn id="16" idx="1"/>
+            <a:endCxn id="14" idx="3"/>
+          </p:cNvCxnSpPr>
+          <p:nvPr/>
+        </p:nvCxnSpPr>
+        <p:spPr bwMode="auto">
+          <a:xfrm rot="10800000" flipV="1">
+            <a:off x="4418768" y="4880946"/>
+            <a:ext cx="1177925" cy="794543"/>
+          </a:xfrm>
+          <a:prstGeom prst="bentConnector3">
+            <a:avLst>
+              <a:gd name="adj1" fmla="val 50000"/>
+            </a:avLst>
+          </a:prstGeom>
+          <a:noFill/>
+          <a:ln w="9525">
+            <a:solidFill>
+              <a:schemeClr val="accent1"/>
+            </a:solidFill>
+            <a:miter lim="800000"/>
+            <a:headEnd type="none" w="sm" len="sm"/>
+            <a:tailEnd type="triangle" w="med" len="med"/>
+          </a:ln>
+          <a:extLst>
+            <a:ext uri="{909E8E84-426E-40DD-AFC4-6F175D3DCCD1}">
+              <a14:hiddenFill xmlns:a14="http://schemas.microsoft.com/office/drawing/2010/main">
+                <a:noFill/>
+              </a14:hiddenFill>
+            </a:ext>
+          </a:extLst>
+        </p:spPr>
+      </p:cxnSp>
+      <p:sp>
+        <p:nvSpPr>
+          <p:cNvPr id="23" name="Title 1">
+            <a:extLst>
+              <a:ext uri="{FF2B5EF4-FFF2-40B4-BE49-F238E27FC236}">
+                <a16:creationId xmlns:a16="http://schemas.microsoft.com/office/drawing/2014/main" id="{2D322A9F-E813-4276-941B-BDB3AECB03B8}"/>
+              </a:ext>
+            </a:extLst>
+          </p:cNvPr>
+          <p:cNvSpPr txBox="1">
+            <a:spLocks/>
+          </p:cNvSpPr>
+          <p:nvPr/>
+        </p:nvSpPr>
+        <p:spPr>
+          <a:xfrm>
+            <a:off x="0" y="-14472"/>
+            <a:ext cx="3379433" cy="855540"/>
+          </a:xfrm>
+          <a:prstGeom prst="rect">
+            <a:avLst/>
+          </a:prstGeom>
+        </p:spPr>
+        <p:txBody>
+          <a:bodyPr>
+            <a:normAutofit/>
+          </a:bodyPr>
+          <a:lstStyle>
+            <a:lvl1pPr algn="l" defTabSz="914400" rtl="0" eaLnBrk="1" latinLnBrk="0" hangingPunct="1">
+              <a:lnSpc>
+                <a:spcPct val="90000"/>
+              </a:lnSpc>
+              <a:spcBef>
+                <a:spcPct val="0"/>
+              </a:spcBef>
+              <a:buNone/>
+              <a:defRPr sz="4400" kern="1200">
+                <a:solidFill>
+                  <a:schemeClr val="tx1"/>
+                </a:solidFill>
+                <a:latin typeface="+mj-lt"/>
+                <a:ea typeface="+mj-ea"/>
+                <a:cs typeface="+mj-cs"/>
+              </a:defRPr>
+            </a:lvl1pPr>
+          </a:lstStyle>
+          <a:p>
+            <a:r>
+              <a:rPr lang="en-US" sz="4800"/>
+              <a:t>About Data</a:t>
+            </a:r>
+            <a:endParaRPr lang="en-US" sz="4800" dirty="0"/>
+          </a:p>
+        </p:txBody>
+      </p:sp>
+      <p:pic>
+        <p:nvPicPr>
+          <p:cNvPr id="24" name="Picture 23">
+            <a:extLst>
+              <a:ext uri="{FF2B5EF4-FFF2-40B4-BE49-F238E27FC236}">
+                <a16:creationId xmlns:a16="http://schemas.microsoft.com/office/drawing/2014/main" id="{A59A922F-29F9-4ED8-94DC-AD927072432D}"/>
+              </a:ext>
+            </a:extLst>
+          </p:cNvPr>
+          <p:cNvPicPr>
+            <a:picLocks noChangeAspect="1"/>
+          </p:cNvPicPr>
+          <p:nvPr/>
+        </p:nvPicPr>
+        <p:blipFill>
+          <a:blip r:embed="rId2"/>
+          <a:stretch>
+            <a:fillRect/>
+          </a:stretch>
+        </p:blipFill>
+        <p:spPr>
+          <a:xfrm>
+            <a:off x="10218198" y="-79899"/>
+            <a:ext cx="1973802" cy="1571348"/>
+          </a:xfrm>
+          <a:prstGeom prst="ellipse">
+            <a:avLst/>
+          </a:prstGeom>
+          <a:ln>
+            <a:noFill/>
+          </a:ln>
+          <a:effectLst>
+            <a:softEdge rad="112500"/>
+          </a:effectLst>
+        </p:spPr>
+      </p:pic>
     </p:spTree>
     <p:extLst>
       <p:ext uri="{BB962C8B-B14F-4D97-AF65-F5344CB8AC3E}">
-        <p14:creationId xmlns:p14="http://schemas.microsoft.com/office/powerpoint/2010/main" val="394020182"/>
+        <p14:creationId xmlns:p14="http://schemas.microsoft.com/office/powerpoint/2010/main" val="1274790981"/>
       </p:ext>
     </p:extLst>
   </p:cSld>
@@ -5230,14 +10172,21 @@
             <p:ph type="ctrTitle"/>
           </p:nvPr>
         </p:nvSpPr>
-        <p:spPr/>
-        <p:txBody>
-          <a:bodyPr/>
+        <p:spPr>
+          <a:xfrm>
+            <a:off x="0" y="0"/>
+            <a:ext cx="3379433" cy="855540"/>
+          </a:xfrm>
+        </p:spPr>
+        <p:txBody>
+          <a:bodyPr>
+            <a:normAutofit/>
+          </a:bodyPr>
           <a:lstStyle/>
           <a:p>
             <a:r>
-              <a:rPr lang="en-US" dirty="0"/>
-              <a:t>Core Goal 1 - CNN</a:t>
+              <a:rPr lang="en-US" sz="4800" dirty="0"/>
+              <a:t>About Data</a:t>
             </a:r>
           </a:p>
         </p:txBody>
@@ -5258,19 +10207,236 @@
             <p:ph type="subTitle" idx="1"/>
           </p:nvPr>
         </p:nvSpPr>
-        <p:spPr/>
-        <p:txBody>
-          <a:bodyPr/>
+        <p:spPr>
+          <a:xfrm>
+            <a:off x="781236" y="1225357"/>
+            <a:ext cx="9038895" cy="3666953"/>
+          </a:xfrm>
+        </p:spPr>
+        <p:txBody>
+          <a:bodyPr>
+            <a:normAutofit/>
+          </a:bodyPr>
           <a:lstStyle/>
           <a:p>
-            <a:endParaRPr lang="en-US" dirty="0"/>
+            <a:pPr marL="285750" indent="-285750" algn="just">
+              <a:lnSpc>
+                <a:spcPct val="150000"/>
+              </a:lnSpc>
+              <a:buFont typeface="Arial" panose="020B0604020202020204" pitchFamily="34" charset="0"/>
+              <a:buChar char="•"/>
+            </a:pPr>
+            <a:r>
+              <a:rPr lang="en-US" altLang="zh-CN" sz="1800" dirty="0"/>
+              <a:t>The image dataset available on Kaggle.com has 20 folders (one for each Simpson character) with 400-2000 pictures in each folder.  </a:t>
+            </a:r>
+          </a:p>
+          <a:p>
+            <a:pPr marL="285750" indent="-285750" algn="just">
+              <a:lnSpc>
+                <a:spcPct val="150000"/>
+              </a:lnSpc>
+              <a:buFont typeface="Arial" panose="020B0604020202020204" pitchFamily="34" charset="0"/>
+              <a:buChar char="•"/>
+            </a:pPr>
+            <a:r>
+              <a:rPr lang="en-US" altLang="zh-CN" sz="1800" dirty="0"/>
+              <a:t>This image dataset is a collection of video frame captures from Simpson’s episodes. Dataset includes images that feature multiple characters in a single frame.</a:t>
+            </a:r>
+          </a:p>
+          <a:p>
+            <a:pPr marL="285750" indent="-285750" algn="just">
+              <a:lnSpc>
+                <a:spcPct val="150000"/>
+              </a:lnSpc>
+              <a:buFont typeface="Arial" panose="020B0604020202020204" pitchFamily="34" charset="0"/>
+              <a:buChar char="•"/>
+            </a:pPr>
+            <a:r>
+              <a:rPr lang="en-US" altLang="zh-CN" sz="1800" dirty="0">
+                <a:solidFill>
+                  <a:schemeClr val="tx1"/>
+                </a:solidFill>
+              </a:rPr>
+              <a:t>There may be insufficient images with multiple characters for tagging.  This may require the team to generate additional frames with multiple characters</a:t>
+            </a:r>
+            <a:r>
+              <a:rPr lang="en-US" altLang="zh-CN" sz="1800" dirty="0"/>
+              <a:t>. </a:t>
+            </a:r>
+          </a:p>
+          <a:p>
+            <a:pPr algn="just">
+              <a:lnSpc>
+                <a:spcPct val="150000"/>
+              </a:lnSpc>
+            </a:pPr>
+            <a:endParaRPr lang="en-US" altLang="zh-CN" sz="1800" dirty="0">
+              <a:solidFill>
+                <a:schemeClr val="tx1"/>
+              </a:solidFill>
+            </a:endParaRPr>
+          </a:p>
+          <a:p>
+            <a:pPr algn="just">
+              <a:lnSpc>
+                <a:spcPct val="150000"/>
+              </a:lnSpc>
+            </a:pPr>
+            <a:endParaRPr lang="en-US" altLang="zh-CN" sz="1800" dirty="0"/>
+          </a:p>
+          <a:p>
+            <a:pPr algn="just">
+              <a:lnSpc>
+                <a:spcPct val="150000"/>
+              </a:lnSpc>
+            </a:pPr>
+            <a:endParaRPr lang="en-US" altLang="zh-CN" sz="1800" dirty="0"/>
+          </a:p>
+          <a:p>
+            <a:pPr algn="just">
+              <a:lnSpc>
+                <a:spcPct val="150000"/>
+              </a:lnSpc>
+            </a:pPr>
+            <a:endParaRPr lang="en-US" altLang="zh-CN" sz="1800" dirty="0"/>
+          </a:p>
+          <a:p>
+            <a:pPr algn="just">
+              <a:lnSpc>
+                <a:spcPct val="150000"/>
+              </a:lnSpc>
+            </a:pPr>
+            <a:endParaRPr lang="en-US" altLang="zh-CN" sz="1800" dirty="0"/>
+          </a:p>
+          <a:p>
+            <a:pPr algn="just">
+              <a:lnSpc>
+                <a:spcPct val="150000"/>
+              </a:lnSpc>
+            </a:pPr>
+            <a:endParaRPr lang="en-US" altLang="zh-CN" sz="1800" dirty="0">
+              <a:solidFill>
+                <a:srgbClr val="000000"/>
+              </a:solidFill>
+            </a:endParaRPr>
+          </a:p>
+          <a:p>
+            <a:endParaRPr lang="en-US" sz="1800" dirty="0"/>
+          </a:p>
+        </p:txBody>
+      </p:sp>
+      <p:pic>
+        <p:nvPicPr>
+          <p:cNvPr id="5" name="Picture 4">
+            <a:extLst>
+              <a:ext uri="{FF2B5EF4-FFF2-40B4-BE49-F238E27FC236}">
+                <a16:creationId xmlns:a16="http://schemas.microsoft.com/office/drawing/2014/main" id="{538C19D4-6995-4EEC-A06C-712C77AAE39C}"/>
+              </a:ext>
+            </a:extLst>
+          </p:cNvPr>
+          <p:cNvPicPr>
+            <a:picLocks noChangeAspect="1"/>
+          </p:cNvPicPr>
+          <p:nvPr/>
+        </p:nvPicPr>
+        <p:blipFill>
+          <a:blip r:embed="rId2"/>
+          <a:stretch>
+            <a:fillRect/>
+          </a:stretch>
+        </p:blipFill>
+        <p:spPr>
+          <a:xfrm>
+            <a:off x="10218198" y="-79899"/>
+            <a:ext cx="1973802" cy="1571348"/>
+          </a:xfrm>
+          <a:prstGeom prst="ellipse">
+            <a:avLst/>
+          </a:prstGeom>
+          <a:ln>
+            <a:noFill/>
+          </a:ln>
+          <a:effectLst>
+            <a:softEdge rad="112500"/>
+          </a:effectLst>
+        </p:spPr>
+      </p:pic>
+      <p:sp>
+        <p:nvSpPr>
+          <p:cNvPr id="7" name="Rectangle 6">
+            <a:extLst>
+              <a:ext uri="{FF2B5EF4-FFF2-40B4-BE49-F238E27FC236}">
+                <a16:creationId xmlns:a16="http://schemas.microsoft.com/office/drawing/2014/main" id="{5B0501B6-27B4-4D5E-AD22-C196D3BB3524}"/>
+              </a:ext>
+            </a:extLst>
+          </p:cNvPr>
+          <p:cNvSpPr/>
+          <p:nvPr/>
+        </p:nvSpPr>
+        <p:spPr>
+          <a:xfrm>
+            <a:off x="781236" y="4198310"/>
+            <a:ext cx="9038895" cy="2127634"/>
+          </a:xfrm>
+          <a:prstGeom prst="rect">
+            <a:avLst/>
+          </a:prstGeom>
+        </p:spPr>
+        <p:txBody>
+          <a:bodyPr wrap="square">
+            <a:spAutoFit/>
+          </a:bodyPr>
+          <a:lstStyle/>
+          <a:p>
+            <a:pPr marL="285750" indent="-285750" algn="just">
+              <a:lnSpc>
+                <a:spcPct val="150000"/>
+              </a:lnSpc>
+              <a:buFont typeface="Arial" panose="020B0604020202020204" pitchFamily="34" charset="0"/>
+              <a:buChar char="•"/>
+            </a:pPr>
+            <a:r>
+              <a:rPr lang="en-US" altLang="zh-CN" dirty="0"/>
+              <a:t>File descriptions and explanations:</a:t>
+            </a:r>
+          </a:p>
+          <a:p>
+            <a:pPr algn="just">
+              <a:lnSpc>
+                <a:spcPct val="150000"/>
+              </a:lnSpc>
+            </a:pPr>
+            <a:r>
+              <a:rPr lang="en-US" altLang="zh-CN" b="1" dirty="0"/>
+              <a:t>                             File simpson-set.tar.gz </a:t>
+            </a:r>
+            <a:r>
+              <a:rPr lang="en-US" altLang="zh-CN" dirty="0"/>
+              <a:t>: This is an image dataset: 20 folders (one for each character) with 400-2000 pictures in each folder.</a:t>
+            </a:r>
+          </a:p>
+          <a:p>
+            <a:pPr algn="just">
+              <a:lnSpc>
+                <a:spcPct val="150000"/>
+              </a:lnSpc>
+            </a:pPr>
+            <a:r>
+              <a:rPr lang="en-US" altLang="zh-CN" b="1" dirty="0"/>
+              <a:t>                             File annotation.txt </a:t>
+            </a:r>
+            <a:r>
+              <a:rPr lang="en-US" altLang="zh-CN" dirty="0"/>
+              <a:t>: Annotation file for bounding boxes for each  character</a:t>
+            </a:r>
           </a:p>
         </p:txBody>
       </p:sp>
     </p:spTree>
     <p:extLst>
       <p:ext uri="{BB962C8B-B14F-4D97-AF65-F5344CB8AC3E}">
-        <p14:creationId xmlns:p14="http://schemas.microsoft.com/office/powerpoint/2010/main" val="118487605"/>
+        <p14:creationId xmlns:p14="http://schemas.microsoft.com/office/powerpoint/2010/main" val="2213946378"/>
       </p:ext>
     </p:extLst>
   </p:cSld>
@@ -5302,63 +10468,251 @@
           <p:cNvPr id="2" name="Title 1">
             <a:extLst>
               <a:ext uri="{FF2B5EF4-FFF2-40B4-BE49-F238E27FC236}">
-                <a16:creationId xmlns:a16="http://schemas.microsoft.com/office/drawing/2014/main" id="{6902BBD3-1236-4D52-B9A1-AD4DF8D0B35C}"/>
-              </a:ext>
-            </a:extLst>
-          </p:cNvPr>
-          <p:cNvSpPr>
-            <a:spLocks noGrp="1"/>
-          </p:cNvSpPr>
-          <p:nvPr>
-            <p:ph type="ctrTitle"/>
-          </p:nvPr>
-        </p:nvSpPr>
-        <p:spPr/>
-        <p:txBody>
-          <a:bodyPr/>
+                <a16:creationId xmlns:a16="http://schemas.microsoft.com/office/drawing/2014/main" id="{FD715AF7-10FF-4E19-A206-3E8E7C1A3591}"/>
+              </a:ext>
+            </a:extLst>
+          </p:cNvPr>
+          <p:cNvSpPr txBox="1">
+            <a:spLocks/>
+          </p:cNvSpPr>
+          <p:nvPr/>
+        </p:nvSpPr>
+        <p:spPr>
+          <a:xfrm>
+            <a:off x="0" y="0"/>
+            <a:ext cx="3379433" cy="855540"/>
+          </a:xfrm>
+          <a:prstGeom prst="rect">
+            <a:avLst/>
+          </a:prstGeom>
+        </p:spPr>
+        <p:txBody>
+          <a:bodyPr>
+            <a:normAutofit/>
+          </a:bodyPr>
+          <a:lstStyle>
+            <a:lvl1pPr algn="l" defTabSz="914400" rtl="0" eaLnBrk="1" latinLnBrk="0" hangingPunct="1">
+              <a:lnSpc>
+                <a:spcPct val="90000"/>
+              </a:lnSpc>
+              <a:spcBef>
+                <a:spcPct val="0"/>
+              </a:spcBef>
+              <a:buNone/>
+              <a:defRPr sz="4400" kern="1200">
+                <a:solidFill>
+                  <a:schemeClr val="tx1"/>
+                </a:solidFill>
+                <a:latin typeface="+mj-lt"/>
+                <a:ea typeface="+mj-ea"/>
+                <a:cs typeface="+mj-cs"/>
+              </a:defRPr>
+            </a:lvl1pPr>
+          </a:lstStyle>
+          <a:p>
+            <a:r>
+              <a:rPr lang="en-US" sz="4800"/>
+              <a:t>About Data</a:t>
+            </a:r>
+            <a:endParaRPr lang="en-US" sz="4800" dirty="0"/>
+          </a:p>
+        </p:txBody>
+      </p:sp>
+      <p:pic>
+        <p:nvPicPr>
+          <p:cNvPr id="3" name="Picture 2">
+            <a:extLst>
+              <a:ext uri="{FF2B5EF4-FFF2-40B4-BE49-F238E27FC236}">
+                <a16:creationId xmlns:a16="http://schemas.microsoft.com/office/drawing/2014/main" id="{574382F5-D1F5-41BD-B038-B82973325860}"/>
+              </a:ext>
+            </a:extLst>
+          </p:cNvPr>
+          <p:cNvPicPr>
+            <a:picLocks noChangeAspect="1"/>
+          </p:cNvPicPr>
+          <p:nvPr/>
+        </p:nvPicPr>
+        <p:blipFill>
+          <a:blip r:embed="rId2"/>
+          <a:stretch>
+            <a:fillRect/>
+          </a:stretch>
+        </p:blipFill>
+        <p:spPr>
+          <a:xfrm>
+            <a:off x="10218198" y="-79899"/>
+            <a:ext cx="1973802" cy="1571348"/>
+          </a:xfrm>
+          <a:prstGeom prst="ellipse">
+            <a:avLst/>
+          </a:prstGeom>
+          <a:ln>
+            <a:noFill/>
+          </a:ln>
+          <a:effectLst>
+            <a:softEdge rad="112500"/>
+          </a:effectLst>
+        </p:spPr>
+      </p:pic>
+      <p:sp>
+        <p:nvSpPr>
+          <p:cNvPr id="4" name="Rectangle 3">
+            <a:extLst>
+              <a:ext uri="{FF2B5EF4-FFF2-40B4-BE49-F238E27FC236}">
+                <a16:creationId xmlns:a16="http://schemas.microsoft.com/office/drawing/2014/main" id="{A9E75F69-B6A3-42E8-9B41-5D8C6557793E}"/>
+              </a:ext>
+            </a:extLst>
+          </p:cNvPr>
+          <p:cNvSpPr/>
+          <p:nvPr/>
+        </p:nvSpPr>
+        <p:spPr>
+          <a:xfrm>
+            <a:off x="331432" y="845118"/>
+            <a:ext cx="7032753" cy="369332"/>
+          </a:xfrm>
+          <a:prstGeom prst="rect">
+            <a:avLst/>
+          </a:prstGeom>
+        </p:spPr>
+        <p:txBody>
+          <a:bodyPr wrap="square">
+            <a:spAutoFit/>
+          </a:bodyPr>
           <a:lstStyle/>
           <a:p>
             <a:r>
-              <a:rPr lang="en-US" dirty="0"/>
-              <a:t>Core Goal 2 - </a:t>
-            </a:r>
-            <a:r>
-              <a:rPr lang="en-US" dirty="0" err="1"/>
-              <a:t>FasterRCNN</a:t>
-            </a:r>
-            <a:endParaRPr lang="en-US" dirty="0"/>
-          </a:p>
-        </p:txBody>
-      </p:sp>
-      <p:sp>
-        <p:nvSpPr>
-          <p:cNvPr id="3" name="Subtitle 2">
-            <a:extLst>
-              <a:ext uri="{FF2B5EF4-FFF2-40B4-BE49-F238E27FC236}">
-                <a16:creationId xmlns:a16="http://schemas.microsoft.com/office/drawing/2014/main" id="{0CD2B805-351F-4720-9B6A-DD87484BA767}"/>
-              </a:ext>
-            </a:extLst>
-          </p:cNvPr>
-          <p:cNvSpPr>
-            <a:spLocks noGrp="1"/>
-          </p:cNvSpPr>
-          <p:nvPr>
-            <p:ph type="subTitle" idx="1"/>
-          </p:nvPr>
-        </p:nvSpPr>
-        <p:spPr/>
-        <p:txBody>
-          <a:bodyPr/>
-          <a:lstStyle/>
-          <a:p>
-            <a:endParaRPr lang="en-US" dirty="0"/>
-          </a:p>
-        </p:txBody>
-      </p:sp>
+              <a:rPr lang="en-US" altLang="en-US" dirty="0"/>
+              <a:t>Table showing all characters with over 100 images in the dataset</a:t>
+            </a:r>
+            <a:endParaRPr lang="zh-CN" altLang="en-US" dirty="0"/>
+          </a:p>
+        </p:txBody>
+      </p:sp>
+      <p:pic>
+        <p:nvPicPr>
+          <p:cNvPr id="5" name="Google Shape;157;p18">
+            <a:extLst>
+              <a:ext uri="{FF2B5EF4-FFF2-40B4-BE49-F238E27FC236}">
+                <a16:creationId xmlns:a16="http://schemas.microsoft.com/office/drawing/2014/main" id="{8D059781-72DE-4860-8F0C-928364524C7B}"/>
+              </a:ext>
+            </a:extLst>
+          </p:cNvPr>
+          <p:cNvPicPr preferRelativeResize="0">
+            <a:picLocks noChangeAspect="1" noChangeArrowheads="1"/>
+          </p:cNvPicPr>
+          <p:nvPr/>
+        </p:nvPicPr>
+        <p:blipFill>
+          <a:blip r:embed="rId3">
+            <a:extLst>
+              <a:ext uri="{28A0092B-C50C-407E-A947-70E740481C1C}">
+                <a14:useLocalDpi xmlns:a14="http://schemas.microsoft.com/office/drawing/2010/main" val="0"/>
+              </a:ext>
+            </a:extLst>
+          </a:blip>
+          <a:srcRect r="38589"/>
+          <a:stretch>
+            <a:fillRect/>
+          </a:stretch>
+        </p:blipFill>
+        <p:spPr bwMode="auto">
+          <a:xfrm>
+            <a:off x="6915149" y="1417135"/>
+            <a:ext cx="4302579" cy="5259890"/>
+          </a:xfrm>
+          <a:prstGeom prst="rect">
+            <a:avLst/>
+          </a:prstGeom>
+          <a:noFill/>
+          <a:ln>
+            <a:noFill/>
+          </a:ln>
+          <a:extLst>
+            <a:ext uri="{909E8E84-426E-40DD-AFC4-6F175D3DCCD1}">
+              <a14:hiddenFill xmlns:a14="http://schemas.microsoft.com/office/drawing/2010/main">
+                <a:solidFill>
+                  <a:srgbClr val="FFFFFF"/>
+                </a:solidFill>
+              </a14:hiddenFill>
+            </a:ext>
+            <a:ext uri="{91240B29-F687-4F45-9708-019B960494DF}">
+              <a14:hiddenLine xmlns:a14="http://schemas.microsoft.com/office/drawing/2010/main" w="9525">
+                <a:solidFill>
+                  <a:srgbClr val="000000"/>
+                </a:solidFill>
+                <a:miter lim="800000"/>
+                <a:headEnd/>
+                <a:tailEnd/>
+              </a14:hiddenLine>
+            </a:ext>
+          </a:extLst>
+        </p:spPr>
+      </p:pic>
+      <p:pic>
+        <p:nvPicPr>
+          <p:cNvPr id="6" name="Google Shape;162;p18">
+            <a:extLst>
+              <a:ext uri="{FF2B5EF4-FFF2-40B4-BE49-F238E27FC236}">
+                <a16:creationId xmlns:a16="http://schemas.microsoft.com/office/drawing/2014/main" id="{A960C609-9651-43A1-8CE6-89FF688F6DC4}"/>
+              </a:ext>
+            </a:extLst>
+          </p:cNvPr>
+          <p:cNvPicPr preferRelativeResize="0">
+            <a:picLocks noChangeAspect="1" noChangeArrowheads="1"/>
+          </p:cNvPicPr>
+          <p:nvPr/>
+        </p:nvPicPr>
+        <p:blipFill>
+          <a:blip r:embed="rId4">
+            <a:extLst>
+              <a:ext uri="{28A0092B-C50C-407E-A947-70E740481C1C}">
+                <a14:useLocalDpi xmlns:a14="http://schemas.microsoft.com/office/drawing/2010/main" val="0"/>
+              </a:ext>
+            </a:extLst>
+          </a:blip>
+          <a:srcRect/>
+          <a:stretch>
+            <a:fillRect/>
+          </a:stretch>
+        </p:blipFill>
+        <p:spPr bwMode="auto">
+          <a:xfrm>
+            <a:off x="374650" y="1338943"/>
+            <a:ext cx="6505421" cy="5301570"/>
+          </a:xfrm>
+          <a:prstGeom prst="rect">
+            <a:avLst/>
+          </a:prstGeom>
+          <a:noFill/>
+          <a:ln>
+            <a:noFill/>
+          </a:ln>
+          <a:extLst>
+            <a:ext uri="{909E8E84-426E-40DD-AFC4-6F175D3DCCD1}">
+              <a14:hiddenFill xmlns:a14="http://schemas.microsoft.com/office/drawing/2010/main">
+                <a:solidFill>
+                  <a:srgbClr val="FFFFFF"/>
+                </a:solidFill>
+              </a14:hiddenFill>
+            </a:ext>
+            <a:ext uri="{91240B29-F687-4F45-9708-019B960494DF}">
+              <a14:hiddenLine xmlns:a14="http://schemas.microsoft.com/office/drawing/2010/main" w="9525">
+                <a:solidFill>
+                  <a:srgbClr val="000000"/>
+                </a:solidFill>
+                <a:miter lim="800000"/>
+                <a:headEnd/>
+                <a:tailEnd/>
+              </a14:hiddenLine>
+            </a:ext>
+          </a:extLst>
+        </p:spPr>
+      </p:pic>
     </p:spTree>
     <p:extLst>
       <p:ext uri="{BB962C8B-B14F-4D97-AF65-F5344CB8AC3E}">
-        <p14:creationId xmlns:p14="http://schemas.microsoft.com/office/powerpoint/2010/main" val="3459178670"/>
+        <p14:creationId xmlns:p14="http://schemas.microsoft.com/office/powerpoint/2010/main" val="1900657542"/>
       </p:ext>
     </p:extLst>
   </p:cSld>
@@ -5411,7 +10765,7 @@
     </a:clrScheme>
     <a:fontScheme name="Office">
       <a:majorFont>
-        <a:latin typeface="Calibri Light" panose="020F0302020204030204"/>
+        <a:latin typeface="等线 Light" panose="020F0302020204030204"/>
         <a:ea typeface=""/>
         <a:cs typeface=""/>
         <a:font script="Jpan" typeface="游ゴシック Light"/>
@@ -5463,7 +10817,7 @@
         <a:font script="Tfng" typeface="Ebrima"/>
       </a:majorFont>
       <a:minorFont>
-        <a:latin typeface="Calibri" panose="020F0502020204030204"/>
+        <a:latin typeface="等线" panose="020F0502020204030204"/>
         <a:ea typeface=""/>
         <a:cs typeface=""/>
         <a:font script="Jpan" typeface="游ゴシック"/>
